--- a/lecture_5/5_design_of_experiments.pptx
+++ b/lecture_5/5_design_of_experiments.pptx
@@ -5,16 +5,20 @@
     <p:sldMasterId id="2147483648" r:id="rId1"/>
   </p:sldMasterIdLst>
   <p:notesMasterIdLst>
-    <p:notesMasterId r:id="rId6"/>
+    <p:notesMasterId r:id="rId10"/>
   </p:notesMasterIdLst>
   <p:handoutMasterIdLst>
-    <p:handoutMasterId r:id="rId7"/>
+    <p:handoutMasterId r:id="rId11"/>
   </p:handoutMasterIdLst>
   <p:sldIdLst>
     <p:sldId id="347" r:id="rId2"/>
     <p:sldId id="348" r:id="rId3"/>
     <p:sldId id="349" r:id="rId4"/>
     <p:sldId id="351" r:id="rId5"/>
+    <p:sldId id="352" r:id="rId6"/>
+    <p:sldId id="356" r:id="rId7"/>
+    <p:sldId id="354" r:id="rId8"/>
+    <p:sldId id="357" r:id="rId9"/>
   </p:sldIdLst>
   <p:sldSz cx="9144000" cy="6858000" type="screen4x3"/>
   <p:notesSz cx="6858000" cy="9144000"/>
@@ -277,7 +281,7 @@
               <a:pPr>
                 <a:defRPr/>
               </a:pPr>
-              <a:t>12/26/20</a:t>
+              <a:t>12/31/20</a:t>
             </a:fld>
             <a:endParaRPr lang="en-US" altLang="x-none"/>
           </a:p>
@@ -486,7 +490,7 @@
               <a:pPr>
                 <a:defRPr/>
               </a:pPr>
-              <a:t>12/26/20</a:t>
+              <a:t>12/31/20</a:t>
             </a:fld>
             <a:endParaRPr lang="en-US" altLang="x-none"/>
           </a:p>
@@ -886,6 +890,189 @@
     <p:extLst>
       <p:ext uri="{BB962C8B-B14F-4D97-AF65-F5344CB8AC3E}">
         <p14:creationId xmlns:p14="http://schemas.microsoft.com/office/powerpoint/2010/main" val="256389567"/>
+      </p:ext>
+    </p:extLst>
+  </p:cSld>
+  <p:clrMapOvr>
+    <a:masterClrMapping/>
+  </p:clrMapOvr>
+</p:notes>
+</file>
+
+<file path=ppt/notesSlides/notesSlide2.xml><?xml version="1.0" encoding="utf-8"?>
+<p:notes xmlns:a="http://schemas.openxmlformats.org/drawingml/2006/main" xmlns:r="http://schemas.openxmlformats.org/officeDocument/2006/relationships" xmlns:p="http://schemas.openxmlformats.org/presentationml/2006/main">
+  <p:cSld>
+    <p:spTree>
+      <p:nvGrpSpPr>
+        <p:cNvPr id="1" name=""/>
+        <p:cNvGrpSpPr/>
+        <p:nvPr/>
+      </p:nvGrpSpPr>
+      <p:grpSpPr>
+        <a:xfrm>
+          <a:off x="0" y="0"/>
+          <a:ext cx="0" cy="0"/>
+          <a:chOff x="0" y="0"/>
+          <a:chExt cx="0" cy="0"/>
+        </a:xfrm>
+      </p:grpSpPr>
+      <p:sp>
+        <p:nvSpPr>
+          <p:cNvPr id="2" name="Slide Image Placeholder 1"/>
+          <p:cNvSpPr>
+            <a:spLocks noGrp="1" noRot="1" noChangeAspect="1"/>
+          </p:cNvSpPr>
+          <p:nvPr>
+            <p:ph type="sldImg"/>
+          </p:nvPr>
+        </p:nvSpPr>
+        <p:spPr/>
+      </p:sp>
+      <p:sp>
+        <p:nvSpPr>
+          <p:cNvPr id="3" name="Notes Placeholder 2"/>
+          <p:cNvSpPr>
+            <a:spLocks noGrp="1"/>
+          </p:cNvSpPr>
+          <p:nvPr>
+            <p:ph type="body" idx="1"/>
+          </p:nvPr>
+        </p:nvSpPr>
+        <p:spPr/>
+        <p:txBody>
+          <a:bodyPr/>
+          <a:lstStyle/>
+          <a:p>
+            <a:endParaRPr lang="en-US" dirty="0"/>
+          </a:p>
+        </p:txBody>
+      </p:sp>
+      <p:sp>
+        <p:nvSpPr>
+          <p:cNvPr id="4" name="Slide Number Placeholder 3"/>
+          <p:cNvSpPr>
+            <a:spLocks noGrp="1"/>
+          </p:cNvSpPr>
+          <p:nvPr>
+            <p:ph type="sldNum" sz="quarter" idx="5"/>
+          </p:nvPr>
+        </p:nvSpPr>
+        <p:spPr/>
+        <p:txBody>
+          <a:bodyPr/>
+          <a:lstStyle/>
+          <a:p>
+            <a:pPr>
+              <a:defRPr/>
+            </a:pPr>
+            <a:fld id="{1E3608CA-DBCA-4E8F-8DAB-6E1AFAF19782}" type="slidenum">
+              <a:rPr lang="en-US" altLang="x-none" smtClean="0"/>
+              <a:pPr>
+                <a:defRPr/>
+              </a:pPr>
+              <a:t>7</a:t>
+            </a:fld>
+            <a:endParaRPr lang="en-US" altLang="x-none"/>
+          </a:p>
+        </p:txBody>
+      </p:sp>
+    </p:spTree>
+    <p:extLst>
+      <p:ext uri="{BB962C8B-B14F-4D97-AF65-F5344CB8AC3E}">
+        <p14:creationId xmlns:p14="http://schemas.microsoft.com/office/powerpoint/2010/main" val="231659349"/>
+      </p:ext>
+    </p:extLst>
+  </p:cSld>
+  <p:clrMapOvr>
+    <a:masterClrMapping/>
+  </p:clrMapOvr>
+</p:notes>
+</file>
+
+<file path=ppt/notesSlides/notesSlide3.xml><?xml version="1.0" encoding="utf-8"?>
+<p:notes xmlns:a="http://schemas.openxmlformats.org/drawingml/2006/main" xmlns:r="http://schemas.openxmlformats.org/officeDocument/2006/relationships" xmlns:p="http://schemas.openxmlformats.org/presentationml/2006/main">
+  <p:cSld>
+    <p:spTree>
+      <p:nvGrpSpPr>
+        <p:cNvPr id="1" name=""/>
+        <p:cNvGrpSpPr/>
+        <p:nvPr/>
+      </p:nvGrpSpPr>
+      <p:grpSpPr>
+        <a:xfrm>
+          <a:off x="0" y="0"/>
+          <a:ext cx="0" cy="0"/>
+          <a:chOff x="0" y="0"/>
+          <a:chExt cx="0" cy="0"/>
+        </a:xfrm>
+      </p:grpSpPr>
+      <p:sp>
+        <p:nvSpPr>
+          <p:cNvPr id="2" name="Slide Image Placeholder 1"/>
+          <p:cNvSpPr>
+            <a:spLocks noGrp="1" noRot="1" noChangeAspect="1"/>
+          </p:cNvSpPr>
+          <p:nvPr>
+            <p:ph type="sldImg"/>
+          </p:nvPr>
+        </p:nvSpPr>
+        <p:spPr/>
+      </p:sp>
+      <p:sp>
+        <p:nvSpPr>
+          <p:cNvPr id="3" name="Notes Placeholder 2"/>
+          <p:cNvSpPr>
+            <a:spLocks noGrp="1"/>
+          </p:cNvSpPr>
+          <p:nvPr>
+            <p:ph type="body" idx="1"/>
+          </p:nvPr>
+        </p:nvSpPr>
+        <p:spPr/>
+        <p:txBody>
+          <a:bodyPr/>
+          <a:lstStyle/>
+          <a:p>
+            <a:r>
+              <a:rPr lang="en-US" dirty="0"/>
+              <a:t>More common to have 50 or so parameters.</a:t>
+            </a:r>
+          </a:p>
+        </p:txBody>
+      </p:sp>
+      <p:sp>
+        <p:nvSpPr>
+          <p:cNvPr id="4" name="Slide Number Placeholder 3"/>
+          <p:cNvSpPr>
+            <a:spLocks noGrp="1"/>
+          </p:cNvSpPr>
+          <p:nvPr>
+            <p:ph type="sldNum" sz="quarter" idx="5"/>
+          </p:nvPr>
+        </p:nvSpPr>
+        <p:spPr/>
+        <p:txBody>
+          <a:bodyPr/>
+          <a:lstStyle/>
+          <a:p>
+            <a:pPr>
+              <a:defRPr/>
+            </a:pPr>
+            <a:fld id="{1E3608CA-DBCA-4E8F-8DAB-6E1AFAF19782}" type="slidenum">
+              <a:rPr lang="en-US" altLang="x-none" smtClean="0"/>
+              <a:pPr>
+                <a:defRPr/>
+              </a:pPr>
+              <a:t>8</a:t>
+            </a:fld>
+            <a:endParaRPr lang="en-US" altLang="x-none"/>
+          </a:p>
+        </p:txBody>
+      </p:sp>
+    </p:spTree>
+    <p:extLst>
+      <p:ext uri="{BB962C8B-B14F-4D97-AF65-F5344CB8AC3E}">
+        <p14:creationId xmlns:p14="http://schemas.microsoft.com/office/powerpoint/2010/main" val="1456669463"/>
       </p:ext>
     </p:extLst>
   </p:cSld>
@@ -2240,7 +2427,7 @@
           <a:bodyPr/>
           <a:lstStyle>
             <a:lvl1pPr>
-              <a:defRPr sz="3600" b="1"/>
+              <a:defRPr sz="3200" b="1"/>
             </a:lvl1pPr>
           </a:lstStyle>
           <a:p>
@@ -2274,19 +2461,19 @@
           <a:bodyPr/>
           <a:lstStyle>
             <a:lvl1pPr>
-              <a:defRPr sz="3200"/>
+              <a:defRPr sz="2400"/>
             </a:lvl1pPr>
             <a:lvl2pPr>
-              <a:defRPr sz="2800"/>
+              <a:defRPr sz="2400"/>
             </a:lvl2pPr>
             <a:lvl3pPr>
               <a:defRPr sz="2400"/>
             </a:lvl3pPr>
             <a:lvl4pPr>
-              <a:defRPr sz="2000"/>
+              <a:defRPr sz="2400"/>
             </a:lvl4pPr>
             <a:lvl5pPr>
-              <a:defRPr sz="2000"/>
+              <a:defRPr sz="2400"/>
             </a:lvl5pPr>
             <a:lvl6pPr>
               <a:defRPr sz="2000"/>
@@ -2466,7 +2653,7 @@
           <a:bodyPr/>
           <a:lstStyle>
             <a:lvl1pPr>
-              <a:defRPr sz="3600" b="1"/>
+              <a:defRPr sz="3200" b="1"/>
             </a:lvl1pPr>
           </a:lstStyle>
           <a:p>
@@ -3351,7 +3538,7 @@
           <a:bodyPr/>
           <a:lstStyle>
             <a:lvl1pPr>
-              <a:defRPr b="1"/>
+              <a:defRPr sz="3200" b="1"/>
             </a:lvl1pPr>
           </a:lstStyle>
           <a:p>
@@ -5307,7 +5494,7 @@
         <p:spPr>
           <a:xfrm>
             <a:off x="4324911" y="1426346"/>
-            <a:ext cx="4151778" cy="646331"/>
+            <a:ext cx="3377848" cy="369332"/>
           </a:xfrm>
           <a:prstGeom prst="rect">
             <a:avLst/>
@@ -5323,12 +5510,6 @@
             <a:r>
               <a:rPr lang="en-US" b="1" dirty="0"/>
               <a:t>Design of experiments (DOE)</a:t>
-            </a:r>
-          </a:p>
-          <a:p>
-            <a:r>
-              <a:rPr lang="en-US" dirty="0"/>
-              <a:t>What’s changed and what’s measured.</a:t>
             </a:r>
           </a:p>
         </p:txBody>
@@ -5349,8 +5530,8 @@
         </p:nvCxnSpPr>
         <p:spPr>
           <a:xfrm flipH="1">
-            <a:off x="3300984" y="1749512"/>
-            <a:ext cx="1023927" cy="1048552"/>
+            <a:off x="3300985" y="1611012"/>
+            <a:ext cx="1023926" cy="1187052"/>
           </a:xfrm>
           <a:prstGeom prst="straightConnector1">
             <a:avLst/>
@@ -6189,8 +6370,8 @@
         </p:nvSpPr>
         <p:spPr>
           <a:xfrm>
-            <a:off x="1335024" y="6062472"/>
-            <a:ext cx="1184940" cy="369332"/>
+            <a:off x="1353312" y="6052684"/>
+            <a:ext cx="1223412" cy="646331"/>
           </a:xfrm>
           <a:prstGeom prst="rect">
             <a:avLst/>
@@ -6202,6 +6383,16 @@
             <a:spAutoFit/>
           </a:bodyPr>
           <a:lstStyle/>
+          <a:p>
+            <a:r>
+              <a:rPr lang="en-US" b="1" dirty="0">
+                <a:solidFill>
+                  <a:srgbClr val="FF0000"/>
+                </a:solidFill>
+              </a:rPr>
+              <a:t>Research</a:t>
+            </a:r>
+          </a:p>
           <a:p>
             <a:r>
               <a:rPr lang="en-US" b="1" dirty="0">
@@ -6228,8 +6419,8 @@
         </p:nvSpPr>
         <p:spPr>
           <a:xfrm>
-            <a:off x="2554419" y="6062472"/>
-            <a:ext cx="2492990" cy="369332"/>
+            <a:off x="3103681" y="6052684"/>
+            <a:ext cx="1031051" cy="646331"/>
           </a:xfrm>
           <a:prstGeom prst="rect">
             <a:avLst/>
@@ -6248,7 +6439,17 @@
                   <a:srgbClr val="002060"/>
                 </a:solidFill>
               </a:rPr>
-              <a:t>Experimental system</a:t>
+              <a:t>System</a:t>
+            </a:r>
+          </a:p>
+          <a:p>
+            <a:r>
+              <a:rPr lang="en-US" b="1" dirty="0">
+                <a:solidFill>
+                  <a:srgbClr val="002060"/>
+                </a:solidFill>
+              </a:rPr>
+              <a:t>Studied</a:t>
             </a:r>
           </a:p>
         </p:txBody>
@@ -6267,7 +6468,7 @@
         </p:nvSpPr>
         <p:spPr>
           <a:xfrm>
-            <a:off x="4999985" y="6052684"/>
+            <a:off x="4661689" y="6052684"/>
             <a:ext cx="1018227" cy="369332"/>
           </a:xfrm>
           <a:prstGeom prst="rect">
@@ -6361,7 +6562,7 @@
         </p:nvSpPr>
         <p:spPr>
           <a:xfrm>
-            <a:off x="6188586" y="6064756"/>
+            <a:off x="6206874" y="6052684"/>
             <a:ext cx="1415772" cy="369332"/>
           </a:xfrm>
           <a:prstGeom prst="rect">
@@ -6742,6 +6943,4122 @@
       <p:bldP spid="11" grpId="0"/>
     </p:bldLst>
   </p:timing>
+</p:sld>
+</file>
+
+<file path=ppt/slides/slide5.xml><?xml version="1.0" encoding="utf-8"?>
+<p:sld xmlns:a="http://schemas.openxmlformats.org/drawingml/2006/main" xmlns:r="http://schemas.openxmlformats.org/officeDocument/2006/relationships" xmlns:p="http://schemas.openxmlformats.org/presentationml/2006/main">
+  <p:cSld>
+    <p:spTree>
+      <p:nvGrpSpPr>
+        <p:cNvPr id="1" name=""/>
+        <p:cNvGrpSpPr/>
+        <p:nvPr/>
+      </p:nvGrpSpPr>
+      <p:grpSpPr>
+        <a:xfrm>
+          <a:off x="0" y="0"/>
+          <a:ext cx="0" cy="0"/>
+          <a:chOff x="0" y="0"/>
+          <a:chExt cx="0" cy="0"/>
+        </a:xfrm>
+      </p:grpSpPr>
+      <p:sp>
+        <p:nvSpPr>
+          <p:cNvPr id="3" name="Title 2">
+            <a:extLst>
+              <a:ext uri="{FF2B5EF4-FFF2-40B4-BE49-F238E27FC236}">
+                <a16:creationId xmlns:a16="http://schemas.microsoft.com/office/drawing/2014/main" id="{E5438D39-1C97-F347-9D8C-08752AD1C3D3}"/>
+              </a:ext>
+            </a:extLst>
+          </p:cNvPr>
+          <p:cNvSpPr>
+            <a:spLocks noGrp="1"/>
+          </p:cNvSpPr>
+          <p:nvPr>
+            <p:ph type="title"/>
+          </p:nvPr>
+        </p:nvSpPr>
+        <p:spPr/>
+        <p:txBody>
+          <a:bodyPr/>
+          <a:lstStyle/>
+          <a:p>
+            <a:r>
+              <a:rPr lang="en-US" dirty="0"/>
+              <a:t>Factorial (All Factor) Design</a:t>
+            </a:r>
+          </a:p>
+        </p:txBody>
+      </p:sp>
+      <p:sp>
+        <p:nvSpPr>
+          <p:cNvPr id="2" name="Slide Number Placeholder 1">
+            <a:extLst>
+              <a:ext uri="{FF2B5EF4-FFF2-40B4-BE49-F238E27FC236}">
+                <a16:creationId xmlns:a16="http://schemas.microsoft.com/office/drawing/2014/main" id="{2C82FFC7-AE15-9046-9EF8-0DCC90104343}"/>
+              </a:ext>
+            </a:extLst>
+          </p:cNvPr>
+          <p:cNvSpPr>
+            <a:spLocks noGrp="1"/>
+          </p:cNvSpPr>
+          <p:nvPr>
+            <p:ph type="sldNum" sz="quarter" idx="11"/>
+          </p:nvPr>
+        </p:nvSpPr>
+        <p:spPr/>
+        <p:txBody>
+          <a:bodyPr/>
+          <a:lstStyle/>
+          <a:p>
+            <a:pPr>
+              <a:defRPr/>
+            </a:pPr>
+            <a:fld id="{21F96DF4-0A1C-4FFD-A010-55DAD04D9A67}" type="slidenum">
+              <a:rPr lang="en-US" altLang="x-none" smtClean="0"/>
+              <a:pPr>
+                <a:defRPr/>
+              </a:pPr>
+              <a:t>5</a:t>
+            </a:fld>
+            <a:endParaRPr lang="en-US" altLang="x-none"/>
+          </a:p>
+        </p:txBody>
+      </p:sp>
+      <p:pic>
+        <p:nvPicPr>
+          <p:cNvPr id="6" name="Picture 5" descr="Diagram&#10;&#10;Description automatically generated">
+            <a:extLst>
+              <a:ext uri="{FF2B5EF4-FFF2-40B4-BE49-F238E27FC236}">
+                <a16:creationId xmlns:a16="http://schemas.microsoft.com/office/drawing/2014/main" id="{9AC22F4F-A2CE-2E46-B658-148DF7F3F4C1}"/>
+              </a:ext>
+            </a:extLst>
+          </p:cNvPr>
+          <p:cNvPicPr>
+            <a:picLocks noChangeAspect="1"/>
+          </p:cNvPicPr>
+          <p:nvPr/>
+        </p:nvPicPr>
+        <p:blipFill>
+          <a:blip r:embed="rId2"/>
+          <a:stretch>
+            <a:fillRect/>
+          </a:stretch>
+        </p:blipFill>
+        <p:spPr>
+          <a:xfrm>
+            <a:off x="403352" y="1591310"/>
+            <a:ext cx="4296664" cy="2956333"/>
+          </a:xfrm>
+          <a:prstGeom prst="rect">
+            <a:avLst/>
+          </a:prstGeom>
+        </p:spPr>
+      </p:pic>
+      <p:graphicFrame>
+        <p:nvGraphicFramePr>
+          <p:cNvPr id="8" name="Table 5">
+            <a:extLst>
+              <a:ext uri="{FF2B5EF4-FFF2-40B4-BE49-F238E27FC236}">
+                <a16:creationId xmlns:a16="http://schemas.microsoft.com/office/drawing/2014/main" id="{05D0FC0F-09AE-2C4B-BE2F-194CF5215602}"/>
+              </a:ext>
+            </a:extLst>
+          </p:cNvPr>
+          <p:cNvGraphicFramePr>
+            <a:graphicFrameLocks noGrp="1"/>
+          </p:cNvGraphicFramePr>
+          <p:nvPr>
+            <p:extLst>
+              <p:ext uri="{D42A27DB-BD31-4B8C-83A1-F6EECF244321}">
+                <p14:modId xmlns:p14="http://schemas.microsoft.com/office/powerpoint/2010/main" val="1197681033"/>
+              </p:ext>
+            </p:extLst>
+          </p:nvPr>
+        </p:nvGraphicFramePr>
+        <p:xfrm>
+          <a:off x="4818888" y="2392680"/>
+          <a:ext cx="3867911" cy="1747520"/>
+        </p:xfrm>
+        <a:graphic>
+          <a:graphicData uri="http://schemas.openxmlformats.org/drawingml/2006/table">
+            <a:tbl>
+              <a:tblPr firstRow="1" bandRow="1">
+                <a:tableStyleId>{5C22544A-7EE6-4342-B048-85BDC9FD1C3A}</a:tableStyleId>
+              </a:tblPr>
+              <a:tblGrid>
+                <a:gridCol w="868680">
+                  <a:extLst>
+                    <a:ext uri="{9D8B030D-6E8A-4147-A177-3AD203B41FA5}">
+                      <a16:colId xmlns:a16="http://schemas.microsoft.com/office/drawing/2014/main" val="1282448432"/>
+                    </a:ext>
+                  </a:extLst>
+                </a:gridCol>
+                <a:gridCol w="1471467">
+                  <a:extLst>
+                    <a:ext uri="{9D8B030D-6E8A-4147-A177-3AD203B41FA5}">
+                      <a16:colId xmlns:a16="http://schemas.microsoft.com/office/drawing/2014/main" val="729574387"/>
+                    </a:ext>
+                  </a:extLst>
+                </a:gridCol>
+                <a:gridCol w="1527764">
+                  <a:extLst>
+                    <a:ext uri="{9D8B030D-6E8A-4147-A177-3AD203B41FA5}">
+                      <a16:colId xmlns:a16="http://schemas.microsoft.com/office/drawing/2014/main" val="3206781725"/>
+                    </a:ext>
+                  </a:extLst>
+                </a:gridCol>
+              </a:tblGrid>
+              <a:tr h="460248">
+                <a:tc>
+                  <a:txBody>
+                    <a:bodyPr/>
+                    <a:lstStyle/>
+                    <a:p>
+                      <a:pPr algn="ctr"/>
+                      <a:r>
+                        <a:rPr lang="en-US" dirty="0"/>
+                        <a:t>#levels</a:t>
+                      </a:r>
+                    </a:p>
+                  </a:txBody>
+                  <a:tcPr/>
+                </a:tc>
+                <a:tc>
+                  <a:txBody>
+                    <a:bodyPr/>
+                    <a:lstStyle/>
+                    <a:p>
+                      <a:pPr algn="ctr"/>
+                      <a:r>
+                        <a:rPr lang="en-US" dirty="0"/>
+                        <a:t>#simulations</a:t>
+                      </a:r>
+                    </a:p>
+                  </a:txBody>
+                  <a:tcPr/>
+                </a:tc>
+                <a:tc>
+                  <a:txBody>
+                    <a:bodyPr/>
+                    <a:lstStyle/>
+                    <a:p>
+                      <a:pPr algn="ctr"/>
+                      <a:r>
+                        <a:rPr lang="en-US" dirty="0"/>
+                        <a:t>Time</a:t>
+                      </a:r>
+                    </a:p>
+                    <a:p>
+                      <a:pPr algn="ctr"/>
+                      <a:r>
+                        <a:rPr lang="en-US" dirty="0"/>
+                        <a:t>(1 sec/sim)</a:t>
+                      </a:r>
+                    </a:p>
+                  </a:txBody>
+                  <a:tcPr/>
+                </a:tc>
+                <a:extLst>
+                  <a:ext uri="{0D108BD9-81ED-4DB2-BD59-A6C34878D82A}">
+                    <a16:rowId xmlns:a16="http://schemas.microsoft.com/office/drawing/2014/main" val="586828454"/>
+                  </a:ext>
+                </a:extLst>
+              </a:tr>
+              <a:tr h="246888">
+                <a:tc>
+                  <a:txBody>
+                    <a:bodyPr/>
+                    <a:lstStyle/>
+                    <a:p>
+                      <a:pPr algn="r"/>
+                      <a:r>
+                        <a:rPr lang="en-US" dirty="0"/>
+                        <a:t>2</a:t>
+                      </a:r>
+                    </a:p>
+                  </a:txBody>
+                  <a:tcPr/>
+                </a:tc>
+                <a:tc>
+                  <a:txBody>
+                    <a:bodyPr/>
+                    <a:lstStyle/>
+                    <a:p>
+                      <a:pPr algn="r"/>
+                      <a:r>
+                        <a:rPr lang="en-US" dirty="0"/>
+                        <a:t>~10</a:t>
+                      </a:r>
+                      <a:r>
+                        <a:rPr lang="en-US" baseline="30000" dirty="0"/>
+                        <a:t>5</a:t>
+                      </a:r>
+                      <a:endParaRPr lang="en-US" dirty="0"/>
+                    </a:p>
+                  </a:txBody>
+                  <a:tcPr/>
+                </a:tc>
+                <a:tc>
+                  <a:txBody>
+                    <a:bodyPr/>
+                    <a:lstStyle/>
+                    <a:p>
+                      <a:pPr algn="r"/>
+                      <a:r>
+                        <a:rPr lang="en-US" dirty="0"/>
+                        <a:t>~day</a:t>
+                      </a:r>
+                    </a:p>
+                  </a:txBody>
+                  <a:tcPr/>
+                </a:tc>
+                <a:extLst>
+                  <a:ext uri="{0D108BD9-81ED-4DB2-BD59-A6C34878D82A}">
+                    <a16:rowId xmlns:a16="http://schemas.microsoft.com/office/drawing/2014/main" val="2885681608"/>
+                  </a:ext>
+                </a:extLst>
+              </a:tr>
+              <a:tr h="370840">
+                <a:tc>
+                  <a:txBody>
+                    <a:bodyPr/>
+                    <a:lstStyle/>
+                    <a:p>
+                      <a:pPr algn="r"/>
+                      <a:r>
+                        <a:rPr lang="en-US" dirty="0"/>
+                        <a:t>4</a:t>
+                      </a:r>
+                    </a:p>
+                  </a:txBody>
+                  <a:tcPr/>
+                </a:tc>
+                <a:tc>
+                  <a:txBody>
+                    <a:bodyPr/>
+                    <a:lstStyle/>
+                    <a:p>
+                      <a:pPr algn="r"/>
+                      <a:r>
+                        <a:rPr lang="en-US" dirty="0"/>
+                        <a:t>~10</a:t>
+                      </a:r>
+                      <a:r>
+                        <a:rPr lang="en-US" baseline="30000" dirty="0"/>
+                        <a:t>9</a:t>
+                      </a:r>
+                      <a:endParaRPr lang="en-US" dirty="0"/>
+                    </a:p>
+                  </a:txBody>
+                  <a:tcPr/>
+                </a:tc>
+                <a:tc>
+                  <a:txBody>
+                    <a:bodyPr/>
+                    <a:lstStyle/>
+                    <a:p>
+                      <a:pPr algn="r"/>
+                      <a:r>
+                        <a:rPr lang="en-US" dirty="0"/>
+                        <a:t>~month</a:t>
+                      </a:r>
+                    </a:p>
+                  </a:txBody>
+                  <a:tcPr/>
+                </a:tc>
+                <a:extLst>
+                  <a:ext uri="{0D108BD9-81ED-4DB2-BD59-A6C34878D82A}">
+                    <a16:rowId xmlns:a16="http://schemas.microsoft.com/office/drawing/2014/main" val="697100228"/>
+                  </a:ext>
+                </a:extLst>
+              </a:tr>
+              <a:tr h="370840">
+                <a:tc>
+                  <a:txBody>
+                    <a:bodyPr/>
+                    <a:lstStyle/>
+                    <a:p>
+                      <a:pPr algn="r"/>
+                      <a:r>
+                        <a:rPr lang="en-US" dirty="0"/>
+                        <a:t>8</a:t>
+                      </a:r>
+                    </a:p>
+                  </a:txBody>
+                  <a:tcPr/>
+                </a:tc>
+                <a:tc>
+                  <a:txBody>
+                    <a:bodyPr/>
+                    <a:lstStyle/>
+                    <a:p>
+                      <a:pPr algn="r"/>
+                      <a:r>
+                        <a:rPr lang="en-US" dirty="0"/>
+                        <a:t>~10</a:t>
+                      </a:r>
+                      <a:r>
+                        <a:rPr lang="en-US" baseline="30000" dirty="0"/>
+                        <a:t>14</a:t>
+                      </a:r>
+                      <a:endParaRPr lang="en-US" dirty="0"/>
+                    </a:p>
+                  </a:txBody>
+                  <a:tcPr/>
+                </a:tc>
+                <a:tc>
+                  <a:txBody>
+                    <a:bodyPr/>
+                    <a:lstStyle/>
+                    <a:p>
+                      <a:pPr algn="r"/>
+                      <a:r>
+                        <a:rPr lang="en-US" dirty="0"/>
+                        <a:t>~1M year</a:t>
+                      </a:r>
+                    </a:p>
+                  </a:txBody>
+                  <a:tcPr/>
+                </a:tc>
+                <a:extLst>
+                  <a:ext uri="{0D108BD9-81ED-4DB2-BD59-A6C34878D82A}">
+                    <a16:rowId xmlns:a16="http://schemas.microsoft.com/office/drawing/2014/main" val="458962988"/>
+                  </a:ext>
+                </a:extLst>
+              </a:tr>
+            </a:tbl>
+          </a:graphicData>
+        </a:graphic>
+      </p:graphicFrame>
+      <p:sp>
+        <p:nvSpPr>
+          <p:cNvPr id="9" name="TextBox 8">
+            <a:extLst>
+              <a:ext uri="{FF2B5EF4-FFF2-40B4-BE49-F238E27FC236}">
+                <a16:creationId xmlns:a16="http://schemas.microsoft.com/office/drawing/2014/main" id="{F837F545-72A4-4844-A534-BCBE74B62441}"/>
+              </a:ext>
+            </a:extLst>
+          </p:cNvPr>
+          <p:cNvSpPr txBox="1"/>
+          <p:nvPr/>
+        </p:nvSpPr>
+        <p:spPr>
+          <a:xfrm>
+            <a:off x="4700016" y="1920494"/>
+            <a:ext cx="4213654" cy="369332"/>
+          </a:xfrm>
+          <a:prstGeom prst="rect">
+            <a:avLst/>
+          </a:prstGeom>
+          <a:noFill/>
+        </p:spPr>
+        <p:txBody>
+          <a:bodyPr wrap="none" rtlCol="0">
+            <a:spAutoFit/>
+          </a:bodyPr>
+          <a:lstStyle/>
+          <a:p>
+            <a:r>
+              <a:rPr lang="en-US" b="1" dirty="0"/>
+              <a:t>Wolf Model: Factors = 16 parameters</a:t>
+            </a:r>
+          </a:p>
+        </p:txBody>
+      </p:sp>
+      <p:sp>
+        <p:nvSpPr>
+          <p:cNvPr id="10" name="TextBox 9">
+            <a:extLst>
+              <a:ext uri="{FF2B5EF4-FFF2-40B4-BE49-F238E27FC236}">
+                <a16:creationId xmlns:a16="http://schemas.microsoft.com/office/drawing/2014/main" id="{20125085-8556-9847-9A56-713B8C4CBE6E}"/>
+              </a:ext>
+            </a:extLst>
+          </p:cNvPr>
+          <p:cNvSpPr txBox="1"/>
+          <p:nvPr/>
+        </p:nvSpPr>
+        <p:spPr>
+          <a:xfrm>
+            <a:off x="4818888" y="4983480"/>
+            <a:ext cx="3193695" cy="1015663"/>
+          </a:xfrm>
+          <a:prstGeom prst="rect">
+            <a:avLst/>
+          </a:prstGeom>
+          <a:noFill/>
+        </p:spPr>
+        <p:txBody>
+          <a:bodyPr wrap="none" rtlCol="0">
+            <a:spAutoFit/>
+          </a:bodyPr>
+          <a:lstStyle/>
+          <a:p>
+            <a:r>
+              <a:rPr lang="en-US" sz="2000" b="1" dirty="0"/>
+              <a:t>Scaling dimensions</a:t>
+            </a:r>
+          </a:p>
+          <a:p>
+            <a:pPr marL="285750" indent="-285750">
+              <a:buFont typeface="Arial" panose="020B0604020202020204" pitchFamily="34" charset="0"/>
+              <a:buChar char="•"/>
+            </a:pPr>
+            <a:r>
+              <a:rPr lang="en-US" sz="2000" dirty="0"/>
+              <a:t>Compute time</a:t>
+            </a:r>
+          </a:p>
+          <a:p>
+            <a:pPr marL="285750" indent="-285750">
+              <a:buFont typeface="Arial" panose="020B0604020202020204" pitchFamily="34" charset="0"/>
+              <a:buChar char="•"/>
+            </a:pPr>
+            <a:r>
+              <a:rPr lang="en-US" sz="2000" dirty="0"/>
+              <a:t>Visualization complexity</a:t>
+            </a:r>
+          </a:p>
+        </p:txBody>
+      </p:sp>
+    </p:spTree>
+    <p:extLst>
+      <p:ext uri="{BB962C8B-B14F-4D97-AF65-F5344CB8AC3E}">
+        <p14:creationId xmlns:p14="http://schemas.microsoft.com/office/powerpoint/2010/main" val="3962492681"/>
+      </p:ext>
+    </p:extLst>
+  </p:cSld>
+  <p:clrMapOvr>
+    <a:masterClrMapping/>
+  </p:clrMapOvr>
+  <p:timing>
+    <p:tnLst>
+      <p:par>
+        <p:cTn id="1" dur="indefinite" restart="never" nodeType="tmRoot">
+          <p:childTnLst>
+            <p:seq concurrent="1" nextAc="seek">
+              <p:cTn id="2" dur="indefinite" nodeType="mainSeq">
+                <p:childTnLst>
+                  <p:par>
+                    <p:cTn id="3" fill="hold">
+                      <p:stCondLst>
+                        <p:cond delay="indefinite"/>
+                      </p:stCondLst>
+                      <p:childTnLst>
+                        <p:par>
+                          <p:cTn id="4" fill="hold">
+                            <p:stCondLst>
+                              <p:cond delay="0"/>
+                            </p:stCondLst>
+                            <p:childTnLst>
+                              <p:par>
+                                <p:cTn id="5" presetID="1" presetClass="entr" presetSubtype="0" fill="hold" nodeType="clickEffect">
+                                  <p:stCondLst>
+                                    <p:cond delay="0"/>
+                                  </p:stCondLst>
+                                  <p:childTnLst>
+                                    <p:set>
+                                      <p:cBhvr>
+                                        <p:cTn id="6" dur="1" fill="hold">
+                                          <p:stCondLst>
+                                            <p:cond delay="0"/>
+                                          </p:stCondLst>
+                                        </p:cTn>
+                                        <p:tgtEl>
+                                          <p:spTgt spid="8"/>
+                                        </p:tgtEl>
+                                        <p:attrNameLst>
+                                          <p:attrName>style.visibility</p:attrName>
+                                        </p:attrNameLst>
+                                      </p:cBhvr>
+                                      <p:to>
+                                        <p:strVal val="visible"/>
+                                      </p:to>
+                                    </p:set>
+                                  </p:childTnLst>
+                                </p:cTn>
+                              </p:par>
+                              <p:par>
+                                <p:cTn id="7" presetID="1" presetClass="entr" presetSubtype="0" fill="hold" grpId="0" nodeType="withEffect">
+                                  <p:stCondLst>
+                                    <p:cond delay="0"/>
+                                  </p:stCondLst>
+                                  <p:childTnLst>
+                                    <p:set>
+                                      <p:cBhvr>
+                                        <p:cTn id="8" dur="1" fill="hold">
+                                          <p:stCondLst>
+                                            <p:cond delay="0"/>
+                                          </p:stCondLst>
+                                        </p:cTn>
+                                        <p:tgtEl>
+                                          <p:spTgt spid="9"/>
+                                        </p:tgtEl>
+                                        <p:attrNameLst>
+                                          <p:attrName>style.visibility</p:attrName>
+                                        </p:attrNameLst>
+                                      </p:cBhvr>
+                                      <p:to>
+                                        <p:strVal val="visible"/>
+                                      </p:to>
+                                    </p:set>
+                                  </p:childTnLst>
+                                </p:cTn>
+                              </p:par>
+                            </p:childTnLst>
+                          </p:cTn>
+                        </p:par>
+                      </p:childTnLst>
+                    </p:cTn>
+                  </p:par>
+                  <p:par>
+                    <p:cTn id="9" fill="hold">
+                      <p:stCondLst>
+                        <p:cond delay="indefinite"/>
+                      </p:stCondLst>
+                      <p:childTnLst>
+                        <p:par>
+                          <p:cTn id="10" fill="hold">
+                            <p:stCondLst>
+                              <p:cond delay="0"/>
+                            </p:stCondLst>
+                            <p:childTnLst>
+                              <p:par>
+                                <p:cTn id="11" presetID="1" presetClass="entr" presetSubtype="0" fill="hold" grpId="0" nodeType="clickEffect">
+                                  <p:stCondLst>
+                                    <p:cond delay="0"/>
+                                  </p:stCondLst>
+                                  <p:childTnLst>
+                                    <p:set>
+                                      <p:cBhvr>
+                                        <p:cTn id="12" dur="1" fill="hold">
+                                          <p:stCondLst>
+                                            <p:cond delay="0"/>
+                                          </p:stCondLst>
+                                        </p:cTn>
+                                        <p:tgtEl>
+                                          <p:spTgt spid="10"/>
+                                        </p:tgtEl>
+                                        <p:attrNameLst>
+                                          <p:attrName>style.visibility</p:attrName>
+                                        </p:attrNameLst>
+                                      </p:cBhvr>
+                                      <p:to>
+                                        <p:strVal val="visible"/>
+                                      </p:to>
+                                    </p:set>
+                                  </p:childTnLst>
+                                </p:cTn>
+                              </p:par>
+                            </p:childTnLst>
+                          </p:cTn>
+                        </p:par>
+                      </p:childTnLst>
+                    </p:cTn>
+                  </p:par>
+                </p:childTnLst>
+              </p:cTn>
+              <p:prevCondLst>
+                <p:cond evt="onPrev" delay="0">
+                  <p:tgtEl>
+                    <p:sldTgt/>
+                  </p:tgtEl>
+                </p:cond>
+              </p:prevCondLst>
+              <p:nextCondLst>
+                <p:cond evt="onNext" delay="0">
+                  <p:tgtEl>
+                    <p:sldTgt/>
+                  </p:tgtEl>
+                </p:cond>
+              </p:nextCondLst>
+            </p:seq>
+          </p:childTnLst>
+        </p:cTn>
+      </p:par>
+    </p:tnLst>
+    <p:bldLst>
+      <p:bldP spid="9" grpId="0"/>
+      <p:bldP spid="10" grpId="0"/>
+    </p:bldLst>
+  </p:timing>
+</p:sld>
+</file>
+
+<file path=ppt/slides/slide6.xml><?xml version="1.0" encoding="utf-8"?>
+<p:sld xmlns:a="http://schemas.openxmlformats.org/drawingml/2006/main" xmlns:r="http://schemas.openxmlformats.org/officeDocument/2006/relationships" xmlns:p="http://schemas.openxmlformats.org/presentationml/2006/main">
+  <p:cSld>
+    <p:spTree>
+      <p:nvGrpSpPr>
+        <p:cNvPr id="1" name=""/>
+        <p:cNvGrpSpPr/>
+        <p:nvPr/>
+      </p:nvGrpSpPr>
+      <p:grpSpPr>
+        <a:xfrm>
+          <a:off x="0" y="0"/>
+          <a:ext cx="0" cy="0"/>
+          <a:chOff x="0" y="0"/>
+          <a:chExt cx="0" cy="0"/>
+        </a:xfrm>
+      </p:grpSpPr>
+      <p:sp>
+        <p:nvSpPr>
+          <p:cNvPr id="2" name="Title 1">
+            <a:extLst>
+              <a:ext uri="{FF2B5EF4-FFF2-40B4-BE49-F238E27FC236}">
+                <a16:creationId xmlns:a16="http://schemas.microsoft.com/office/drawing/2014/main" id="{A6EBE663-C48D-1145-A683-75A307F9A3FE}"/>
+              </a:ext>
+            </a:extLst>
+          </p:cNvPr>
+          <p:cNvSpPr>
+            <a:spLocks noGrp="1"/>
+          </p:cNvSpPr>
+          <p:nvPr>
+            <p:ph type="title"/>
+          </p:nvPr>
+        </p:nvSpPr>
+        <p:spPr/>
+        <p:txBody>
+          <a:bodyPr/>
+          <a:lstStyle/>
+          <a:p>
+            <a:r>
+              <a:rPr lang="en-US" dirty="0"/>
+              <a:t>Single Factor Design</a:t>
+            </a:r>
+          </a:p>
+        </p:txBody>
+      </p:sp>
+      <p:sp>
+        <p:nvSpPr>
+          <p:cNvPr id="4" name="Content Placeholder 3">
+            <a:extLst>
+              <a:ext uri="{FF2B5EF4-FFF2-40B4-BE49-F238E27FC236}">
+                <a16:creationId xmlns:a16="http://schemas.microsoft.com/office/drawing/2014/main" id="{6469CCFB-5AA2-BE4F-93F0-D2EB5BAD7E56}"/>
+              </a:ext>
+            </a:extLst>
+          </p:cNvPr>
+          <p:cNvSpPr>
+            <a:spLocks noGrp="1"/>
+          </p:cNvSpPr>
+          <p:nvPr>
+            <p:ph idx="1"/>
+          </p:nvPr>
+        </p:nvSpPr>
+        <p:spPr>
+          <a:xfrm>
+            <a:off x="457200" y="1069848"/>
+            <a:ext cx="8229600" cy="415790"/>
+          </a:xfrm>
+        </p:spPr>
+        <p:txBody>
+          <a:bodyPr/>
+          <a:lstStyle/>
+          <a:p>
+            <a:r>
+              <a:rPr lang="en-US" sz="2400" dirty="0"/>
+              <a:t>Wolf model: 16 parameters</a:t>
+            </a:r>
+          </a:p>
+        </p:txBody>
+      </p:sp>
+      <p:sp>
+        <p:nvSpPr>
+          <p:cNvPr id="3" name="Slide Number Placeholder 2">
+            <a:extLst>
+              <a:ext uri="{FF2B5EF4-FFF2-40B4-BE49-F238E27FC236}">
+                <a16:creationId xmlns:a16="http://schemas.microsoft.com/office/drawing/2014/main" id="{7EC19F00-E076-5648-9C84-AE05D56C4D55}"/>
+              </a:ext>
+            </a:extLst>
+          </p:cNvPr>
+          <p:cNvSpPr>
+            <a:spLocks noGrp="1"/>
+          </p:cNvSpPr>
+          <p:nvPr>
+            <p:ph type="sldNum" sz="quarter" idx="11"/>
+          </p:nvPr>
+        </p:nvSpPr>
+        <p:spPr/>
+        <p:txBody>
+          <a:bodyPr/>
+          <a:lstStyle/>
+          <a:p>
+            <a:pPr>
+              <a:defRPr/>
+            </a:pPr>
+            <a:fld id="{2E4304A7-0FB2-4094-BC1E-DB17183AD0C1}" type="slidenum">
+              <a:rPr lang="en-US" altLang="x-none" smtClean="0"/>
+              <a:pPr>
+                <a:defRPr/>
+              </a:pPr>
+              <a:t>6</a:t>
+            </a:fld>
+            <a:endParaRPr lang="en-US" altLang="x-none"/>
+          </a:p>
+        </p:txBody>
+      </p:sp>
+      <p:graphicFrame>
+        <p:nvGraphicFramePr>
+          <p:cNvPr id="5" name="Table 5">
+            <a:extLst>
+              <a:ext uri="{FF2B5EF4-FFF2-40B4-BE49-F238E27FC236}">
+                <a16:creationId xmlns:a16="http://schemas.microsoft.com/office/drawing/2014/main" id="{77DC7A30-1F47-BA44-B3AC-7D1B172DA306}"/>
+              </a:ext>
+            </a:extLst>
+          </p:cNvPr>
+          <p:cNvGraphicFramePr>
+            <a:graphicFrameLocks noGrp="1"/>
+          </p:cNvGraphicFramePr>
+          <p:nvPr>
+            <p:extLst>
+              <p:ext uri="{D42A27DB-BD31-4B8C-83A1-F6EECF244321}">
+                <p14:modId xmlns:p14="http://schemas.microsoft.com/office/powerpoint/2010/main" val="3955712922"/>
+              </p:ext>
+            </p:extLst>
+          </p:nvPr>
+        </p:nvGraphicFramePr>
+        <p:xfrm>
+          <a:off x="957072" y="1798320"/>
+          <a:ext cx="2658530" cy="1572768"/>
+        </p:xfrm>
+        <a:graphic>
+          <a:graphicData uri="http://schemas.openxmlformats.org/drawingml/2006/table">
+            <a:tbl>
+              <a:tblPr firstRow="1" bandRow="1">
+                <a:tableStyleId>{5C22544A-7EE6-4342-B048-85BDC9FD1C3A}</a:tableStyleId>
+              </a:tblPr>
+              <a:tblGrid>
+                <a:gridCol w="1146048">
+                  <a:extLst>
+                    <a:ext uri="{9D8B030D-6E8A-4147-A177-3AD203B41FA5}">
+                      <a16:colId xmlns:a16="http://schemas.microsoft.com/office/drawing/2014/main" val="1282448432"/>
+                    </a:ext>
+                  </a:extLst>
+                </a:gridCol>
+                <a:gridCol w="1512482">
+                  <a:extLst>
+                    <a:ext uri="{9D8B030D-6E8A-4147-A177-3AD203B41FA5}">
+                      <a16:colId xmlns:a16="http://schemas.microsoft.com/office/drawing/2014/main" val="729574387"/>
+                    </a:ext>
+                  </a:extLst>
+                </a:gridCol>
+              </a:tblGrid>
+              <a:tr h="460248">
+                <a:tc>
+                  <a:txBody>
+                    <a:bodyPr/>
+                    <a:lstStyle/>
+                    <a:p>
+                      <a:pPr algn="ctr"/>
+                      <a:r>
+                        <a:rPr lang="en-US" dirty="0"/>
+                        <a:t>#levels</a:t>
+                      </a:r>
+                    </a:p>
+                  </a:txBody>
+                  <a:tcPr/>
+                </a:tc>
+                <a:tc>
+                  <a:txBody>
+                    <a:bodyPr/>
+                    <a:lstStyle/>
+                    <a:p>
+                      <a:pPr algn="ctr"/>
+                      <a:r>
+                        <a:rPr lang="en-US" dirty="0"/>
+                        <a:t>#simulations</a:t>
+                      </a:r>
+                    </a:p>
+                  </a:txBody>
+                  <a:tcPr/>
+                </a:tc>
+                <a:extLst>
+                  <a:ext uri="{0D108BD9-81ED-4DB2-BD59-A6C34878D82A}">
+                    <a16:rowId xmlns:a16="http://schemas.microsoft.com/office/drawing/2014/main" val="586828454"/>
+                  </a:ext>
+                </a:extLst>
+              </a:tr>
+              <a:tr h="370840">
+                <a:tc>
+                  <a:txBody>
+                    <a:bodyPr/>
+                    <a:lstStyle/>
+                    <a:p>
+                      <a:pPr algn="r"/>
+                      <a:r>
+                        <a:rPr lang="en-US" dirty="0"/>
+                        <a:t>2</a:t>
+                      </a:r>
+                    </a:p>
+                  </a:txBody>
+                  <a:tcPr/>
+                </a:tc>
+                <a:tc>
+                  <a:txBody>
+                    <a:bodyPr/>
+                    <a:lstStyle/>
+                    <a:p>
+                      <a:pPr algn="r"/>
+                      <a:r>
+                        <a:rPr lang="en-US" dirty="0"/>
+                        <a:t>32</a:t>
+                      </a:r>
+                    </a:p>
+                  </a:txBody>
+                  <a:tcPr/>
+                </a:tc>
+                <a:extLst>
+                  <a:ext uri="{0D108BD9-81ED-4DB2-BD59-A6C34878D82A}">
+                    <a16:rowId xmlns:a16="http://schemas.microsoft.com/office/drawing/2014/main" val="2885681608"/>
+                  </a:ext>
+                </a:extLst>
+              </a:tr>
+              <a:tr h="370840">
+                <a:tc>
+                  <a:txBody>
+                    <a:bodyPr/>
+                    <a:lstStyle/>
+                    <a:p>
+                      <a:pPr algn="r"/>
+                      <a:r>
+                        <a:rPr lang="en-US" dirty="0"/>
+                        <a:t>4</a:t>
+                      </a:r>
+                    </a:p>
+                  </a:txBody>
+                  <a:tcPr/>
+                </a:tc>
+                <a:tc>
+                  <a:txBody>
+                    <a:bodyPr/>
+                    <a:lstStyle/>
+                    <a:p>
+                      <a:pPr algn="r"/>
+                      <a:r>
+                        <a:rPr lang="en-US" dirty="0"/>
+                        <a:t>64</a:t>
+                      </a:r>
+                    </a:p>
+                  </a:txBody>
+                  <a:tcPr/>
+                </a:tc>
+                <a:extLst>
+                  <a:ext uri="{0D108BD9-81ED-4DB2-BD59-A6C34878D82A}">
+                    <a16:rowId xmlns:a16="http://schemas.microsoft.com/office/drawing/2014/main" val="697100228"/>
+                  </a:ext>
+                </a:extLst>
+              </a:tr>
+              <a:tr h="370840">
+                <a:tc>
+                  <a:txBody>
+                    <a:bodyPr/>
+                    <a:lstStyle/>
+                    <a:p>
+                      <a:pPr algn="r"/>
+                      <a:r>
+                        <a:rPr lang="en-US" dirty="0"/>
+                        <a:t>8</a:t>
+                      </a:r>
+                    </a:p>
+                  </a:txBody>
+                  <a:tcPr/>
+                </a:tc>
+                <a:tc>
+                  <a:txBody>
+                    <a:bodyPr/>
+                    <a:lstStyle/>
+                    <a:p>
+                      <a:pPr algn="r"/>
+                      <a:r>
+                        <a:rPr lang="en-US" dirty="0"/>
+                        <a:t>128</a:t>
+                      </a:r>
+                    </a:p>
+                  </a:txBody>
+                  <a:tcPr/>
+                </a:tc>
+                <a:extLst>
+                  <a:ext uri="{0D108BD9-81ED-4DB2-BD59-A6C34878D82A}">
+                    <a16:rowId xmlns:a16="http://schemas.microsoft.com/office/drawing/2014/main" val="458962988"/>
+                  </a:ext>
+                </a:extLst>
+              </a:tr>
+            </a:tbl>
+          </a:graphicData>
+        </a:graphic>
+      </p:graphicFrame>
+      <p:sp>
+        <p:nvSpPr>
+          <p:cNvPr id="7" name="TextBox 6">
+            <a:extLst>
+              <a:ext uri="{FF2B5EF4-FFF2-40B4-BE49-F238E27FC236}">
+                <a16:creationId xmlns:a16="http://schemas.microsoft.com/office/drawing/2014/main" id="{4310B6B9-9E21-1649-96E8-4F447E7FE9AE}"/>
+              </a:ext>
+            </a:extLst>
+          </p:cNvPr>
+          <p:cNvSpPr txBox="1"/>
+          <p:nvPr/>
+        </p:nvSpPr>
+        <p:spPr>
+          <a:xfrm>
+            <a:off x="1700784" y="6183300"/>
+            <a:ext cx="5737468" cy="400110"/>
+          </a:xfrm>
+          <a:prstGeom prst="rect">
+            <a:avLst/>
+          </a:prstGeom>
+          <a:noFill/>
+        </p:spPr>
+        <p:txBody>
+          <a:bodyPr wrap="none" rtlCol="0">
+            <a:spAutoFit/>
+          </a:bodyPr>
+          <a:lstStyle/>
+          <a:p>
+            <a:r>
+              <a:rPr lang="en-US" sz="2000" b="1" dirty="0"/>
+              <a:t>But what about interactions between factors?</a:t>
+            </a:r>
+          </a:p>
+        </p:txBody>
+      </p:sp>
+      <mc:AlternateContent xmlns:mc="http://schemas.openxmlformats.org/markup-compatibility/2006">
+        <mc:Choice xmlns:a14="http://schemas.microsoft.com/office/drawing/2010/main" Requires="a14">
+          <p:sp>
+            <p:nvSpPr>
+              <p:cNvPr id="9" name="TextBox 8">
+                <a:extLst>
+                  <a:ext uri="{FF2B5EF4-FFF2-40B4-BE49-F238E27FC236}">
+                    <a16:creationId xmlns:a16="http://schemas.microsoft.com/office/drawing/2014/main" id="{52A37D5D-DCF9-B74D-9064-910DE52C3ADC}"/>
+                  </a:ext>
+                </a:extLst>
+              </p:cNvPr>
+              <p:cNvSpPr txBox="1"/>
+              <p:nvPr/>
+            </p:nvSpPr>
+            <p:spPr>
+              <a:xfrm>
+                <a:off x="676656" y="4138190"/>
+                <a:ext cx="2938946" cy="611193"/>
+              </a:xfrm>
+              <a:prstGeom prst="rect">
+                <a:avLst/>
+              </a:prstGeom>
+              <a:noFill/>
+            </p:spPr>
+            <p:txBody>
+              <a:bodyPr wrap="none" lIns="0" tIns="0" rIns="0" bIns="0" rtlCol="0">
+                <a:spAutoFit/>
+              </a:bodyPr>
+              <a:lstStyle/>
+              <a:p>
+                <a14:m>
+                  <m:oMathPara xmlns:m="http://schemas.openxmlformats.org/officeDocument/2006/math">
+                    <m:oMathParaPr>
+                      <m:jc m:val="centerGroup"/>
+                    </m:oMathParaPr>
+                    <m:oMath xmlns:m="http://schemas.openxmlformats.org/officeDocument/2006/math">
+                      <m:r>
+                        <a:rPr lang="en-US" sz="2000" b="0" i="1" smtClean="0">
+                          <a:latin typeface="Cambria Math" panose="02040503050406030204" pitchFamily="18" charset="0"/>
+                        </a:rPr>
+                        <m:t>𝑦</m:t>
+                      </m:r>
+                      <m:r>
+                        <a:rPr lang="en-US" sz="2000" b="0" i="1" smtClean="0">
+                          <a:latin typeface="Cambria Math" panose="02040503050406030204" pitchFamily="18" charset="0"/>
+                        </a:rPr>
+                        <m:t>=</m:t>
+                      </m:r>
+                      <m:r>
+                        <a:rPr lang="en-US" sz="2000" b="0" i="1" smtClean="0">
+                          <a:latin typeface="Cambria Math" panose="02040503050406030204" pitchFamily="18" charset="0"/>
+                        </a:rPr>
+                        <m:t>𝑢</m:t>
+                      </m:r>
+                      <m:r>
+                        <a:rPr lang="en-US" sz="2000" b="0" i="1" smtClean="0">
+                          <a:latin typeface="Cambria Math" panose="02040503050406030204" pitchFamily="18" charset="0"/>
+                        </a:rPr>
+                        <m:t>+</m:t>
+                      </m:r>
+                      <m:sSub>
+                        <m:sSubPr>
+                          <m:ctrlPr>
+                            <a:rPr lang="en-US" sz="2000" b="0" i="1" smtClean="0">
+                              <a:latin typeface="Cambria Math" panose="02040503050406030204" pitchFamily="18" charset="0"/>
+                            </a:rPr>
+                          </m:ctrlPr>
+                        </m:sSubPr>
+                        <m:e>
+                          <m:r>
+                            <a:rPr lang="en-US" sz="2000" b="0" i="1" smtClean="0">
+                              <a:latin typeface="Cambria Math" panose="02040503050406030204" pitchFamily="18" charset="0"/>
+                            </a:rPr>
+                            <m:t>𝛼</m:t>
+                          </m:r>
+                        </m:e>
+                        <m:sub>
+                          <m:r>
+                            <a:rPr lang="en-US" sz="2000" b="0" i="1" smtClean="0">
+                              <a:latin typeface="Cambria Math" panose="02040503050406030204" pitchFamily="18" charset="0"/>
+                            </a:rPr>
+                            <m:t>1,</m:t>
+                          </m:r>
+                          <m:sSub>
+                            <m:sSubPr>
+                              <m:ctrlPr>
+                                <a:rPr lang="en-US" sz="2000" b="0" i="1" smtClean="0">
+                                  <a:latin typeface="Cambria Math" panose="02040503050406030204" pitchFamily="18" charset="0"/>
+                                </a:rPr>
+                              </m:ctrlPr>
+                            </m:sSubPr>
+                            <m:e>
+                              <m:r>
+                                <a:rPr lang="en-US" sz="2000" b="0" i="1" smtClean="0">
+                                  <a:latin typeface="Cambria Math" panose="02040503050406030204" pitchFamily="18" charset="0"/>
+                                </a:rPr>
+                                <m:t>𝑖</m:t>
+                              </m:r>
+                            </m:e>
+                            <m:sub>
+                              <m:r>
+                                <a:rPr lang="en-US" sz="2000" b="0" i="1" smtClean="0">
+                                  <a:latin typeface="Cambria Math" panose="02040503050406030204" pitchFamily="18" charset="0"/>
+                                </a:rPr>
+                                <m:t>1</m:t>
+                              </m:r>
+                            </m:sub>
+                          </m:sSub>
+                        </m:sub>
+                      </m:sSub>
+                      <m:r>
+                        <a:rPr lang="en-US" sz="2000" b="0" i="1" smtClean="0">
+                          <a:latin typeface="Cambria Math" panose="02040503050406030204" pitchFamily="18" charset="0"/>
+                        </a:rPr>
+                        <m:t>,+⋯+</m:t>
+                      </m:r>
+                      <m:sSub>
+                        <m:sSubPr>
+                          <m:ctrlPr>
+                            <a:rPr lang="en-US" sz="2000" b="0" i="1" smtClean="0">
+                              <a:latin typeface="Cambria Math" panose="02040503050406030204" pitchFamily="18" charset="0"/>
+                            </a:rPr>
+                          </m:ctrlPr>
+                        </m:sSubPr>
+                        <m:e>
+                          <m:r>
+                            <a:rPr lang="en-US" sz="2000" b="0" i="1" smtClean="0">
+                              <a:latin typeface="Cambria Math" panose="02040503050406030204" pitchFamily="18" charset="0"/>
+                            </a:rPr>
+                            <m:t>𝛼</m:t>
+                          </m:r>
+                        </m:e>
+                        <m:sub>
+                          <m:r>
+                            <a:rPr lang="en-US" sz="2000" b="0" i="1" smtClean="0">
+                              <a:latin typeface="Cambria Math" panose="02040503050406030204" pitchFamily="18" charset="0"/>
+                            </a:rPr>
+                            <m:t>𝑛</m:t>
+                          </m:r>
+                          <m:r>
+                            <a:rPr lang="en-US" sz="2000" b="0" i="1" smtClean="0">
+                              <a:latin typeface="Cambria Math" panose="02040503050406030204" pitchFamily="18" charset="0"/>
+                            </a:rPr>
+                            <m:t>,</m:t>
+                          </m:r>
+                          <m:sSub>
+                            <m:sSubPr>
+                              <m:ctrlPr>
+                                <a:rPr lang="en-US" sz="2000" b="0" i="1" smtClean="0">
+                                  <a:latin typeface="Cambria Math" panose="02040503050406030204" pitchFamily="18" charset="0"/>
+                                </a:rPr>
+                              </m:ctrlPr>
+                            </m:sSubPr>
+                            <m:e>
+                              <m:r>
+                                <a:rPr lang="en-US" sz="2000" b="0" i="1" smtClean="0">
+                                  <a:latin typeface="Cambria Math" panose="02040503050406030204" pitchFamily="18" charset="0"/>
+                                </a:rPr>
+                                <m:t>𝑖</m:t>
+                              </m:r>
+                            </m:e>
+                            <m:sub>
+                              <m:r>
+                                <a:rPr lang="en-US" sz="2000" b="0" i="1" smtClean="0">
+                                  <a:latin typeface="Cambria Math" panose="02040503050406030204" pitchFamily="18" charset="0"/>
+                                </a:rPr>
+                                <m:t>𝑛</m:t>
+                              </m:r>
+                            </m:sub>
+                          </m:sSub>
+                        </m:sub>
+                      </m:sSub>
+                    </m:oMath>
+                  </m:oMathPara>
+                </a14:m>
+                <a:endParaRPr lang="en-US" sz="2000" b="0" dirty="0"/>
+              </a:p>
+              <a:p>
+                <a:endParaRPr lang="en-US" dirty="0"/>
+              </a:p>
+            </p:txBody>
+          </p:sp>
+        </mc:Choice>
+        <mc:Fallback>
+          <p:sp>
+            <p:nvSpPr>
+              <p:cNvPr id="9" name="TextBox 8">
+                <a:extLst>
+                  <a:ext uri="{FF2B5EF4-FFF2-40B4-BE49-F238E27FC236}">
+                    <a16:creationId xmlns:a16="http://schemas.microsoft.com/office/drawing/2014/main" id="{52A37D5D-DCF9-B74D-9064-910DE52C3ADC}"/>
+                  </a:ext>
+                </a:extLst>
+              </p:cNvPr>
+              <p:cNvSpPr txBox="1">
+                <a:spLocks noRot="1" noChangeAspect="1" noMove="1" noResize="1" noEditPoints="1" noAdjustHandles="1" noChangeArrowheads="1" noChangeShapeType="1" noTextEdit="1"/>
+              </p:cNvSpPr>
+              <p:nvPr/>
+            </p:nvSpPr>
+            <p:spPr>
+              <a:xfrm>
+                <a:off x="676656" y="4138190"/>
+                <a:ext cx="2938946" cy="611193"/>
+              </a:xfrm>
+              <a:prstGeom prst="rect">
+                <a:avLst/>
+              </a:prstGeom>
+              <a:blipFill>
+                <a:blip r:embed="rId2"/>
+                <a:stretch>
+                  <a:fillRect/>
+                </a:stretch>
+              </a:blipFill>
+            </p:spPr>
+            <p:txBody>
+              <a:bodyPr/>
+              <a:lstStyle/>
+              <a:p>
+                <a:r>
+                  <a:rPr lang="en-US">
+                    <a:noFill/>
+                  </a:rPr>
+                  <a:t> </a:t>
+                </a:r>
+              </a:p>
+            </p:txBody>
+          </p:sp>
+        </mc:Fallback>
+      </mc:AlternateContent>
+      <p:sp>
+        <p:nvSpPr>
+          <p:cNvPr id="10" name="Content Placeholder 3">
+            <a:extLst>
+              <a:ext uri="{FF2B5EF4-FFF2-40B4-BE49-F238E27FC236}">
+                <a16:creationId xmlns:a16="http://schemas.microsoft.com/office/drawing/2014/main" id="{26B945ED-A960-454D-B37D-318E7461F80D}"/>
+              </a:ext>
+            </a:extLst>
+          </p:cNvPr>
+          <p:cNvSpPr txBox="1">
+            <a:spLocks/>
+          </p:cNvSpPr>
+          <p:nvPr/>
+        </p:nvSpPr>
+        <p:spPr>
+          <a:xfrm>
+            <a:off x="609600" y="3691128"/>
+            <a:ext cx="8229600" cy="415790"/>
+          </a:xfrm>
+          <a:prstGeom prst="rect">
+            <a:avLst/>
+          </a:prstGeom>
+        </p:spPr>
+        <p:txBody>
+          <a:bodyPr/>
+          <a:lstStyle>
+            <a:lvl1pPr marL="342900" indent="-342900" algn="l" defTabSz="457200" rtl="0" eaLnBrk="0" fontAlgn="base" hangingPunct="0">
+              <a:spcBef>
+                <a:spcPct val="20000"/>
+              </a:spcBef>
+              <a:spcAft>
+                <a:spcPct val="0"/>
+              </a:spcAft>
+              <a:buFont typeface="Arial" panose="020B0604020202020204" pitchFamily="34" charset="0"/>
+              <a:buChar char="•"/>
+              <a:defRPr sz="3200" kern="1200">
+                <a:solidFill>
+                  <a:schemeClr val="tx1"/>
+                </a:solidFill>
+                <a:latin typeface="+mn-lt"/>
+                <a:ea typeface="ＭＳ Ｐゴシック" pitchFamily="-112" charset="-128"/>
+                <a:cs typeface="ＭＳ Ｐゴシック" pitchFamily="-112" charset="-128"/>
+              </a:defRPr>
+            </a:lvl1pPr>
+            <a:lvl2pPr marL="742950" indent="-285750" algn="l" defTabSz="457200" rtl="0" eaLnBrk="0" fontAlgn="base" hangingPunct="0">
+              <a:spcBef>
+                <a:spcPct val="20000"/>
+              </a:spcBef>
+              <a:spcAft>
+                <a:spcPct val="0"/>
+              </a:spcAft>
+              <a:buFont typeface="Arial" panose="020B0604020202020204" pitchFamily="34" charset="0"/>
+              <a:buChar char="–"/>
+              <a:defRPr sz="2800" kern="1200">
+                <a:solidFill>
+                  <a:schemeClr val="tx1"/>
+                </a:solidFill>
+                <a:latin typeface="+mn-lt"/>
+                <a:ea typeface="ＭＳ Ｐゴシック" pitchFamily="-112" charset="-128"/>
+                <a:cs typeface="+mn-cs"/>
+              </a:defRPr>
+            </a:lvl2pPr>
+            <a:lvl3pPr marL="1143000" indent="-228600" algn="l" defTabSz="457200" rtl="0" eaLnBrk="0" fontAlgn="base" hangingPunct="0">
+              <a:spcBef>
+                <a:spcPct val="20000"/>
+              </a:spcBef>
+              <a:spcAft>
+                <a:spcPct val="0"/>
+              </a:spcAft>
+              <a:buFont typeface="Arial" panose="020B0604020202020204" pitchFamily="34" charset="0"/>
+              <a:buChar char="•"/>
+              <a:defRPr sz="2400" kern="1200">
+                <a:solidFill>
+                  <a:schemeClr val="tx1"/>
+                </a:solidFill>
+                <a:latin typeface="+mn-lt"/>
+                <a:ea typeface="ＭＳ Ｐゴシック" pitchFamily="-112" charset="-128"/>
+                <a:cs typeface="+mn-cs"/>
+              </a:defRPr>
+            </a:lvl3pPr>
+            <a:lvl4pPr marL="1600200" indent="-228600" algn="l" defTabSz="457200" rtl="0" eaLnBrk="0" fontAlgn="base" hangingPunct="0">
+              <a:spcBef>
+                <a:spcPct val="20000"/>
+              </a:spcBef>
+              <a:spcAft>
+                <a:spcPct val="0"/>
+              </a:spcAft>
+              <a:buFont typeface="Arial" panose="020B0604020202020204" pitchFamily="34" charset="0"/>
+              <a:buChar char="–"/>
+              <a:defRPr sz="2000" kern="1200">
+                <a:solidFill>
+                  <a:schemeClr val="tx1"/>
+                </a:solidFill>
+                <a:latin typeface="+mn-lt"/>
+                <a:ea typeface="ＭＳ Ｐゴシック" pitchFamily="-112" charset="-128"/>
+                <a:cs typeface="+mn-cs"/>
+              </a:defRPr>
+            </a:lvl4pPr>
+            <a:lvl5pPr marL="2057400" indent="-228600" algn="l" defTabSz="457200" rtl="0" eaLnBrk="0" fontAlgn="base" hangingPunct="0">
+              <a:spcBef>
+                <a:spcPct val="20000"/>
+              </a:spcBef>
+              <a:spcAft>
+                <a:spcPct val="0"/>
+              </a:spcAft>
+              <a:buFont typeface="Arial" panose="020B0604020202020204" pitchFamily="34" charset="0"/>
+              <a:buChar char="»"/>
+              <a:defRPr sz="2000" kern="1200">
+                <a:solidFill>
+                  <a:schemeClr val="tx1"/>
+                </a:solidFill>
+                <a:latin typeface="+mn-lt"/>
+                <a:ea typeface="ＭＳ Ｐゴシック" pitchFamily="-112" charset="-128"/>
+                <a:cs typeface="+mn-cs"/>
+              </a:defRPr>
+            </a:lvl5pPr>
+            <a:lvl6pPr marL="2514600" indent="-228600" algn="l" defTabSz="457200" rtl="0" eaLnBrk="1" latinLnBrk="0" hangingPunct="1">
+              <a:spcBef>
+                <a:spcPct val="20000"/>
+              </a:spcBef>
+              <a:buFont typeface="Arial"/>
+              <a:buChar char="•"/>
+              <a:defRPr sz="2000" kern="1200">
+                <a:solidFill>
+                  <a:schemeClr val="tx1"/>
+                </a:solidFill>
+                <a:latin typeface="+mn-lt"/>
+                <a:ea typeface="+mn-ea"/>
+                <a:cs typeface="+mn-cs"/>
+              </a:defRPr>
+            </a:lvl6pPr>
+            <a:lvl7pPr marL="2971800" indent="-228600" algn="l" defTabSz="457200" rtl="0" eaLnBrk="1" latinLnBrk="0" hangingPunct="1">
+              <a:spcBef>
+                <a:spcPct val="20000"/>
+              </a:spcBef>
+              <a:buFont typeface="Arial"/>
+              <a:buChar char="•"/>
+              <a:defRPr sz="2000" kern="1200">
+                <a:solidFill>
+                  <a:schemeClr val="tx1"/>
+                </a:solidFill>
+                <a:latin typeface="+mn-lt"/>
+                <a:ea typeface="+mn-ea"/>
+                <a:cs typeface="+mn-cs"/>
+              </a:defRPr>
+            </a:lvl7pPr>
+            <a:lvl8pPr marL="3429000" indent="-228600" algn="l" defTabSz="457200" rtl="0" eaLnBrk="1" latinLnBrk="0" hangingPunct="1">
+              <a:spcBef>
+                <a:spcPct val="20000"/>
+              </a:spcBef>
+              <a:buFont typeface="Arial"/>
+              <a:buChar char="•"/>
+              <a:defRPr sz="2000" kern="1200">
+                <a:solidFill>
+                  <a:schemeClr val="tx1"/>
+                </a:solidFill>
+                <a:latin typeface="+mn-lt"/>
+                <a:ea typeface="+mn-ea"/>
+                <a:cs typeface="+mn-cs"/>
+              </a:defRPr>
+            </a:lvl8pPr>
+            <a:lvl9pPr marL="3886200" indent="-228600" algn="l" defTabSz="457200" rtl="0" eaLnBrk="1" latinLnBrk="0" hangingPunct="1">
+              <a:spcBef>
+                <a:spcPct val="20000"/>
+              </a:spcBef>
+              <a:buFont typeface="Arial"/>
+              <a:buChar char="•"/>
+              <a:defRPr sz="2000" kern="1200">
+                <a:solidFill>
+                  <a:schemeClr val="tx1"/>
+                </a:solidFill>
+                <a:latin typeface="+mn-lt"/>
+                <a:ea typeface="+mn-ea"/>
+                <a:cs typeface="+mn-cs"/>
+              </a:defRPr>
+            </a:lvl9pPr>
+          </a:lstStyle>
+          <a:p>
+            <a:r>
+              <a:rPr lang="en-US" sz="2400" dirty="0"/>
+              <a:t>Implied model</a:t>
+            </a:r>
+          </a:p>
+        </p:txBody>
+      </p:sp>
+      <mc:AlternateContent xmlns:mc="http://schemas.openxmlformats.org/markup-compatibility/2006">
+        <mc:Choice xmlns:a14="http://schemas.microsoft.com/office/drawing/2010/main" Requires="a14">
+          <p:sp>
+            <p:nvSpPr>
+              <p:cNvPr id="12" name="TextBox 11">
+                <a:extLst>
+                  <a:ext uri="{FF2B5EF4-FFF2-40B4-BE49-F238E27FC236}">
+                    <a16:creationId xmlns:a16="http://schemas.microsoft.com/office/drawing/2014/main" id="{38A9D1B0-172A-254F-A78E-5CD7328A38CF}"/>
+                  </a:ext>
+                </a:extLst>
+              </p:cNvPr>
+              <p:cNvSpPr txBox="1"/>
+              <p:nvPr/>
+            </p:nvSpPr>
+            <p:spPr>
+              <a:xfrm>
+                <a:off x="650413" y="4931576"/>
+                <a:ext cx="4584717" cy="300660"/>
+              </a:xfrm>
+              <a:prstGeom prst="rect">
+                <a:avLst/>
+              </a:prstGeom>
+              <a:noFill/>
+            </p:spPr>
+            <p:txBody>
+              <a:bodyPr wrap="none" lIns="0" tIns="0" rIns="0" bIns="0" rtlCol="0">
+                <a:spAutoFit/>
+              </a:bodyPr>
+              <a:lstStyle/>
+              <a:p>
+                <a14:m>
+                  <m:oMath xmlns:m="http://schemas.openxmlformats.org/officeDocument/2006/math">
+                    <m:r>
+                      <a:rPr lang="en-US" sz="2000" b="0" i="1" smtClean="0">
+                        <a:latin typeface="Cambria Math" panose="02040503050406030204" pitchFamily="18" charset="0"/>
+                      </a:rPr>
+                      <m:t>𝑢</m:t>
+                    </m:r>
+                  </m:oMath>
+                </a14:m>
+                <a:r>
+                  <a:rPr lang="en-US" dirty="0"/>
+                  <a:t> = baseline response (no change in factors)</a:t>
+                </a:r>
+              </a:p>
+            </p:txBody>
+          </p:sp>
+        </mc:Choice>
+        <mc:Fallback>
+          <p:sp>
+            <p:nvSpPr>
+              <p:cNvPr id="12" name="TextBox 11">
+                <a:extLst>
+                  <a:ext uri="{FF2B5EF4-FFF2-40B4-BE49-F238E27FC236}">
+                    <a16:creationId xmlns:a16="http://schemas.microsoft.com/office/drawing/2014/main" id="{38A9D1B0-172A-254F-A78E-5CD7328A38CF}"/>
+                  </a:ext>
+                </a:extLst>
+              </p:cNvPr>
+              <p:cNvSpPr txBox="1">
+                <a:spLocks noRot="1" noChangeAspect="1" noMove="1" noResize="1" noEditPoints="1" noAdjustHandles="1" noChangeArrowheads="1" noChangeShapeType="1" noTextEdit="1"/>
+              </p:cNvSpPr>
+              <p:nvPr/>
+            </p:nvSpPr>
+            <p:spPr>
+              <a:xfrm>
+                <a:off x="650413" y="4931576"/>
+                <a:ext cx="4584717" cy="300660"/>
+              </a:xfrm>
+              <a:prstGeom prst="rect">
+                <a:avLst/>
+              </a:prstGeom>
+              <a:blipFill>
+                <a:blip r:embed="rId3"/>
+                <a:stretch>
+                  <a:fillRect l="-1381" t="-20833" r="-2210" b="-45833"/>
+                </a:stretch>
+              </a:blipFill>
+            </p:spPr>
+            <p:txBody>
+              <a:bodyPr/>
+              <a:lstStyle/>
+              <a:p>
+                <a:r>
+                  <a:rPr lang="en-US">
+                    <a:noFill/>
+                  </a:rPr>
+                  <a:t> </a:t>
+                </a:r>
+              </a:p>
+            </p:txBody>
+          </p:sp>
+        </mc:Fallback>
+      </mc:AlternateContent>
+      <mc:AlternateContent xmlns:mc="http://schemas.openxmlformats.org/markup-compatibility/2006">
+        <mc:Choice xmlns:a14="http://schemas.microsoft.com/office/drawing/2010/main" Requires="a14">
+          <p:sp>
+            <p:nvSpPr>
+              <p:cNvPr id="13" name="TextBox 12">
+                <a:extLst>
+                  <a:ext uri="{FF2B5EF4-FFF2-40B4-BE49-F238E27FC236}">
+                    <a16:creationId xmlns:a16="http://schemas.microsoft.com/office/drawing/2014/main" id="{48A7C2E1-D7AC-0E4E-91D5-3D2F39001F14}"/>
+                  </a:ext>
+                </a:extLst>
+              </p:cNvPr>
+              <p:cNvSpPr txBox="1"/>
+              <p:nvPr/>
+            </p:nvSpPr>
+            <p:spPr>
+              <a:xfrm>
+                <a:off x="638221" y="5219194"/>
+                <a:ext cx="3333926" cy="303096"/>
+              </a:xfrm>
+              <a:prstGeom prst="rect">
+                <a:avLst/>
+              </a:prstGeom>
+              <a:noFill/>
+            </p:spPr>
+            <p:txBody>
+              <a:bodyPr wrap="none" lIns="0" tIns="0" rIns="0" bIns="0" rtlCol="0">
+                <a:spAutoFit/>
+              </a:bodyPr>
+              <a:lstStyle/>
+              <a:p>
+                <a14:m>
+                  <m:oMath xmlns:m="http://schemas.openxmlformats.org/officeDocument/2006/math">
+                    <m:sSub>
+                      <m:sSubPr>
+                        <m:ctrlPr>
+                          <a:rPr lang="en-US" b="0" i="1" smtClean="0">
+                            <a:latin typeface="Cambria Math" panose="02040503050406030204" pitchFamily="18" charset="0"/>
+                          </a:rPr>
+                        </m:ctrlPr>
+                      </m:sSubPr>
+                      <m:e>
+                        <m:r>
+                          <a:rPr lang="en-US" b="0" i="1" smtClean="0">
+                            <a:latin typeface="Cambria Math" panose="02040503050406030204" pitchFamily="18" charset="0"/>
+                          </a:rPr>
+                          <m:t>𝛼</m:t>
+                        </m:r>
+                      </m:e>
+                      <m:sub>
+                        <m:r>
+                          <a:rPr lang="en-US" b="0" i="1" smtClean="0">
+                            <a:latin typeface="Cambria Math" panose="02040503050406030204" pitchFamily="18" charset="0"/>
+                          </a:rPr>
+                          <m:t>𝑘</m:t>
+                        </m:r>
+                        <m:r>
+                          <a:rPr lang="en-US" b="0" i="1" smtClean="0">
+                            <a:latin typeface="Cambria Math" panose="02040503050406030204" pitchFamily="18" charset="0"/>
+                          </a:rPr>
+                          <m:t>,</m:t>
+                        </m:r>
+                        <m:sSub>
+                          <m:sSubPr>
+                            <m:ctrlPr>
+                              <a:rPr lang="en-US" b="0" i="1" smtClean="0">
+                                <a:latin typeface="Cambria Math" panose="02040503050406030204" pitchFamily="18" charset="0"/>
+                              </a:rPr>
+                            </m:ctrlPr>
+                          </m:sSubPr>
+                          <m:e>
+                            <m:r>
+                              <a:rPr lang="en-US" b="0" i="1" smtClean="0">
+                                <a:latin typeface="Cambria Math" panose="02040503050406030204" pitchFamily="18" charset="0"/>
+                              </a:rPr>
+                              <m:t>𝑖</m:t>
+                            </m:r>
+                          </m:e>
+                          <m:sub>
+                            <m:r>
+                              <a:rPr lang="en-US" b="0" i="1" smtClean="0">
+                                <a:latin typeface="Cambria Math" panose="02040503050406030204" pitchFamily="18" charset="0"/>
+                              </a:rPr>
+                              <m:t>𝑘</m:t>
+                            </m:r>
+                          </m:sub>
+                        </m:sSub>
+                      </m:sub>
+                    </m:sSub>
+                  </m:oMath>
+                </a14:m>
+                <a:r>
+                  <a:rPr lang="en-US" dirty="0"/>
+                  <a:t> = effect of factor </a:t>
+                </a:r>
+                <a:r>
+                  <a:rPr lang="en-US" i="1" dirty="0"/>
+                  <a:t>k </a:t>
+                </a:r>
+                <a:r>
+                  <a:rPr lang="en-US" dirty="0"/>
+                  <a:t>at level </a:t>
+                </a:r>
+                <a:r>
+                  <a:rPr lang="en-US" i="1" dirty="0" err="1"/>
+                  <a:t>i</a:t>
+                </a:r>
+                <a:r>
+                  <a:rPr lang="en-US" i="1" baseline="-25000" dirty="0" err="1"/>
+                  <a:t>k</a:t>
+                </a:r>
+                <a:endParaRPr lang="en-US" dirty="0"/>
+              </a:p>
+            </p:txBody>
+          </p:sp>
+        </mc:Choice>
+        <mc:Fallback>
+          <p:sp>
+            <p:nvSpPr>
+              <p:cNvPr id="13" name="TextBox 12">
+                <a:extLst>
+                  <a:ext uri="{FF2B5EF4-FFF2-40B4-BE49-F238E27FC236}">
+                    <a16:creationId xmlns:a16="http://schemas.microsoft.com/office/drawing/2014/main" id="{48A7C2E1-D7AC-0E4E-91D5-3D2F39001F14}"/>
+                  </a:ext>
+                </a:extLst>
+              </p:cNvPr>
+              <p:cNvSpPr txBox="1">
+                <a:spLocks noRot="1" noChangeAspect="1" noMove="1" noResize="1" noEditPoints="1" noAdjustHandles="1" noChangeArrowheads="1" noChangeShapeType="1" noTextEdit="1"/>
+              </p:cNvSpPr>
+              <p:nvPr/>
+            </p:nvSpPr>
+            <p:spPr>
+              <a:xfrm>
+                <a:off x="638221" y="5219194"/>
+                <a:ext cx="3333926" cy="303096"/>
+              </a:xfrm>
+              <a:prstGeom prst="rect">
+                <a:avLst/>
+              </a:prstGeom>
+              <a:blipFill>
+                <a:blip r:embed="rId4"/>
+                <a:stretch>
+                  <a:fillRect l="-1901" t="-24000" r="-1901" b="-36000"/>
+                </a:stretch>
+              </a:blipFill>
+            </p:spPr>
+            <p:txBody>
+              <a:bodyPr/>
+              <a:lstStyle/>
+              <a:p>
+                <a:r>
+                  <a:rPr lang="en-US">
+                    <a:noFill/>
+                  </a:rPr>
+                  <a:t> </a:t>
+                </a:r>
+              </a:p>
+            </p:txBody>
+          </p:sp>
+        </mc:Fallback>
+      </mc:AlternateContent>
+      <mc:AlternateContent xmlns:mc="http://schemas.openxmlformats.org/markup-compatibility/2006">
+        <mc:Choice xmlns:a14="http://schemas.microsoft.com/office/drawing/2010/main" Requires="a14">
+          <p:sp>
+            <p:nvSpPr>
+              <p:cNvPr id="14" name="TextBox 13">
+                <a:extLst>
+                  <a:ext uri="{FF2B5EF4-FFF2-40B4-BE49-F238E27FC236}">
+                    <a16:creationId xmlns:a16="http://schemas.microsoft.com/office/drawing/2014/main" id="{98A0A5B3-FC0C-9F40-B993-4FCAEC610269}"/>
+                  </a:ext>
+                </a:extLst>
+              </p:cNvPr>
+              <p:cNvSpPr txBox="1"/>
+              <p:nvPr/>
+            </p:nvSpPr>
+            <p:spPr>
+              <a:xfrm>
+                <a:off x="647365" y="4608488"/>
+                <a:ext cx="1360501" cy="300660"/>
+              </a:xfrm>
+              <a:prstGeom prst="rect">
+                <a:avLst/>
+              </a:prstGeom>
+              <a:noFill/>
+            </p:spPr>
+            <p:txBody>
+              <a:bodyPr wrap="none" lIns="0" tIns="0" rIns="0" bIns="0" rtlCol="0">
+                <a:spAutoFit/>
+              </a:bodyPr>
+              <a:lstStyle/>
+              <a:p>
+                <a14:m>
+                  <m:oMath xmlns:m="http://schemas.openxmlformats.org/officeDocument/2006/math">
+                    <m:r>
+                      <a:rPr lang="en-US" sz="2000" b="0" i="1" smtClean="0">
+                        <a:latin typeface="Cambria Math" panose="02040503050406030204" pitchFamily="18" charset="0"/>
+                      </a:rPr>
+                      <m:t>𝑦</m:t>
+                    </m:r>
+                  </m:oMath>
+                </a14:m>
+                <a:r>
+                  <a:rPr lang="en-US" dirty="0"/>
+                  <a:t> = response</a:t>
+                </a:r>
+              </a:p>
+            </p:txBody>
+          </p:sp>
+        </mc:Choice>
+        <mc:Fallback>
+          <p:sp>
+            <p:nvSpPr>
+              <p:cNvPr id="14" name="TextBox 13">
+                <a:extLst>
+                  <a:ext uri="{FF2B5EF4-FFF2-40B4-BE49-F238E27FC236}">
+                    <a16:creationId xmlns:a16="http://schemas.microsoft.com/office/drawing/2014/main" id="{98A0A5B3-FC0C-9F40-B993-4FCAEC610269}"/>
+                  </a:ext>
+                </a:extLst>
+              </p:cNvPr>
+              <p:cNvSpPr txBox="1">
+                <a:spLocks noRot="1" noChangeAspect="1" noMove="1" noResize="1" noEditPoints="1" noAdjustHandles="1" noChangeArrowheads="1" noChangeShapeType="1" noTextEdit="1"/>
+              </p:cNvSpPr>
+              <p:nvPr/>
+            </p:nvSpPr>
+            <p:spPr>
+              <a:xfrm>
+                <a:off x="647365" y="4608488"/>
+                <a:ext cx="1360501" cy="300660"/>
+              </a:xfrm>
+              <a:prstGeom prst="rect">
+                <a:avLst/>
+              </a:prstGeom>
+              <a:blipFill>
+                <a:blip r:embed="rId5"/>
+                <a:stretch>
+                  <a:fillRect l="-5556" t="-16000" r="-10185" b="-40000"/>
+                </a:stretch>
+              </a:blipFill>
+            </p:spPr>
+            <p:txBody>
+              <a:bodyPr/>
+              <a:lstStyle/>
+              <a:p>
+                <a:r>
+                  <a:rPr lang="en-US">
+                    <a:noFill/>
+                  </a:rPr>
+                  <a:t> </a:t>
+                </a:r>
+              </a:p>
+            </p:txBody>
+          </p:sp>
+        </mc:Fallback>
+      </mc:AlternateContent>
+    </p:spTree>
+    <p:extLst>
+      <p:ext uri="{BB962C8B-B14F-4D97-AF65-F5344CB8AC3E}">
+        <p14:creationId xmlns:p14="http://schemas.microsoft.com/office/powerpoint/2010/main" val="3567795479"/>
+      </p:ext>
+    </p:extLst>
+  </p:cSld>
+  <p:clrMapOvr>
+    <a:masterClrMapping/>
+  </p:clrMapOvr>
+  <p:timing>
+    <p:tnLst>
+      <p:par>
+        <p:cTn id="1" dur="indefinite" restart="never" nodeType="tmRoot">
+          <p:childTnLst>
+            <p:seq concurrent="1" nextAc="seek">
+              <p:cTn id="2" dur="indefinite" nodeType="mainSeq">
+                <p:childTnLst>
+                  <p:par>
+                    <p:cTn id="3" fill="hold">
+                      <p:stCondLst>
+                        <p:cond delay="indefinite"/>
+                      </p:stCondLst>
+                      <p:childTnLst>
+                        <p:par>
+                          <p:cTn id="4" fill="hold">
+                            <p:stCondLst>
+                              <p:cond delay="0"/>
+                            </p:stCondLst>
+                            <p:childTnLst>
+                              <p:par>
+                                <p:cTn id="5" presetID="1" presetClass="entr" presetSubtype="0" fill="hold" grpId="0" nodeType="clickEffect">
+                                  <p:stCondLst>
+                                    <p:cond delay="0"/>
+                                  </p:stCondLst>
+                                  <p:childTnLst>
+                                    <p:set>
+                                      <p:cBhvr>
+                                        <p:cTn id="6" dur="1" fill="hold">
+                                          <p:stCondLst>
+                                            <p:cond delay="0"/>
+                                          </p:stCondLst>
+                                        </p:cTn>
+                                        <p:tgtEl>
+                                          <p:spTgt spid="10"/>
+                                        </p:tgtEl>
+                                        <p:attrNameLst>
+                                          <p:attrName>style.visibility</p:attrName>
+                                        </p:attrNameLst>
+                                      </p:cBhvr>
+                                      <p:to>
+                                        <p:strVal val="visible"/>
+                                      </p:to>
+                                    </p:set>
+                                  </p:childTnLst>
+                                </p:cTn>
+                              </p:par>
+                              <p:par>
+                                <p:cTn id="7" presetID="1" presetClass="entr" presetSubtype="0" fill="hold" grpId="0" nodeType="withEffect">
+                                  <p:stCondLst>
+                                    <p:cond delay="0"/>
+                                  </p:stCondLst>
+                                  <p:childTnLst>
+                                    <p:set>
+                                      <p:cBhvr>
+                                        <p:cTn id="8" dur="1" fill="hold">
+                                          <p:stCondLst>
+                                            <p:cond delay="0"/>
+                                          </p:stCondLst>
+                                        </p:cTn>
+                                        <p:tgtEl>
+                                          <p:spTgt spid="13"/>
+                                        </p:tgtEl>
+                                        <p:attrNameLst>
+                                          <p:attrName>style.visibility</p:attrName>
+                                        </p:attrNameLst>
+                                      </p:cBhvr>
+                                      <p:to>
+                                        <p:strVal val="visible"/>
+                                      </p:to>
+                                    </p:set>
+                                  </p:childTnLst>
+                                </p:cTn>
+                              </p:par>
+                              <p:par>
+                                <p:cTn id="9" presetID="1" presetClass="entr" presetSubtype="0" fill="hold" grpId="0" nodeType="withEffect">
+                                  <p:stCondLst>
+                                    <p:cond delay="0"/>
+                                  </p:stCondLst>
+                                  <p:childTnLst>
+                                    <p:set>
+                                      <p:cBhvr>
+                                        <p:cTn id="10" dur="1" fill="hold">
+                                          <p:stCondLst>
+                                            <p:cond delay="0"/>
+                                          </p:stCondLst>
+                                        </p:cTn>
+                                        <p:tgtEl>
+                                          <p:spTgt spid="12"/>
+                                        </p:tgtEl>
+                                        <p:attrNameLst>
+                                          <p:attrName>style.visibility</p:attrName>
+                                        </p:attrNameLst>
+                                      </p:cBhvr>
+                                      <p:to>
+                                        <p:strVal val="visible"/>
+                                      </p:to>
+                                    </p:set>
+                                  </p:childTnLst>
+                                </p:cTn>
+                              </p:par>
+                              <p:par>
+                                <p:cTn id="11" presetID="1" presetClass="entr" presetSubtype="0" fill="hold" grpId="0" nodeType="withEffect">
+                                  <p:stCondLst>
+                                    <p:cond delay="0"/>
+                                  </p:stCondLst>
+                                  <p:childTnLst>
+                                    <p:set>
+                                      <p:cBhvr>
+                                        <p:cTn id="12" dur="1" fill="hold">
+                                          <p:stCondLst>
+                                            <p:cond delay="0"/>
+                                          </p:stCondLst>
+                                        </p:cTn>
+                                        <p:tgtEl>
+                                          <p:spTgt spid="14"/>
+                                        </p:tgtEl>
+                                        <p:attrNameLst>
+                                          <p:attrName>style.visibility</p:attrName>
+                                        </p:attrNameLst>
+                                      </p:cBhvr>
+                                      <p:to>
+                                        <p:strVal val="visible"/>
+                                      </p:to>
+                                    </p:set>
+                                  </p:childTnLst>
+                                </p:cTn>
+                              </p:par>
+                              <p:par>
+                                <p:cTn id="13" presetID="1" presetClass="entr" presetSubtype="0" fill="hold" grpId="0" nodeType="withEffect">
+                                  <p:stCondLst>
+                                    <p:cond delay="0"/>
+                                  </p:stCondLst>
+                                  <p:childTnLst>
+                                    <p:set>
+                                      <p:cBhvr>
+                                        <p:cTn id="14" dur="1" fill="hold">
+                                          <p:stCondLst>
+                                            <p:cond delay="0"/>
+                                          </p:stCondLst>
+                                        </p:cTn>
+                                        <p:tgtEl>
+                                          <p:spTgt spid="9"/>
+                                        </p:tgtEl>
+                                        <p:attrNameLst>
+                                          <p:attrName>style.visibility</p:attrName>
+                                        </p:attrNameLst>
+                                      </p:cBhvr>
+                                      <p:to>
+                                        <p:strVal val="visible"/>
+                                      </p:to>
+                                    </p:set>
+                                  </p:childTnLst>
+                                </p:cTn>
+                              </p:par>
+                            </p:childTnLst>
+                          </p:cTn>
+                        </p:par>
+                      </p:childTnLst>
+                    </p:cTn>
+                  </p:par>
+                  <p:par>
+                    <p:cTn id="15" fill="hold">
+                      <p:stCondLst>
+                        <p:cond delay="indefinite"/>
+                      </p:stCondLst>
+                      <p:childTnLst>
+                        <p:par>
+                          <p:cTn id="16" fill="hold">
+                            <p:stCondLst>
+                              <p:cond delay="0"/>
+                            </p:stCondLst>
+                            <p:childTnLst>
+                              <p:par>
+                                <p:cTn id="17" presetID="1" presetClass="entr" presetSubtype="0" fill="hold" grpId="0" nodeType="clickEffect">
+                                  <p:stCondLst>
+                                    <p:cond delay="0"/>
+                                  </p:stCondLst>
+                                  <p:childTnLst>
+                                    <p:set>
+                                      <p:cBhvr>
+                                        <p:cTn id="18" dur="1" fill="hold">
+                                          <p:stCondLst>
+                                            <p:cond delay="0"/>
+                                          </p:stCondLst>
+                                        </p:cTn>
+                                        <p:tgtEl>
+                                          <p:spTgt spid="7"/>
+                                        </p:tgtEl>
+                                        <p:attrNameLst>
+                                          <p:attrName>style.visibility</p:attrName>
+                                        </p:attrNameLst>
+                                      </p:cBhvr>
+                                      <p:to>
+                                        <p:strVal val="visible"/>
+                                      </p:to>
+                                    </p:set>
+                                  </p:childTnLst>
+                                </p:cTn>
+                              </p:par>
+                            </p:childTnLst>
+                          </p:cTn>
+                        </p:par>
+                      </p:childTnLst>
+                    </p:cTn>
+                  </p:par>
+                </p:childTnLst>
+              </p:cTn>
+              <p:prevCondLst>
+                <p:cond evt="onPrev" delay="0">
+                  <p:tgtEl>
+                    <p:sldTgt/>
+                  </p:tgtEl>
+                </p:cond>
+              </p:prevCondLst>
+              <p:nextCondLst>
+                <p:cond evt="onNext" delay="0">
+                  <p:tgtEl>
+                    <p:sldTgt/>
+                  </p:tgtEl>
+                </p:cond>
+              </p:nextCondLst>
+            </p:seq>
+          </p:childTnLst>
+        </p:cTn>
+      </p:par>
+    </p:tnLst>
+    <p:bldLst>
+      <p:bldP spid="7" grpId="0"/>
+      <p:bldP spid="9" grpId="0"/>
+      <p:bldP spid="10" grpId="0"/>
+      <p:bldP spid="12" grpId="0"/>
+      <p:bldP spid="13" grpId="0"/>
+      <p:bldP spid="14" grpId="0"/>
+    </p:bldLst>
+  </p:timing>
+</p:sld>
+</file>
+
+<file path=ppt/slides/slide7.xml><?xml version="1.0" encoding="utf-8"?>
+<p:sld xmlns:a="http://schemas.openxmlformats.org/drawingml/2006/main" xmlns:r="http://schemas.openxmlformats.org/officeDocument/2006/relationships" xmlns:p="http://schemas.openxmlformats.org/presentationml/2006/main">
+  <p:cSld>
+    <p:spTree>
+      <p:nvGrpSpPr>
+        <p:cNvPr id="1" name=""/>
+        <p:cNvGrpSpPr/>
+        <p:nvPr/>
+      </p:nvGrpSpPr>
+      <p:grpSpPr>
+        <a:xfrm>
+          <a:off x="0" y="0"/>
+          <a:ext cx="0" cy="0"/>
+          <a:chOff x="0" y="0"/>
+          <a:chExt cx="0" cy="0"/>
+        </a:xfrm>
+      </p:grpSpPr>
+      <p:sp>
+        <p:nvSpPr>
+          <p:cNvPr id="2" name="Title 1">
+            <a:extLst>
+              <a:ext uri="{FF2B5EF4-FFF2-40B4-BE49-F238E27FC236}">
+                <a16:creationId xmlns:a16="http://schemas.microsoft.com/office/drawing/2014/main" id="{DDDCD966-254F-DE44-96C7-A8D5F2D76A89}"/>
+              </a:ext>
+            </a:extLst>
+          </p:cNvPr>
+          <p:cNvSpPr>
+            <a:spLocks noGrp="1"/>
+          </p:cNvSpPr>
+          <p:nvPr>
+            <p:ph type="title"/>
+          </p:nvPr>
+        </p:nvSpPr>
+        <p:spPr/>
+        <p:txBody>
+          <a:bodyPr/>
+          <a:lstStyle/>
+          <a:p>
+            <a:r>
+              <a:rPr lang="en-US" dirty="0"/>
+              <a:t>2 Factor Design</a:t>
+            </a:r>
+          </a:p>
+        </p:txBody>
+      </p:sp>
+      <p:sp>
+        <p:nvSpPr>
+          <p:cNvPr id="4" name="Slide Number Placeholder 3">
+            <a:extLst>
+              <a:ext uri="{FF2B5EF4-FFF2-40B4-BE49-F238E27FC236}">
+                <a16:creationId xmlns:a16="http://schemas.microsoft.com/office/drawing/2014/main" id="{2AFD01F6-08F0-BB44-8C03-099333FB39ED}"/>
+              </a:ext>
+            </a:extLst>
+          </p:cNvPr>
+          <p:cNvSpPr>
+            <a:spLocks noGrp="1"/>
+          </p:cNvSpPr>
+          <p:nvPr>
+            <p:ph type="sldNum" sz="quarter" idx="11"/>
+          </p:nvPr>
+        </p:nvSpPr>
+        <p:spPr/>
+        <p:txBody>
+          <a:bodyPr/>
+          <a:lstStyle/>
+          <a:p>
+            <a:pPr>
+              <a:defRPr/>
+            </a:pPr>
+            <a:fld id="{3EF4E9CC-9D91-476E-91FD-5BEEC1642931}" type="slidenum">
+              <a:rPr lang="en-US" altLang="x-none" smtClean="0"/>
+              <a:pPr>
+                <a:defRPr/>
+              </a:pPr>
+              <a:t>7</a:t>
+            </a:fld>
+            <a:endParaRPr lang="en-US" altLang="x-none"/>
+          </a:p>
+        </p:txBody>
+      </p:sp>
+      <p:graphicFrame>
+        <p:nvGraphicFramePr>
+          <p:cNvPr id="9" name="Table 5">
+            <a:extLst>
+              <a:ext uri="{FF2B5EF4-FFF2-40B4-BE49-F238E27FC236}">
+                <a16:creationId xmlns:a16="http://schemas.microsoft.com/office/drawing/2014/main" id="{F4A87B96-DD4E-E846-9A07-0916F22FEE30}"/>
+              </a:ext>
+            </a:extLst>
+          </p:cNvPr>
+          <p:cNvGraphicFramePr>
+            <a:graphicFrameLocks noGrp="1"/>
+          </p:cNvGraphicFramePr>
+          <p:nvPr>
+            <p:extLst>
+              <p:ext uri="{D42A27DB-BD31-4B8C-83A1-F6EECF244321}">
+                <p14:modId xmlns:p14="http://schemas.microsoft.com/office/powerpoint/2010/main" val="4226070352"/>
+              </p:ext>
+            </p:extLst>
+          </p:nvPr>
+        </p:nvGraphicFramePr>
+        <p:xfrm>
+          <a:off x="2325624" y="1181101"/>
+          <a:ext cx="3901440" cy="1572768"/>
+        </p:xfrm>
+        <a:graphic>
+          <a:graphicData uri="http://schemas.openxmlformats.org/drawingml/2006/table">
+            <a:tbl>
+              <a:tblPr firstRow="1" bandRow="1">
+                <a:tableStyleId>{5C22544A-7EE6-4342-B048-85BDC9FD1C3A}</a:tableStyleId>
+              </a:tblPr>
+              <a:tblGrid>
+                <a:gridCol w="975360">
+                  <a:extLst>
+                    <a:ext uri="{9D8B030D-6E8A-4147-A177-3AD203B41FA5}">
+                      <a16:colId xmlns:a16="http://schemas.microsoft.com/office/drawing/2014/main" val="1282448432"/>
+                    </a:ext>
+                  </a:extLst>
+                </a:gridCol>
+                <a:gridCol w="975360">
+                  <a:extLst>
+                    <a:ext uri="{9D8B030D-6E8A-4147-A177-3AD203B41FA5}">
+                      <a16:colId xmlns:a16="http://schemas.microsoft.com/office/drawing/2014/main" val="2093100773"/>
+                    </a:ext>
+                  </a:extLst>
+                </a:gridCol>
+                <a:gridCol w="975360">
+                  <a:extLst>
+                    <a:ext uri="{9D8B030D-6E8A-4147-A177-3AD203B41FA5}">
+                      <a16:colId xmlns:a16="http://schemas.microsoft.com/office/drawing/2014/main" val="729574387"/>
+                    </a:ext>
+                  </a:extLst>
+                </a:gridCol>
+                <a:gridCol w="975360">
+                  <a:extLst>
+                    <a:ext uri="{9D8B030D-6E8A-4147-A177-3AD203B41FA5}">
+                      <a16:colId xmlns:a16="http://schemas.microsoft.com/office/drawing/2014/main" val="1474237187"/>
+                    </a:ext>
+                  </a:extLst>
+                </a:gridCol>
+              </a:tblGrid>
+              <a:tr h="460248">
+                <a:tc>
+                  <a:txBody>
+                    <a:bodyPr/>
+                    <a:lstStyle/>
+                    <a:p>
+                      <a:r>
+                        <a:rPr lang="en-US" dirty="0"/>
+                        <a:t># levels</a:t>
+                      </a:r>
+                    </a:p>
+                  </a:txBody>
+                  <a:tcPr/>
+                </a:tc>
+                <a:tc>
+                  <a:txBody>
+                    <a:bodyPr/>
+                    <a:lstStyle/>
+                    <a:p>
+                      <a:r>
+                        <a:rPr lang="en-US" dirty="0"/>
+                        <a:t>1 factor</a:t>
+                      </a:r>
+                    </a:p>
+                  </a:txBody>
+                  <a:tcPr/>
+                </a:tc>
+                <a:tc>
+                  <a:txBody>
+                    <a:bodyPr/>
+                    <a:lstStyle/>
+                    <a:p>
+                      <a:r>
+                        <a:rPr lang="en-US" dirty="0"/>
+                        <a:t>2 factor</a:t>
+                      </a:r>
+                    </a:p>
+                  </a:txBody>
+                  <a:tcPr/>
+                </a:tc>
+                <a:tc>
+                  <a:txBody>
+                    <a:bodyPr/>
+                    <a:lstStyle/>
+                    <a:p>
+                      <a:r>
+                        <a:rPr lang="en-US" dirty="0"/>
+                        <a:t>All</a:t>
+                      </a:r>
+                    </a:p>
+                  </a:txBody>
+                  <a:tcPr/>
+                </a:tc>
+                <a:extLst>
+                  <a:ext uri="{0D108BD9-81ED-4DB2-BD59-A6C34878D82A}">
+                    <a16:rowId xmlns:a16="http://schemas.microsoft.com/office/drawing/2014/main" val="586828454"/>
+                  </a:ext>
+                </a:extLst>
+              </a:tr>
+              <a:tr h="370840">
+                <a:tc>
+                  <a:txBody>
+                    <a:bodyPr/>
+                    <a:lstStyle/>
+                    <a:p>
+                      <a:pPr algn="r"/>
+                      <a:r>
+                        <a:rPr lang="en-US" dirty="0"/>
+                        <a:t>2</a:t>
+                      </a:r>
+                    </a:p>
+                  </a:txBody>
+                  <a:tcPr/>
+                </a:tc>
+                <a:tc>
+                  <a:txBody>
+                    <a:bodyPr/>
+                    <a:lstStyle/>
+                    <a:p>
+                      <a:pPr algn="r"/>
+                      <a:r>
+                        <a:rPr lang="en-US" dirty="0"/>
+                        <a:t>32</a:t>
+                      </a:r>
+                    </a:p>
+                  </a:txBody>
+                  <a:tcPr/>
+                </a:tc>
+                <a:tc>
+                  <a:txBody>
+                    <a:bodyPr/>
+                    <a:lstStyle/>
+                    <a:p>
+                      <a:pPr algn="r"/>
+                      <a:r>
+                        <a:rPr lang="en-US" dirty="0"/>
+                        <a:t>~10</a:t>
+                      </a:r>
+                      <a:r>
+                        <a:rPr lang="en-US" baseline="30000" dirty="0"/>
+                        <a:t>3</a:t>
+                      </a:r>
+                      <a:endParaRPr lang="en-US" dirty="0"/>
+                    </a:p>
+                  </a:txBody>
+                  <a:tcPr/>
+                </a:tc>
+                <a:tc>
+                  <a:txBody>
+                    <a:bodyPr/>
+                    <a:lstStyle/>
+                    <a:p>
+                      <a:pPr algn="r"/>
+                      <a:r>
+                        <a:rPr lang="en-US" dirty="0"/>
+                        <a:t>~10</a:t>
+                      </a:r>
+                      <a:r>
+                        <a:rPr lang="en-US" baseline="30000" dirty="0"/>
+                        <a:t>5</a:t>
+                      </a:r>
+                      <a:endParaRPr lang="en-US" dirty="0"/>
+                    </a:p>
+                  </a:txBody>
+                  <a:tcPr/>
+                </a:tc>
+                <a:extLst>
+                  <a:ext uri="{0D108BD9-81ED-4DB2-BD59-A6C34878D82A}">
+                    <a16:rowId xmlns:a16="http://schemas.microsoft.com/office/drawing/2014/main" val="2885681608"/>
+                  </a:ext>
+                </a:extLst>
+              </a:tr>
+              <a:tr h="370840">
+                <a:tc>
+                  <a:txBody>
+                    <a:bodyPr/>
+                    <a:lstStyle/>
+                    <a:p>
+                      <a:pPr algn="r"/>
+                      <a:r>
+                        <a:rPr lang="en-US" dirty="0"/>
+                        <a:t>4</a:t>
+                      </a:r>
+                    </a:p>
+                  </a:txBody>
+                  <a:tcPr/>
+                </a:tc>
+                <a:tc>
+                  <a:txBody>
+                    <a:bodyPr/>
+                    <a:lstStyle/>
+                    <a:p>
+                      <a:pPr algn="r"/>
+                      <a:r>
+                        <a:rPr lang="en-US" dirty="0"/>
+                        <a:t>64</a:t>
+                      </a:r>
+                    </a:p>
+                  </a:txBody>
+                  <a:tcPr/>
+                </a:tc>
+                <a:tc>
+                  <a:txBody>
+                    <a:bodyPr/>
+                    <a:lstStyle/>
+                    <a:p>
+                      <a:pPr algn="r"/>
+                      <a:r>
+                        <a:rPr lang="en-US" dirty="0"/>
+                        <a:t>~10</a:t>
+                      </a:r>
+                      <a:r>
+                        <a:rPr lang="en-US" baseline="30000" dirty="0"/>
+                        <a:t>4</a:t>
+                      </a:r>
+                      <a:endParaRPr lang="en-US" dirty="0"/>
+                    </a:p>
+                  </a:txBody>
+                  <a:tcPr/>
+                </a:tc>
+                <a:tc>
+                  <a:txBody>
+                    <a:bodyPr/>
+                    <a:lstStyle/>
+                    <a:p>
+                      <a:pPr algn="r"/>
+                      <a:r>
+                        <a:rPr lang="en-US" dirty="0"/>
+                        <a:t>~10</a:t>
+                      </a:r>
+                      <a:r>
+                        <a:rPr lang="en-US" baseline="30000" dirty="0"/>
+                        <a:t>9</a:t>
+                      </a:r>
+                      <a:endParaRPr lang="en-US" dirty="0"/>
+                    </a:p>
+                  </a:txBody>
+                  <a:tcPr/>
+                </a:tc>
+                <a:extLst>
+                  <a:ext uri="{0D108BD9-81ED-4DB2-BD59-A6C34878D82A}">
+                    <a16:rowId xmlns:a16="http://schemas.microsoft.com/office/drawing/2014/main" val="697100228"/>
+                  </a:ext>
+                </a:extLst>
+              </a:tr>
+              <a:tr h="370840">
+                <a:tc>
+                  <a:txBody>
+                    <a:bodyPr/>
+                    <a:lstStyle/>
+                    <a:p>
+                      <a:pPr algn="r"/>
+                      <a:r>
+                        <a:rPr lang="en-US" dirty="0"/>
+                        <a:t>8</a:t>
+                      </a:r>
+                    </a:p>
+                  </a:txBody>
+                  <a:tcPr/>
+                </a:tc>
+                <a:tc>
+                  <a:txBody>
+                    <a:bodyPr/>
+                    <a:lstStyle/>
+                    <a:p>
+                      <a:pPr algn="r"/>
+                      <a:r>
+                        <a:rPr lang="en-US" dirty="0"/>
+                        <a:t>128</a:t>
+                      </a:r>
+                    </a:p>
+                  </a:txBody>
+                  <a:tcPr/>
+                </a:tc>
+                <a:tc>
+                  <a:txBody>
+                    <a:bodyPr/>
+                    <a:lstStyle/>
+                    <a:p>
+                      <a:pPr algn="r"/>
+                      <a:r>
+                        <a:rPr lang="en-US" dirty="0"/>
+                        <a:t>~10</a:t>
+                      </a:r>
+                      <a:r>
+                        <a:rPr lang="en-US" baseline="30000" dirty="0"/>
+                        <a:t>5</a:t>
+                      </a:r>
+                      <a:endParaRPr lang="en-US" dirty="0"/>
+                    </a:p>
+                  </a:txBody>
+                  <a:tcPr/>
+                </a:tc>
+                <a:tc>
+                  <a:txBody>
+                    <a:bodyPr/>
+                    <a:lstStyle/>
+                    <a:p>
+                      <a:pPr algn="r"/>
+                      <a:r>
+                        <a:rPr lang="en-US" dirty="0"/>
+                        <a:t>~10</a:t>
+                      </a:r>
+                      <a:r>
+                        <a:rPr lang="en-US" baseline="30000" dirty="0"/>
+                        <a:t>14</a:t>
+                      </a:r>
+                      <a:endParaRPr lang="en-US" dirty="0"/>
+                    </a:p>
+                  </a:txBody>
+                  <a:tcPr/>
+                </a:tc>
+                <a:extLst>
+                  <a:ext uri="{0D108BD9-81ED-4DB2-BD59-A6C34878D82A}">
+                    <a16:rowId xmlns:a16="http://schemas.microsoft.com/office/drawing/2014/main" val="458962988"/>
+                  </a:ext>
+                </a:extLst>
+              </a:tr>
+            </a:tbl>
+          </a:graphicData>
+        </a:graphic>
+      </p:graphicFrame>
+      <mc:AlternateContent xmlns:mc="http://schemas.openxmlformats.org/markup-compatibility/2006">
+        <mc:Choice xmlns:a14="http://schemas.microsoft.com/office/drawing/2010/main" Requires="a14">
+          <p:sp>
+            <p:nvSpPr>
+              <p:cNvPr id="12" name="TextBox 11">
+                <a:extLst>
+                  <a:ext uri="{FF2B5EF4-FFF2-40B4-BE49-F238E27FC236}">
+                    <a16:creationId xmlns:a16="http://schemas.microsoft.com/office/drawing/2014/main" id="{1F6513F1-5661-FF4F-9488-FE841518D09A}"/>
+                  </a:ext>
+                </a:extLst>
+              </p:cNvPr>
+              <p:cNvSpPr txBox="1"/>
+              <p:nvPr/>
+            </p:nvSpPr>
+            <p:spPr>
+              <a:xfrm>
+                <a:off x="676656" y="3059198"/>
+                <a:ext cx="6216061" cy="612732"/>
+              </a:xfrm>
+              <a:prstGeom prst="rect">
+                <a:avLst/>
+              </a:prstGeom>
+              <a:noFill/>
+            </p:spPr>
+            <p:txBody>
+              <a:bodyPr wrap="none" lIns="0" tIns="0" rIns="0" bIns="0" rtlCol="0">
+                <a:spAutoFit/>
+              </a:bodyPr>
+              <a:lstStyle/>
+              <a:p>
+                <a14:m>
+                  <m:oMathPara xmlns:m="http://schemas.openxmlformats.org/officeDocument/2006/math">
+                    <m:oMathParaPr>
+                      <m:jc m:val="centerGroup"/>
+                    </m:oMathParaPr>
+                    <m:oMath xmlns:m="http://schemas.openxmlformats.org/officeDocument/2006/math">
+                      <m:r>
+                        <a:rPr lang="en-US" sz="2000" b="0" i="1" smtClean="0">
+                          <a:latin typeface="Cambria Math" panose="02040503050406030204" pitchFamily="18" charset="0"/>
+                        </a:rPr>
+                        <m:t>𝑦</m:t>
+                      </m:r>
+                      <m:r>
+                        <a:rPr lang="en-US" sz="2000" b="0" i="1" smtClean="0">
+                          <a:latin typeface="Cambria Math" panose="02040503050406030204" pitchFamily="18" charset="0"/>
+                        </a:rPr>
+                        <m:t>=</m:t>
+                      </m:r>
+                      <m:r>
+                        <a:rPr lang="en-US" sz="2000" b="0" i="1" smtClean="0">
+                          <a:latin typeface="Cambria Math" panose="02040503050406030204" pitchFamily="18" charset="0"/>
+                        </a:rPr>
+                        <m:t>𝑢</m:t>
+                      </m:r>
+                      <m:r>
+                        <a:rPr lang="en-US" sz="2000" b="0" i="1" smtClean="0">
+                          <a:latin typeface="Cambria Math" panose="02040503050406030204" pitchFamily="18" charset="0"/>
+                        </a:rPr>
+                        <m:t>+</m:t>
+                      </m:r>
+                      <m:sSub>
+                        <m:sSubPr>
+                          <m:ctrlPr>
+                            <a:rPr lang="en-US" sz="2000" b="0" i="1" smtClean="0">
+                              <a:latin typeface="Cambria Math" panose="02040503050406030204" pitchFamily="18" charset="0"/>
+                            </a:rPr>
+                          </m:ctrlPr>
+                        </m:sSubPr>
+                        <m:e>
+                          <m:r>
+                            <a:rPr lang="en-US" sz="2000" b="0" i="1" smtClean="0">
+                              <a:latin typeface="Cambria Math" panose="02040503050406030204" pitchFamily="18" charset="0"/>
+                            </a:rPr>
+                            <m:t>𝛼</m:t>
+                          </m:r>
+                        </m:e>
+                        <m:sub>
+                          <m:r>
+                            <a:rPr lang="en-US" sz="2000" b="0" i="1" smtClean="0">
+                              <a:latin typeface="Cambria Math" panose="02040503050406030204" pitchFamily="18" charset="0"/>
+                            </a:rPr>
+                            <m:t>1,</m:t>
+                          </m:r>
+                          <m:sSub>
+                            <m:sSubPr>
+                              <m:ctrlPr>
+                                <a:rPr lang="en-US" sz="2000" b="0" i="1" smtClean="0">
+                                  <a:latin typeface="Cambria Math" panose="02040503050406030204" pitchFamily="18" charset="0"/>
+                                </a:rPr>
+                              </m:ctrlPr>
+                            </m:sSubPr>
+                            <m:e>
+                              <m:r>
+                                <a:rPr lang="en-US" sz="2000" b="0" i="1" smtClean="0">
+                                  <a:latin typeface="Cambria Math" panose="02040503050406030204" pitchFamily="18" charset="0"/>
+                                </a:rPr>
+                                <m:t>𝑖</m:t>
+                              </m:r>
+                            </m:e>
+                            <m:sub>
+                              <m:r>
+                                <a:rPr lang="en-US" sz="2000" b="0" i="1" smtClean="0">
+                                  <a:latin typeface="Cambria Math" panose="02040503050406030204" pitchFamily="18" charset="0"/>
+                                </a:rPr>
+                                <m:t>1</m:t>
+                              </m:r>
+                            </m:sub>
+                          </m:sSub>
+                        </m:sub>
+                      </m:sSub>
+                      <m:r>
+                        <a:rPr lang="en-US" sz="2000" b="0" i="1" smtClean="0">
+                          <a:latin typeface="Cambria Math" panose="02040503050406030204" pitchFamily="18" charset="0"/>
+                        </a:rPr>
+                        <m:t>,+⋯+</m:t>
+                      </m:r>
+                      <m:sSub>
+                        <m:sSubPr>
+                          <m:ctrlPr>
+                            <a:rPr lang="en-US" sz="2000" b="0" i="1" smtClean="0">
+                              <a:latin typeface="Cambria Math" panose="02040503050406030204" pitchFamily="18" charset="0"/>
+                            </a:rPr>
+                          </m:ctrlPr>
+                        </m:sSubPr>
+                        <m:e>
+                          <m:r>
+                            <a:rPr lang="en-US" sz="2000" b="0" i="1" smtClean="0">
+                              <a:latin typeface="Cambria Math" panose="02040503050406030204" pitchFamily="18" charset="0"/>
+                            </a:rPr>
+                            <m:t>𝛼</m:t>
+                          </m:r>
+                        </m:e>
+                        <m:sub>
+                          <m:r>
+                            <a:rPr lang="en-US" sz="2000" b="0" i="1" smtClean="0">
+                              <a:latin typeface="Cambria Math" panose="02040503050406030204" pitchFamily="18" charset="0"/>
+                            </a:rPr>
+                            <m:t>𝑛</m:t>
+                          </m:r>
+                          <m:r>
+                            <a:rPr lang="en-US" sz="2000" b="0" i="1" smtClean="0">
+                              <a:latin typeface="Cambria Math" panose="02040503050406030204" pitchFamily="18" charset="0"/>
+                            </a:rPr>
+                            <m:t>,</m:t>
+                          </m:r>
+                          <m:sSub>
+                            <m:sSubPr>
+                              <m:ctrlPr>
+                                <a:rPr lang="en-US" sz="2000" b="0" i="1" smtClean="0">
+                                  <a:latin typeface="Cambria Math" panose="02040503050406030204" pitchFamily="18" charset="0"/>
+                                </a:rPr>
+                              </m:ctrlPr>
+                            </m:sSubPr>
+                            <m:e>
+                              <m:r>
+                                <a:rPr lang="en-US" sz="2000" b="0" i="1" smtClean="0">
+                                  <a:latin typeface="Cambria Math" panose="02040503050406030204" pitchFamily="18" charset="0"/>
+                                </a:rPr>
+                                <m:t>𝑖</m:t>
+                              </m:r>
+                            </m:e>
+                            <m:sub>
+                              <m:r>
+                                <a:rPr lang="en-US" sz="2000" b="0" i="1" smtClean="0">
+                                  <a:latin typeface="Cambria Math" panose="02040503050406030204" pitchFamily="18" charset="0"/>
+                                </a:rPr>
+                                <m:t>𝑛</m:t>
+                              </m:r>
+                            </m:sub>
+                          </m:sSub>
+                        </m:sub>
+                      </m:sSub>
+                      <m:r>
+                        <a:rPr lang="en-US" sz="2000" b="0" i="0" smtClean="0">
+                          <a:latin typeface="Cambria Math" panose="02040503050406030204" pitchFamily="18" charset="0"/>
+                        </a:rPr>
+                        <m:t>+</m:t>
+                      </m:r>
+                      <m:sSub>
+                        <m:sSubPr>
+                          <m:ctrlPr>
+                            <a:rPr lang="en-US" sz="2000" b="0" i="1" smtClean="0">
+                              <a:latin typeface="Cambria Math" panose="02040503050406030204" pitchFamily="18" charset="0"/>
+                            </a:rPr>
+                          </m:ctrlPr>
+                        </m:sSubPr>
+                        <m:e>
+                          <m:r>
+                            <a:rPr lang="en-US" sz="2000" b="0" i="1" smtClean="0">
+                              <a:latin typeface="Cambria Math" panose="02040503050406030204" pitchFamily="18" charset="0"/>
+                            </a:rPr>
+                            <m:t>𝛾</m:t>
+                          </m:r>
+                        </m:e>
+                        <m:sub>
+                          <m:r>
+                            <a:rPr lang="en-US" sz="2000" b="0" i="1" smtClean="0">
+                              <a:latin typeface="Cambria Math" panose="02040503050406030204" pitchFamily="18" charset="0"/>
+                            </a:rPr>
+                            <m:t>1,2,</m:t>
+                          </m:r>
+                          <m:sSub>
+                            <m:sSubPr>
+                              <m:ctrlPr>
+                                <a:rPr lang="en-US" sz="2000" b="0" i="1" smtClean="0">
+                                  <a:latin typeface="Cambria Math" panose="02040503050406030204" pitchFamily="18" charset="0"/>
+                                </a:rPr>
+                              </m:ctrlPr>
+                            </m:sSubPr>
+                            <m:e>
+                              <m:r>
+                                <a:rPr lang="en-US" sz="2000" b="0" i="1" smtClean="0">
+                                  <a:latin typeface="Cambria Math" panose="02040503050406030204" pitchFamily="18" charset="0"/>
+                                </a:rPr>
+                                <m:t>𝑖</m:t>
+                              </m:r>
+                            </m:e>
+                            <m:sub>
+                              <m:r>
+                                <a:rPr lang="en-US" sz="2000" b="0" i="1" smtClean="0">
+                                  <a:latin typeface="Cambria Math" panose="02040503050406030204" pitchFamily="18" charset="0"/>
+                                </a:rPr>
+                                <m:t>1</m:t>
+                              </m:r>
+                            </m:sub>
+                          </m:sSub>
+                          <m:r>
+                            <a:rPr lang="en-US" sz="2000" b="0" i="1" smtClean="0">
+                              <a:latin typeface="Cambria Math" panose="02040503050406030204" pitchFamily="18" charset="0"/>
+                            </a:rPr>
+                            <m:t>,</m:t>
+                          </m:r>
+                          <m:sSub>
+                            <m:sSubPr>
+                              <m:ctrlPr>
+                                <a:rPr lang="en-US" sz="2000" b="0" i="1" smtClean="0">
+                                  <a:latin typeface="Cambria Math" panose="02040503050406030204" pitchFamily="18" charset="0"/>
+                                </a:rPr>
+                              </m:ctrlPr>
+                            </m:sSubPr>
+                            <m:e>
+                              <m:r>
+                                <a:rPr lang="en-US" sz="2000" b="0" i="1" smtClean="0">
+                                  <a:latin typeface="Cambria Math" panose="02040503050406030204" pitchFamily="18" charset="0"/>
+                                </a:rPr>
+                                <m:t>𝑖</m:t>
+                              </m:r>
+                            </m:e>
+                            <m:sub>
+                              <m:r>
+                                <a:rPr lang="en-US" sz="2000" b="0" i="1" smtClean="0">
+                                  <a:latin typeface="Cambria Math" panose="02040503050406030204" pitchFamily="18" charset="0"/>
+                                </a:rPr>
+                                <m:t>2</m:t>
+                              </m:r>
+                            </m:sub>
+                          </m:sSub>
+                        </m:sub>
+                      </m:sSub>
+                      <m:r>
+                        <a:rPr lang="en-US" sz="2000" b="0" i="1" smtClean="0">
+                          <a:latin typeface="Cambria Math" panose="02040503050406030204" pitchFamily="18" charset="0"/>
+                        </a:rPr>
+                        <m:t>+⋯+</m:t>
+                      </m:r>
+                      <m:sSub>
+                        <m:sSubPr>
+                          <m:ctrlPr>
+                            <a:rPr lang="en-US" sz="2000" b="0" i="1" smtClean="0">
+                              <a:latin typeface="Cambria Math" panose="02040503050406030204" pitchFamily="18" charset="0"/>
+                            </a:rPr>
+                          </m:ctrlPr>
+                        </m:sSubPr>
+                        <m:e>
+                          <m:r>
+                            <a:rPr lang="en-US" sz="2000" b="0" i="1" smtClean="0">
+                              <a:latin typeface="Cambria Math" panose="02040503050406030204" pitchFamily="18" charset="0"/>
+                            </a:rPr>
+                            <m:t>𝛾</m:t>
+                          </m:r>
+                        </m:e>
+                        <m:sub>
+                          <m:r>
+                            <a:rPr lang="en-US" sz="2000" b="0" i="1" smtClean="0">
+                              <a:latin typeface="Cambria Math" panose="02040503050406030204" pitchFamily="18" charset="0"/>
+                            </a:rPr>
+                            <m:t>𝑛</m:t>
+                          </m:r>
+                          <m:r>
+                            <a:rPr lang="en-US" sz="2000" b="0" i="1" smtClean="0">
+                              <a:latin typeface="Cambria Math" panose="02040503050406030204" pitchFamily="18" charset="0"/>
+                            </a:rPr>
+                            <m:t>−1,</m:t>
+                          </m:r>
+                          <m:r>
+                            <a:rPr lang="en-US" sz="2000" b="0" i="1" smtClean="0">
+                              <a:latin typeface="Cambria Math" panose="02040503050406030204" pitchFamily="18" charset="0"/>
+                            </a:rPr>
+                            <m:t>𝑛</m:t>
+                          </m:r>
+                          <m:r>
+                            <a:rPr lang="en-US" sz="2000" b="0" i="1" smtClean="0">
+                              <a:latin typeface="Cambria Math" panose="02040503050406030204" pitchFamily="18" charset="0"/>
+                            </a:rPr>
+                            <m:t>,</m:t>
+                          </m:r>
+                          <m:sSub>
+                            <m:sSubPr>
+                              <m:ctrlPr>
+                                <a:rPr lang="en-US" sz="2000" b="0" i="1" smtClean="0">
+                                  <a:latin typeface="Cambria Math" panose="02040503050406030204" pitchFamily="18" charset="0"/>
+                                </a:rPr>
+                              </m:ctrlPr>
+                            </m:sSubPr>
+                            <m:e>
+                              <m:r>
+                                <a:rPr lang="en-US" sz="2000" b="0" i="1" smtClean="0">
+                                  <a:latin typeface="Cambria Math" panose="02040503050406030204" pitchFamily="18" charset="0"/>
+                                </a:rPr>
+                                <m:t>𝑖</m:t>
+                              </m:r>
+                            </m:e>
+                            <m:sub>
+                              <m:r>
+                                <a:rPr lang="en-US" sz="2000" b="0" i="1" smtClean="0">
+                                  <a:latin typeface="Cambria Math" panose="02040503050406030204" pitchFamily="18" charset="0"/>
+                                </a:rPr>
+                                <m:t>𝑛</m:t>
+                              </m:r>
+                              <m:r>
+                                <a:rPr lang="en-US" sz="2000" b="0" i="1" smtClean="0">
+                                  <a:latin typeface="Cambria Math" panose="02040503050406030204" pitchFamily="18" charset="0"/>
+                                </a:rPr>
+                                <m:t>−1</m:t>
+                              </m:r>
+                            </m:sub>
+                          </m:sSub>
+                          <m:r>
+                            <a:rPr lang="en-US" sz="2000" b="0" i="1" smtClean="0">
+                              <a:latin typeface="Cambria Math" panose="02040503050406030204" pitchFamily="18" charset="0"/>
+                            </a:rPr>
+                            <m:t>,</m:t>
+                          </m:r>
+                          <m:sSub>
+                            <m:sSubPr>
+                              <m:ctrlPr>
+                                <a:rPr lang="en-US" sz="2000" b="0" i="1" smtClean="0">
+                                  <a:latin typeface="Cambria Math" panose="02040503050406030204" pitchFamily="18" charset="0"/>
+                                </a:rPr>
+                              </m:ctrlPr>
+                            </m:sSubPr>
+                            <m:e>
+                              <m:r>
+                                <a:rPr lang="en-US" sz="2000" b="0" i="1" smtClean="0">
+                                  <a:latin typeface="Cambria Math" panose="02040503050406030204" pitchFamily="18" charset="0"/>
+                                </a:rPr>
+                                <m:t>𝑖</m:t>
+                              </m:r>
+                            </m:e>
+                            <m:sub>
+                              <m:r>
+                                <a:rPr lang="en-US" sz="2000" b="0" i="1" smtClean="0">
+                                  <a:latin typeface="Cambria Math" panose="02040503050406030204" pitchFamily="18" charset="0"/>
+                                </a:rPr>
+                                <m:t>𝑛</m:t>
+                              </m:r>
+                            </m:sub>
+                          </m:sSub>
+                        </m:sub>
+                      </m:sSub>
+                    </m:oMath>
+                  </m:oMathPara>
+                </a14:m>
+                <a:endParaRPr lang="en-US" sz="2000" b="0" dirty="0"/>
+              </a:p>
+              <a:p>
+                <a:endParaRPr lang="en-US" dirty="0"/>
+              </a:p>
+            </p:txBody>
+          </p:sp>
+        </mc:Choice>
+        <mc:Fallback>
+          <p:sp>
+            <p:nvSpPr>
+              <p:cNvPr id="12" name="TextBox 11">
+                <a:extLst>
+                  <a:ext uri="{FF2B5EF4-FFF2-40B4-BE49-F238E27FC236}">
+                    <a16:creationId xmlns:a16="http://schemas.microsoft.com/office/drawing/2014/main" id="{1F6513F1-5661-FF4F-9488-FE841518D09A}"/>
+                  </a:ext>
+                </a:extLst>
+              </p:cNvPr>
+              <p:cNvSpPr txBox="1">
+                <a:spLocks noRot="1" noChangeAspect="1" noMove="1" noResize="1" noEditPoints="1" noAdjustHandles="1" noChangeArrowheads="1" noChangeShapeType="1" noTextEdit="1"/>
+              </p:cNvSpPr>
+              <p:nvPr/>
+            </p:nvSpPr>
+            <p:spPr>
+              <a:xfrm>
+                <a:off x="676656" y="3059198"/>
+                <a:ext cx="6216061" cy="612732"/>
+              </a:xfrm>
+              <a:prstGeom prst="rect">
+                <a:avLst/>
+              </a:prstGeom>
+              <a:blipFill>
+                <a:blip r:embed="rId3"/>
+                <a:stretch>
+                  <a:fillRect/>
+                </a:stretch>
+              </a:blipFill>
+            </p:spPr>
+            <p:txBody>
+              <a:bodyPr/>
+              <a:lstStyle/>
+              <a:p>
+                <a:r>
+                  <a:rPr lang="en-US">
+                    <a:noFill/>
+                  </a:rPr>
+                  <a:t> </a:t>
+                </a:r>
+              </a:p>
+            </p:txBody>
+          </p:sp>
+        </mc:Fallback>
+      </mc:AlternateContent>
+      <p:sp>
+        <p:nvSpPr>
+          <p:cNvPr id="13" name="TextBox 12">
+            <a:extLst>
+              <a:ext uri="{FF2B5EF4-FFF2-40B4-BE49-F238E27FC236}">
+                <a16:creationId xmlns:a16="http://schemas.microsoft.com/office/drawing/2014/main" id="{2A3F97A5-6EE9-0B4B-8CE4-DB8DA215E959}"/>
+              </a:ext>
+            </a:extLst>
+          </p:cNvPr>
+          <p:cNvSpPr txBox="1"/>
+          <p:nvPr/>
+        </p:nvSpPr>
+        <p:spPr>
+          <a:xfrm>
+            <a:off x="3562111" y="833629"/>
+            <a:ext cx="1595309" cy="369332"/>
+          </a:xfrm>
+          <a:prstGeom prst="rect">
+            <a:avLst/>
+          </a:prstGeom>
+          <a:noFill/>
+        </p:spPr>
+        <p:txBody>
+          <a:bodyPr wrap="none" rtlCol="0">
+            <a:spAutoFit/>
+          </a:bodyPr>
+          <a:lstStyle/>
+          <a:p>
+            <a:r>
+              <a:rPr lang="en-US" b="1" dirty="0"/>
+              <a:t>#simulations</a:t>
+            </a:r>
+          </a:p>
+        </p:txBody>
+      </p:sp>
+      <mc:AlternateContent xmlns:mc="http://schemas.openxmlformats.org/markup-compatibility/2006">
+        <mc:Choice xmlns:a14="http://schemas.microsoft.com/office/drawing/2010/main" Requires="a14">
+          <p:sp>
+            <p:nvSpPr>
+              <p:cNvPr id="14" name="TextBox 13">
+                <a:extLst>
+                  <a:ext uri="{FF2B5EF4-FFF2-40B4-BE49-F238E27FC236}">
+                    <a16:creationId xmlns:a16="http://schemas.microsoft.com/office/drawing/2014/main" id="{30250D07-A231-8245-A0B0-D90D0DFDD826}"/>
+                  </a:ext>
+                </a:extLst>
+              </p:cNvPr>
+              <p:cNvSpPr txBox="1"/>
+              <p:nvPr/>
+            </p:nvSpPr>
+            <p:spPr>
+              <a:xfrm>
+                <a:off x="650413" y="4730408"/>
+                <a:ext cx="4584717" cy="300660"/>
+              </a:xfrm>
+              <a:prstGeom prst="rect">
+                <a:avLst/>
+              </a:prstGeom>
+              <a:noFill/>
+            </p:spPr>
+            <p:txBody>
+              <a:bodyPr wrap="none" lIns="0" tIns="0" rIns="0" bIns="0" rtlCol="0">
+                <a:spAutoFit/>
+              </a:bodyPr>
+              <a:lstStyle/>
+              <a:p>
+                <a14:m>
+                  <m:oMath xmlns:m="http://schemas.openxmlformats.org/officeDocument/2006/math">
+                    <m:r>
+                      <a:rPr lang="en-US" sz="2000" b="0" i="1" smtClean="0">
+                        <a:latin typeface="Cambria Math" panose="02040503050406030204" pitchFamily="18" charset="0"/>
+                      </a:rPr>
+                      <m:t>𝑢</m:t>
+                    </m:r>
+                  </m:oMath>
+                </a14:m>
+                <a:r>
+                  <a:rPr lang="en-US" dirty="0"/>
+                  <a:t> = baseline response (no change in factors)</a:t>
+                </a:r>
+              </a:p>
+            </p:txBody>
+          </p:sp>
+        </mc:Choice>
+        <mc:Fallback>
+          <p:sp>
+            <p:nvSpPr>
+              <p:cNvPr id="14" name="TextBox 13">
+                <a:extLst>
+                  <a:ext uri="{FF2B5EF4-FFF2-40B4-BE49-F238E27FC236}">
+                    <a16:creationId xmlns:a16="http://schemas.microsoft.com/office/drawing/2014/main" id="{30250D07-A231-8245-A0B0-D90D0DFDD826}"/>
+                  </a:ext>
+                </a:extLst>
+              </p:cNvPr>
+              <p:cNvSpPr txBox="1">
+                <a:spLocks noRot="1" noChangeAspect="1" noMove="1" noResize="1" noEditPoints="1" noAdjustHandles="1" noChangeArrowheads="1" noChangeShapeType="1" noTextEdit="1"/>
+              </p:cNvSpPr>
+              <p:nvPr/>
+            </p:nvSpPr>
+            <p:spPr>
+              <a:xfrm>
+                <a:off x="650413" y="4730408"/>
+                <a:ext cx="4584717" cy="300660"/>
+              </a:xfrm>
+              <a:prstGeom prst="rect">
+                <a:avLst/>
+              </a:prstGeom>
+              <a:blipFill>
+                <a:blip r:embed="rId4"/>
+                <a:stretch>
+                  <a:fillRect l="-1381" t="-20833" r="-2210" b="-45833"/>
+                </a:stretch>
+              </a:blipFill>
+            </p:spPr>
+            <p:txBody>
+              <a:bodyPr/>
+              <a:lstStyle/>
+              <a:p>
+                <a:r>
+                  <a:rPr lang="en-US">
+                    <a:noFill/>
+                  </a:rPr>
+                  <a:t> </a:t>
+                </a:r>
+              </a:p>
+            </p:txBody>
+          </p:sp>
+        </mc:Fallback>
+      </mc:AlternateContent>
+      <mc:AlternateContent xmlns:mc="http://schemas.openxmlformats.org/markup-compatibility/2006">
+        <mc:Choice xmlns:a14="http://schemas.microsoft.com/office/drawing/2010/main" Requires="a14">
+          <p:sp>
+            <p:nvSpPr>
+              <p:cNvPr id="15" name="TextBox 14">
+                <a:extLst>
+                  <a:ext uri="{FF2B5EF4-FFF2-40B4-BE49-F238E27FC236}">
+                    <a16:creationId xmlns:a16="http://schemas.microsoft.com/office/drawing/2014/main" id="{3105171C-524D-C944-AABB-2AEF3587E8C3}"/>
+                  </a:ext>
+                </a:extLst>
+              </p:cNvPr>
+              <p:cNvSpPr txBox="1"/>
+              <p:nvPr/>
+            </p:nvSpPr>
+            <p:spPr>
+              <a:xfrm>
+                <a:off x="638221" y="5018026"/>
+                <a:ext cx="3333926" cy="303096"/>
+              </a:xfrm>
+              <a:prstGeom prst="rect">
+                <a:avLst/>
+              </a:prstGeom>
+              <a:noFill/>
+            </p:spPr>
+            <p:txBody>
+              <a:bodyPr wrap="none" lIns="0" tIns="0" rIns="0" bIns="0" rtlCol="0">
+                <a:spAutoFit/>
+              </a:bodyPr>
+              <a:lstStyle/>
+              <a:p>
+                <a14:m>
+                  <m:oMath xmlns:m="http://schemas.openxmlformats.org/officeDocument/2006/math">
+                    <m:sSub>
+                      <m:sSubPr>
+                        <m:ctrlPr>
+                          <a:rPr lang="en-US" b="0" i="1" smtClean="0">
+                            <a:latin typeface="Cambria Math" panose="02040503050406030204" pitchFamily="18" charset="0"/>
+                          </a:rPr>
+                        </m:ctrlPr>
+                      </m:sSubPr>
+                      <m:e>
+                        <m:r>
+                          <a:rPr lang="en-US" b="0" i="1" smtClean="0">
+                            <a:latin typeface="Cambria Math" panose="02040503050406030204" pitchFamily="18" charset="0"/>
+                          </a:rPr>
+                          <m:t>𝛼</m:t>
+                        </m:r>
+                      </m:e>
+                      <m:sub>
+                        <m:r>
+                          <a:rPr lang="en-US" b="0" i="1" smtClean="0">
+                            <a:latin typeface="Cambria Math" panose="02040503050406030204" pitchFamily="18" charset="0"/>
+                          </a:rPr>
+                          <m:t>𝑘</m:t>
+                        </m:r>
+                        <m:r>
+                          <a:rPr lang="en-US" b="0" i="1" smtClean="0">
+                            <a:latin typeface="Cambria Math" panose="02040503050406030204" pitchFamily="18" charset="0"/>
+                          </a:rPr>
+                          <m:t>,</m:t>
+                        </m:r>
+                        <m:sSub>
+                          <m:sSubPr>
+                            <m:ctrlPr>
+                              <a:rPr lang="en-US" b="0" i="1" smtClean="0">
+                                <a:latin typeface="Cambria Math" panose="02040503050406030204" pitchFamily="18" charset="0"/>
+                              </a:rPr>
+                            </m:ctrlPr>
+                          </m:sSubPr>
+                          <m:e>
+                            <m:r>
+                              <a:rPr lang="en-US" b="0" i="1" smtClean="0">
+                                <a:latin typeface="Cambria Math" panose="02040503050406030204" pitchFamily="18" charset="0"/>
+                              </a:rPr>
+                              <m:t>𝑖</m:t>
+                            </m:r>
+                          </m:e>
+                          <m:sub>
+                            <m:r>
+                              <a:rPr lang="en-US" b="0" i="1" smtClean="0">
+                                <a:latin typeface="Cambria Math" panose="02040503050406030204" pitchFamily="18" charset="0"/>
+                              </a:rPr>
+                              <m:t>𝑘</m:t>
+                            </m:r>
+                          </m:sub>
+                        </m:sSub>
+                      </m:sub>
+                    </m:sSub>
+                  </m:oMath>
+                </a14:m>
+                <a:r>
+                  <a:rPr lang="en-US" dirty="0"/>
+                  <a:t> = effect of factor </a:t>
+                </a:r>
+                <a:r>
+                  <a:rPr lang="en-US" i="1" dirty="0"/>
+                  <a:t>k </a:t>
+                </a:r>
+                <a:r>
+                  <a:rPr lang="en-US" dirty="0"/>
+                  <a:t>at level </a:t>
+                </a:r>
+                <a:r>
+                  <a:rPr lang="en-US" i="1" dirty="0" err="1"/>
+                  <a:t>i</a:t>
+                </a:r>
+                <a:r>
+                  <a:rPr lang="en-US" i="1" baseline="-25000" dirty="0" err="1"/>
+                  <a:t>k</a:t>
+                </a:r>
+                <a:endParaRPr lang="en-US" dirty="0"/>
+              </a:p>
+            </p:txBody>
+          </p:sp>
+        </mc:Choice>
+        <mc:Fallback>
+          <p:sp>
+            <p:nvSpPr>
+              <p:cNvPr id="15" name="TextBox 14">
+                <a:extLst>
+                  <a:ext uri="{FF2B5EF4-FFF2-40B4-BE49-F238E27FC236}">
+                    <a16:creationId xmlns:a16="http://schemas.microsoft.com/office/drawing/2014/main" id="{3105171C-524D-C944-AABB-2AEF3587E8C3}"/>
+                  </a:ext>
+                </a:extLst>
+              </p:cNvPr>
+              <p:cNvSpPr txBox="1">
+                <a:spLocks noRot="1" noChangeAspect="1" noMove="1" noResize="1" noEditPoints="1" noAdjustHandles="1" noChangeArrowheads="1" noChangeShapeType="1" noTextEdit="1"/>
+              </p:cNvSpPr>
+              <p:nvPr/>
+            </p:nvSpPr>
+            <p:spPr>
+              <a:xfrm>
+                <a:off x="638221" y="5018026"/>
+                <a:ext cx="3333926" cy="303096"/>
+              </a:xfrm>
+              <a:prstGeom prst="rect">
+                <a:avLst/>
+              </a:prstGeom>
+              <a:blipFill>
+                <a:blip r:embed="rId5"/>
+                <a:stretch>
+                  <a:fillRect l="-1901" t="-28000" r="-1901" b="-32000"/>
+                </a:stretch>
+              </a:blipFill>
+            </p:spPr>
+            <p:txBody>
+              <a:bodyPr/>
+              <a:lstStyle/>
+              <a:p>
+                <a:r>
+                  <a:rPr lang="en-US">
+                    <a:noFill/>
+                  </a:rPr>
+                  <a:t> </a:t>
+                </a:r>
+              </a:p>
+            </p:txBody>
+          </p:sp>
+        </mc:Fallback>
+      </mc:AlternateContent>
+      <mc:AlternateContent xmlns:mc="http://schemas.openxmlformats.org/markup-compatibility/2006">
+        <mc:Choice xmlns:a14="http://schemas.microsoft.com/office/drawing/2010/main" Requires="a14">
+          <p:sp>
+            <p:nvSpPr>
+              <p:cNvPr id="16" name="TextBox 15">
+                <a:extLst>
+                  <a:ext uri="{FF2B5EF4-FFF2-40B4-BE49-F238E27FC236}">
+                    <a16:creationId xmlns:a16="http://schemas.microsoft.com/office/drawing/2014/main" id="{2C8BCDF8-EAF8-BC46-B0F9-9AE6C311E60A}"/>
+                  </a:ext>
+                </a:extLst>
+              </p:cNvPr>
+              <p:cNvSpPr txBox="1"/>
+              <p:nvPr/>
+            </p:nvSpPr>
+            <p:spPr>
+              <a:xfrm>
+                <a:off x="647365" y="4407320"/>
+                <a:ext cx="1360501" cy="300660"/>
+              </a:xfrm>
+              <a:prstGeom prst="rect">
+                <a:avLst/>
+              </a:prstGeom>
+              <a:noFill/>
+            </p:spPr>
+            <p:txBody>
+              <a:bodyPr wrap="none" lIns="0" tIns="0" rIns="0" bIns="0" rtlCol="0">
+                <a:spAutoFit/>
+              </a:bodyPr>
+              <a:lstStyle/>
+              <a:p>
+                <a14:m>
+                  <m:oMath xmlns:m="http://schemas.openxmlformats.org/officeDocument/2006/math">
+                    <m:r>
+                      <a:rPr lang="en-US" sz="2000" b="0" i="1" smtClean="0">
+                        <a:latin typeface="Cambria Math" panose="02040503050406030204" pitchFamily="18" charset="0"/>
+                      </a:rPr>
+                      <m:t>𝑦</m:t>
+                    </m:r>
+                  </m:oMath>
+                </a14:m>
+                <a:r>
+                  <a:rPr lang="en-US" dirty="0"/>
+                  <a:t> = response</a:t>
+                </a:r>
+              </a:p>
+            </p:txBody>
+          </p:sp>
+        </mc:Choice>
+        <mc:Fallback>
+          <p:sp>
+            <p:nvSpPr>
+              <p:cNvPr id="16" name="TextBox 15">
+                <a:extLst>
+                  <a:ext uri="{FF2B5EF4-FFF2-40B4-BE49-F238E27FC236}">
+                    <a16:creationId xmlns:a16="http://schemas.microsoft.com/office/drawing/2014/main" id="{2C8BCDF8-EAF8-BC46-B0F9-9AE6C311E60A}"/>
+                  </a:ext>
+                </a:extLst>
+              </p:cNvPr>
+              <p:cNvSpPr txBox="1">
+                <a:spLocks noRot="1" noChangeAspect="1" noMove="1" noResize="1" noEditPoints="1" noAdjustHandles="1" noChangeArrowheads="1" noChangeShapeType="1" noTextEdit="1"/>
+              </p:cNvSpPr>
+              <p:nvPr/>
+            </p:nvSpPr>
+            <p:spPr>
+              <a:xfrm>
+                <a:off x="647365" y="4407320"/>
+                <a:ext cx="1360501" cy="300660"/>
+              </a:xfrm>
+              <a:prstGeom prst="rect">
+                <a:avLst/>
+              </a:prstGeom>
+              <a:blipFill>
+                <a:blip r:embed="rId6"/>
+                <a:stretch>
+                  <a:fillRect l="-5556" t="-20833" r="-10185" b="-45833"/>
+                </a:stretch>
+              </a:blipFill>
+            </p:spPr>
+            <p:txBody>
+              <a:bodyPr/>
+              <a:lstStyle/>
+              <a:p>
+                <a:r>
+                  <a:rPr lang="en-US">
+                    <a:noFill/>
+                  </a:rPr>
+                  <a:t> </a:t>
+                </a:r>
+              </a:p>
+            </p:txBody>
+          </p:sp>
+        </mc:Fallback>
+      </mc:AlternateContent>
+      <mc:AlternateContent xmlns:mc="http://schemas.openxmlformats.org/markup-compatibility/2006">
+        <mc:Choice xmlns:a14="http://schemas.microsoft.com/office/drawing/2010/main" Requires="a14">
+          <p:sp>
+            <p:nvSpPr>
+              <p:cNvPr id="17" name="TextBox 16">
+                <a:extLst>
+                  <a:ext uri="{FF2B5EF4-FFF2-40B4-BE49-F238E27FC236}">
+                    <a16:creationId xmlns:a16="http://schemas.microsoft.com/office/drawing/2014/main" id="{1235690D-D66F-3748-B414-BEA2713736B6}"/>
+                  </a:ext>
+                </a:extLst>
+              </p:cNvPr>
+              <p:cNvSpPr txBox="1"/>
+              <p:nvPr/>
+            </p:nvSpPr>
+            <p:spPr>
+              <a:xfrm>
+                <a:off x="616885" y="5408170"/>
+                <a:ext cx="6608284" cy="334002"/>
+              </a:xfrm>
+              <a:prstGeom prst="rect">
+                <a:avLst/>
+              </a:prstGeom>
+              <a:noFill/>
+            </p:spPr>
+            <p:txBody>
+              <a:bodyPr wrap="none" lIns="0" tIns="0" rIns="0" bIns="0" rtlCol="0">
+                <a:spAutoFit/>
+              </a:bodyPr>
+              <a:lstStyle/>
+              <a:p>
+                <a14:m>
+                  <m:oMath xmlns:m="http://schemas.openxmlformats.org/officeDocument/2006/math">
+                    <m:sSub>
+                      <m:sSubPr>
+                        <m:ctrlPr>
+                          <a:rPr lang="en-US" b="0" i="1" smtClean="0">
+                            <a:latin typeface="Cambria Math" panose="02040503050406030204" pitchFamily="18" charset="0"/>
+                          </a:rPr>
+                        </m:ctrlPr>
+                      </m:sSubPr>
+                      <m:e>
+                        <m:r>
+                          <a:rPr lang="en-US" b="0" i="1" smtClean="0">
+                            <a:latin typeface="Cambria Math" panose="02040503050406030204" pitchFamily="18" charset="0"/>
+                          </a:rPr>
+                          <m:t>𝛾</m:t>
+                        </m:r>
+                      </m:e>
+                      <m:sub>
+                        <m:sSub>
+                          <m:sSubPr>
+                            <m:ctrlPr>
+                              <a:rPr lang="en-US" b="0" i="1" smtClean="0">
+                                <a:latin typeface="Cambria Math" panose="02040503050406030204" pitchFamily="18" charset="0"/>
+                              </a:rPr>
+                            </m:ctrlPr>
+                          </m:sSubPr>
+                          <m:e>
+                            <m:r>
+                              <a:rPr lang="en-US" b="0" i="1" smtClean="0">
+                                <a:latin typeface="Cambria Math" panose="02040503050406030204" pitchFamily="18" charset="0"/>
+                              </a:rPr>
+                              <m:t>𝑘</m:t>
+                            </m:r>
+                          </m:e>
+                          <m:sub>
+                            <m:r>
+                              <a:rPr lang="en-US" b="0" i="1" smtClean="0">
+                                <a:latin typeface="Cambria Math" panose="02040503050406030204" pitchFamily="18" charset="0"/>
+                              </a:rPr>
+                              <m:t>1</m:t>
+                            </m:r>
+                          </m:sub>
+                        </m:sSub>
+                        <m:r>
+                          <a:rPr lang="en-US" b="0" i="1" smtClean="0">
+                            <a:latin typeface="Cambria Math" panose="02040503050406030204" pitchFamily="18" charset="0"/>
+                          </a:rPr>
+                          <m:t>,</m:t>
+                        </m:r>
+                        <m:sSub>
+                          <m:sSubPr>
+                            <m:ctrlPr>
+                              <a:rPr lang="en-US" b="0" i="1" smtClean="0">
+                                <a:latin typeface="Cambria Math" panose="02040503050406030204" pitchFamily="18" charset="0"/>
+                              </a:rPr>
+                            </m:ctrlPr>
+                          </m:sSubPr>
+                          <m:e>
+                            <m:r>
+                              <a:rPr lang="en-US" b="0" i="1" smtClean="0">
+                                <a:latin typeface="Cambria Math" panose="02040503050406030204" pitchFamily="18" charset="0"/>
+                              </a:rPr>
+                              <m:t>𝑘</m:t>
+                            </m:r>
+                          </m:e>
+                          <m:sub>
+                            <m:r>
+                              <a:rPr lang="en-US" b="0" i="1" smtClean="0">
+                                <a:latin typeface="Cambria Math" panose="02040503050406030204" pitchFamily="18" charset="0"/>
+                              </a:rPr>
+                              <m:t>2</m:t>
+                            </m:r>
+                          </m:sub>
+                        </m:sSub>
+                        <m:r>
+                          <a:rPr lang="en-US" b="0" i="1" smtClean="0">
+                            <a:latin typeface="Cambria Math" panose="02040503050406030204" pitchFamily="18" charset="0"/>
+                          </a:rPr>
+                          <m:t>,</m:t>
+                        </m:r>
+                        <m:sSub>
+                          <m:sSubPr>
+                            <m:ctrlPr>
+                              <a:rPr lang="en-US" b="0" i="1" smtClean="0">
+                                <a:latin typeface="Cambria Math" panose="02040503050406030204" pitchFamily="18" charset="0"/>
+                              </a:rPr>
+                            </m:ctrlPr>
+                          </m:sSubPr>
+                          <m:e>
+                            <m:r>
+                              <a:rPr lang="en-US" b="0" i="1" smtClean="0">
+                                <a:latin typeface="Cambria Math" panose="02040503050406030204" pitchFamily="18" charset="0"/>
+                              </a:rPr>
+                              <m:t>𝑖</m:t>
+                            </m:r>
+                          </m:e>
+                          <m:sub>
+                            <m:sSub>
+                              <m:sSubPr>
+                                <m:ctrlPr>
+                                  <a:rPr lang="en-US" b="0" i="1" smtClean="0">
+                                    <a:latin typeface="Cambria Math" panose="02040503050406030204" pitchFamily="18" charset="0"/>
+                                  </a:rPr>
+                                </m:ctrlPr>
+                              </m:sSubPr>
+                              <m:e>
+                                <m:r>
+                                  <a:rPr lang="en-US" b="0" i="1" smtClean="0">
+                                    <a:latin typeface="Cambria Math" panose="02040503050406030204" pitchFamily="18" charset="0"/>
+                                  </a:rPr>
+                                  <m:t>𝑘</m:t>
+                                </m:r>
+                              </m:e>
+                              <m:sub>
+                                <m:r>
+                                  <a:rPr lang="en-US" b="0" i="1" smtClean="0">
+                                    <a:latin typeface="Cambria Math" panose="02040503050406030204" pitchFamily="18" charset="0"/>
+                                  </a:rPr>
+                                  <m:t>1</m:t>
+                                </m:r>
+                              </m:sub>
+                            </m:sSub>
+                          </m:sub>
+                        </m:sSub>
+                        <m:r>
+                          <a:rPr lang="en-US" b="0" i="1" smtClean="0">
+                            <a:latin typeface="Cambria Math" panose="02040503050406030204" pitchFamily="18" charset="0"/>
+                          </a:rPr>
+                          <m:t>,</m:t>
+                        </m:r>
+                        <m:sSub>
+                          <m:sSubPr>
+                            <m:ctrlPr>
+                              <a:rPr lang="en-US" b="0" i="1" smtClean="0">
+                                <a:latin typeface="Cambria Math" panose="02040503050406030204" pitchFamily="18" charset="0"/>
+                              </a:rPr>
+                            </m:ctrlPr>
+                          </m:sSubPr>
+                          <m:e>
+                            <m:r>
+                              <a:rPr lang="en-US" b="0" i="1" smtClean="0">
+                                <a:latin typeface="Cambria Math" panose="02040503050406030204" pitchFamily="18" charset="0"/>
+                              </a:rPr>
+                              <m:t>𝑖</m:t>
+                            </m:r>
+                          </m:e>
+                          <m:sub>
+                            <m:sSub>
+                              <m:sSubPr>
+                                <m:ctrlPr>
+                                  <a:rPr lang="en-US" b="0" i="1" smtClean="0">
+                                    <a:latin typeface="Cambria Math" panose="02040503050406030204" pitchFamily="18" charset="0"/>
+                                  </a:rPr>
+                                </m:ctrlPr>
+                              </m:sSubPr>
+                              <m:e>
+                                <m:r>
+                                  <a:rPr lang="en-US" b="0" i="1" smtClean="0">
+                                    <a:latin typeface="Cambria Math" panose="02040503050406030204" pitchFamily="18" charset="0"/>
+                                  </a:rPr>
+                                  <m:t>𝑘</m:t>
+                                </m:r>
+                              </m:e>
+                              <m:sub>
+                                <m:r>
+                                  <a:rPr lang="en-US" b="0" i="1" smtClean="0">
+                                    <a:latin typeface="Cambria Math" panose="02040503050406030204" pitchFamily="18" charset="0"/>
+                                  </a:rPr>
+                                  <m:t>2</m:t>
+                                </m:r>
+                              </m:sub>
+                            </m:sSub>
+                          </m:sub>
+                        </m:sSub>
+                      </m:sub>
+                    </m:sSub>
+                  </m:oMath>
+                </a14:m>
+                <a:r>
+                  <a:rPr lang="en-US" dirty="0"/>
+                  <a:t> = effect of interaction of factors </a:t>
+                </a:r>
+                <a14:m>
+                  <m:oMath xmlns:m="http://schemas.openxmlformats.org/officeDocument/2006/math">
+                    <m:sSub>
+                      <m:sSubPr>
+                        <m:ctrlPr>
+                          <a:rPr lang="en-US" b="0" i="1" smtClean="0">
+                            <a:latin typeface="Cambria Math" panose="02040503050406030204" pitchFamily="18" charset="0"/>
+                          </a:rPr>
+                        </m:ctrlPr>
+                      </m:sSubPr>
+                      <m:e>
+                        <m:r>
+                          <a:rPr lang="en-US" b="0" i="1" smtClean="0">
+                            <a:latin typeface="Cambria Math" panose="02040503050406030204" pitchFamily="18" charset="0"/>
+                          </a:rPr>
+                          <m:t>𝑘</m:t>
+                        </m:r>
+                      </m:e>
+                      <m:sub>
+                        <m:r>
+                          <a:rPr lang="en-US" b="0" i="1" smtClean="0">
+                            <a:latin typeface="Cambria Math" panose="02040503050406030204" pitchFamily="18" charset="0"/>
+                          </a:rPr>
+                          <m:t>1</m:t>
+                        </m:r>
+                      </m:sub>
+                    </m:sSub>
+                    <m:r>
+                      <a:rPr lang="en-US" b="0" i="1" smtClean="0">
+                        <a:latin typeface="Cambria Math" panose="02040503050406030204" pitchFamily="18" charset="0"/>
+                      </a:rPr>
+                      <m:t>,</m:t>
+                    </m:r>
+                    <m:sSub>
+                      <m:sSubPr>
+                        <m:ctrlPr>
+                          <a:rPr lang="en-US" b="0" i="1" smtClean="0">
+                            <a:latin typeface="Cambria Math" panose="02040503050406030204" pitchFamily="18" charset="0"/>
+                          </a:rPr>
+                        </m:ctrlPr>
+                      </m:sSubPr>
+                      <m:e>
+                        <m:r>
+                          <a:rPr lang="en-US" b="0" i="1" smtClean="0">
+                            <a:latin typeface="Cambria Math" panose="02040503050406030204" pitchFamily="18" charset="0"/>
+                          </a:rPr>
+                          <m:t> </m:t>
+                        </m:r>
+                        <m:r>
+                          <a:rPr lang="en-US" b="0" i="1" smtClean="0">
+                            <a:latin typeface="Cambria Math" panose="02040503050406030204" pitchFamily="18" charset="0"/>
+                          </a:rPr>
+                          <m:t>𝑘</m:t>
+                        </m:r>
+                      </m:e>
+                      <m:sub>
+                        <m:r>
+                          <a:rPr lang="en-US" b="0" i="1" smtClean="0">
+                            <a:latin typeface="Cambria Math" panose="02040503050406030204" pitchFamily="18" charset="0"/>
+                          </a:rPr>
+                          <m:t>2</m:t>
+                        </m:r>
+                      </m:sub>
+                    </m:sSub>
+                  </m:oMath>
+                </a14:m>
+                <a:r>
+                  <a:rPr lang="en-US" dirty="0"/>
+                  <a:t> at levels</a:t>
+                </a:r>
+                <a14:m>
+                  <m:oMath xmlns:m="http://schemas.openxmlformats.org/officeDocument/2006/math">
+                    <m:sSub>
+                      <m:sSubPr>
+                        <m:ctrlPr>
+                          <a:rPr lang="en-US" i="1">
+                            <a:latin typeface="Cambria Math" panose="02040503050406030204" pitchFamily="18" charset="0"/>
+                          </a:rPr>
+                        </m:ctrlPr>
+                      </m:sSubPr>
+                      <m:e>
+                        <m:r>
+                          <a:rPr lang="en-US" b="0" i="1" smtClean="0">
+                            <a:latin typeface="Cambria Math" panose="02040503050406030204" pitchFamily="18" charset="0"/>
+                          </a:rPr>
+                          <m:t> </m:t>
+                        </m:r>
+                        <m:r>
+                          <a:rPr lang="en-US" i="1">
+                            <a:latin typeface="Cambria Math" panose="02040503050406030204" pitchFamily="18" charset="0"/>
+                          </a:rPr>
+                          <m:t>𝑖</m:t>
+                        </m:r>
+                      </m:e>
+                      <m:sub>
+                        <m:sSub>
+                          <m:sSubPr>
+                            <m:ctrlPr>
+                              <a:rPr lang="en-US" i="1">
+                                <a:latin typeface="Cambria Math" panose="02040503050406030204" pitchFamily="18" charset="0"/>
+                              </a:rPr>
+                            </m:ctrlPr>
+                          </m:sSubPr>
+                          <m:e>
+                            <m:r>
+                              <a:rPr lang="en-US" i="1">
+                                <a:latin typeface="Cambria Math" panose="02040503050406030204" pitchFamily="18" charset="0"/>
+                              </a:rPr>
+                              <m:t>𝑘</m:t>
+                            </m:r>
+                          </m:e>
+                          <m:sub>
+                            <m:r>
+                              <a:rPr lang="en-US" i="1">
+                                <a:latin typeface="Cambria Math" panose="02040503050406030204" pitchFamily="18" charset="0"/>
+                              </a:rPr>
+                              <m:t>1</m:t>
+                            </m:r>
+                          </m:sub>
+                        </m:sSub>
+                      </m:sub>
+                    </m:sSub>
+                    <m:r>
+                      <a:rPr lang="en-US" i="1">
+                        <a:latin typeface="Cambria Math" panose="02040503050406030204" pitchFamily="18" charset="0"/>
+                      </a:rPr>
+                      <m:t>,</m:t>
+                    </m:r>
+                    <m:sSub>
+                      <m:sSubPr>
+                        <m:ctrlPr>
+                          <a:rPr lang="en-US" i="1">
+                            <a:latin typeface="Cambria Math" panose="02040503050406030204" pitchFamily="18" charset="0"/>
+                          </a:rPr>
+                        </m:ctrlPr>
+                      </m:sSubPr>
+                      <m:e>
+                        <m:r>
+                          <a:rPr lang="en-US" i="1">
+                            <a:latin typeface="Cambria Math" panose="02040503050406030204" pitchFamily="18" charset="0"/>
+                          </a:rPr>
+                          <m:t>𝑖</m:t>
+                        </m:r>
+                      </m:e>
+                      <m:sub>
+                        <m:sSub>
+                          <m:sSubPr>
+                            <m:ctrlPr>
+                              <a:rPr lang="en-US" i="1">
+                                <a:latin typeface="Cambria Math" panose="02040503050406030204" pitchFamily="18" charset="0"/>
+                              </a:rPr>
+                            </m:ctrlPr>
+                          </m:sSubPr>
+                          <m:e>
+                            <m:r>
+                              <a:rPr lang="en-US" i="1">
+                                <a:latin typeface="Cambria Math" panose="02040503050406030204" pitchFamily="18" charset="0"/>
+                              </a:rPr>
+                              <m:t>𝑘</m:t>
+                            </m:r>
+                          </m:e>
+                          <m:sub>
+                            <m:r>
+                              <a:rPr lang="en-US" i="1">
+                                <a:latin typeface="Cambria Math" panose="02040503050406030204" pitchFamily="18" charset="0"/>
+                              </a:rPr>
+                              <m:t>2</m:t>
+                            </m:r>
+                          </m:sub>
+                        </m:sSub>
+                      </m:sub>
+                    </m:sSub>
+                  </m:oMath>
+                </a14:m>
+                <a:endParaRPr lang="en-US" dirty="0"/>
+              </a:p>
+            </p:txBody>
+          </p:sp>
+        </mc:Choice>
+        <mc:Fallback>
+          <p:sp>
+            <p:nvSpPr>
+              <p:cNvPr id="17" name="TextBox 16">
+                <a:extLst>
+                  <a:ext uri="{FF2B5EF4-FFF2-40B4-BE49-F238E27FC236}">
+                    <a16:creationId xmlns:a16="http://schemas.microsoft.com/office/drawing/2014/main" id="{1235690D-D66F-3748-B414-BEA2713736B6}"/>
+                  </a:ext>
+                </a:extLst>
+              </p:cNvPr>
+              <p:cNvSpPr txBox="1">
+                <a:spLocks noRot="1" noChangeAspect="1" noMove="1" noResize="1" noEditPoints="1" noAdjustHandles="1" noChangeArrowheads="1" noChangeShapeType="1" noTextEdit="1"/>
+              </p:cNvSpPr>
+              <p:nvPr/>
+            </p:nvSpPr>
+            <p:spPr>
+              <a:xfrm>
+                <a:off x="616885" y="5408170"/>
+                <a:ext cx="6608284" cy="334002"/>
+              </a:xfrm>
+              <a:prstGeom prst="rect">
+                <a:avLst/>
+              </a:prstGeom>
+              <a:blipFill>
+                <a:blip r:embed="rId7"/>
+                <a:stretch>
+                  <a:fillRect l="-1344" t="-21429" b="-17857"/>
+                </a:stretch>
+              </a:blipFill>
+            </p:spPr>
+            <p:txBody>
+              <a:bodyPr/>
+              <a:lstStyle/>
+              <a:p>
+                <a:r>
+                  <a:rPr lang="en-US">
+                    <a:noFill/>
+                  </a:rPr>
+                  <a:t> </a:t>
+                </a:r>
+              </a:p>
+            </p:txBody>
+          </p:sp>
+        </mc:Fallback>
+      </mc:AlternateContent>
+      <mc:AlternateContent xmlns:mc="http://schemas.openxmlformats.org/markup-compatibility/2006">
+        <mc:Choice xmlns:a14="http://schemas.microsoft.com/office/drawing/2010/main" Requires="a14">
+          <p:sp>
+            <p:nvSpPr>
+              <p:cNvPr id="18" name="TextBox 17">
+                <a:extLst>
+                  <a:ext uri="{FF2B5EF4-FFF2-40B4-BE49-F238E27FC236}">
+                    <a16:creationId xmlns:a16="http://schemas.microsoft.com/office/drawing/2014/main" id="{6D5A76A1-1C35-1840-BD0A-BA9C8FE621E9}"/>
+                  </a:ext>
+                </a:extLst>
+              </p:cNvPr>
+              <p:cNvSpPr txBox="1"/>
+              <p:nvPr/>
+            </p:nvSpPr>
+            <p:spPr>
+              <a:xfrm>
+                <a:off x="2102392" y="3684009"/>
+                <a:ext cx="1014188" cy="369332"/>
+              </a:xfrm>
+              <a:prstGeom prst="rect">
+                <a:avLst/>
+              </a:prstGeom>
+              <a:noFill/>
+            </p:spPr>
+            <p:txBody>
+              <a:bodyPr wrap="none" rtlCol="0">
+                <a:spAutoFit/>
+              </a:bodyPr>
+              <a:lstStyle/>
+              <a:p>
+                <a14:m>
+                  <m:oMath xmlns:m="http://schemas.openxmlformats.org/officeDocument/2006/math">
+                    <m:r>
+                      <a:rPr lang="en-US" b="0" i="1" smtClean="0">
+                        <a:latin typeface="Cambria Math" panose="02040503050406030204" pitchFamily="18" charset="0"/>
+                      </a:rPr>
+                      <m:t>𝑛</m:t>
+                    </m:r>
+                    <m:r>
+                      <a:rPr lang="en-US" b="0" i="1" smtClean="0">
+                        <a:latin typeface="Cambria Math" panose="02040503050406030204" pitchFamily="18" charset="0"/>
+                      </a:rPr>
+                      <m:t> </m:t>
+                    </m:r>
+                  </m:oMath>
+                </a14:m>
+                <a:r>
+                  <a:rPr lang="en-US" dirty="0"/>
+                  <a:t> terms</a:t>
+                </a:r>
+              </a:p>
+            </p:txBody>
+          </p:sp>
+        </mc:Choice>
+        <mc:Fallback>
+          <p:sp>
+            <p:nvSpPr>
+              <p:cNvPr id="18" name="TextBox 17">
+                <a:extLst>
+                  <a:ext uri="{FF2B5EF4-FFF2-40B4-BE49-F238E27FC236}">
+                    <a16:creationId xmlns:a16="http://schemas.microsoft.com/office/drawing/2014/main" id="{6D5A76A1-1C35-1840-BD0A-BA9C8FE621E9}"/>
+                  </a:ext>
+                </a:extLst>
+              </p:cNvPr>
+              <p:cNvSpPr txBox="1">
+                <a:spLocks noRot="1" noChangeAspect="1" noMove="1" noResize="1" noEditPoints="1" noAdjustHandles="1" noChangeArrowheads="1" noChangeShapeType="1" noTextEdit="1"/>
+              </p:cNvSpPr>
+              <p:nvPr/>
+            </p:nvSpPr>
+            <p:spPr>
+              <a:xfrm>
+                <a:off x="2102392" y="3684009"/>
+                <a:ext cx="1014188" cy="369332"/>
+              </a:xfrm>
+              <a:prstGeom prst="rect">
+                <a:avLst/>
+              </a:prstGeom>
+              <a:blipFill>
+                <a:blip r:embed="rId8"/>
+                <a:stretch>
+                  <a:fillRect t="-3226" r="-3704" b="-22581"/>
+                </a:stretch>
+              </a:blipFill>
+            </p:spPr>
+            <p:txBody>
+              <a:bodyPr/>
+              <a:lstStyle/>
+              <a:p>
+                <a:r>
+                  <a:rPr lang="en-US">
+                    <a:noFill/>
+                  </a:rPr>
+                  <a:t> </a:t>
+                </a:r>
+              </a:p>
+            </p:txBody>
+          </p:sp>
+        </mc:Fallback>
+      </mc:AlternateContent>
+      <mc:AlternateContent xmlns:mc="http://schemas.openxmlformats.org/markup-compatibility/2006">
+        <mc:Choice xmlns:a14="http://schemas.microsoft.com/office/drawing/2010/main" Requires="a14">
+          <p:sp>
+            <p:nvSpPr>
+              <p:cNvPr id="19" name="TextBox 18">
+                <a:extLst>
+                  <a:ext uri="{FF2B5EF4-FFF2-40B4-BE49-F238E27FC236}">
+                    <a16:creationId xmlns:a16="http://schemas.microsoft.com/office/drawing/2014/main" id="{D97898BF-AEC7-0847-AFF0-9CD97652C341}"/>
+                  </a:ext>
+                </a:extLst>
+              </p:cNvPr>
+              <p:cNvSpPr txBox="1"/>
+              <p:nvPr/>
+            </p:nvSpPr>
+            <p:spPr>
+              <a:xfrm>
+                <a:off x="4450080" y="3702505"/>
+                <a:ext cx="1240532" cy="506870"/>
+              </a:xfrm>
+              <a:prstGeom prst="rect">
+                <a:avLst/>
+              </a:prstGeom>
+              <a:noFill/>
+            </p:spPr>
+            <p:txBody>
+              <a:bodyPr wrap="none" rtlCol="0">
+                <a:spAutoFit/>
+              </a:bodyPr>
+              <a:lstStyle/>
+              <a:p>
+                <a14:m>
+                  <m:oMath xmlns:m="http://schemas.openxmlformats.org/officeDocument/2006/math">
+                    <m:d>
+                      <m:dPr>
+                        <m:ctrlPr>
+                          <a:rPr lang="en-US" b="0" i="1" dirty="0" smtClean="0">
+                            <a:latin typeface="Cambria Math" panose="02040503050406030204" pitchFamily="18" charset="0"/>
+                          </a:rPr>
+                        </m:ctrlPr>
+                      </m:dPr>
+                      <m:e>
+                        <m:m>
+                          <m:mPr>
+                            <m:mcs>
+                              <m:mc>
+                                <m:mcPr>
+                                  <m:count m:val="1"/>
+                                  <m:mcJc m:val="center"/>
+                                </m:mcPr>
+                              </m:mc>
+                            </m:mcs>
+                            <m:ctrlPr>
+                              <a:rPr lang="en-US" b="0" i="1" dirty="0" smtClean="0">
+                                <a:latin typeface="Cambria Math" panose="02040503050406030204" pitchFamily="18" charset="0"/>
+                              </a:rPr>
+                            </m:ctrlPr>
+                          </m:mPr>
+                          <m:mr>
+                            <m:e>
+                              <m:r>
+                                <m:rPr>
+                                  <m:brk m:alnAt="7"/>
+                                </m:rPr>
+                                <a:rPr lang="en-US" b="0" i="1" dirty="0" smtClean="0">
+                                  <a:latin typeface="Cambria Math" panose="02040503050406030204" pitchFamily="18" charset="0"/>
+                                </a:rPr>
+                                <m:t>𝑛</m:t>
+                              </m:r>
+                            </m:e>
+                          </m:mr>
+                          <m:mr>
+                            <m:e>
+                              <m:r>
+                                <a:rPr lang="en-US" b="0" i="1" dirty="0" smtClean="0">
+                                  <a:latin typeface="Cambria Math" panose="02040503050406030204" pitchFamily="18" charset="0"/>
+                                </a:rPr>
+                                <m:t>2</m:t>
+                              </m:r>
+                            </m:e>
+                          </m:mr>
+                        </m:m>
+                      </m:e>
+                    </m:d>
+                    <m:r>
+                      <a:rPr lang="en-US" b="0" i="1" smtClean="0">
+                        <a:latin typeface="Cambria Math" panose="02040503050406030204" pitchFamily="18" charset="0"/>
+                      </a:rPr>
+                      <m:t> </m:t>
+                    </m:r>
+                  </m:oMath>
+                </a14:m>
+                <a:r>
+                  <a:rPr lang="en-US" dirty="0"/>
+                  <a:t> terms</a:t>
+                </a:r>
+              </a:p>
+            </p:txBody>
+          </p:sp>
+        </mc:Choice>
+        <mc:Fallback>
+          <p:sp>
+            <p:nvSpPr>
+              <p:cNvPr id="19" name="TextBox 18">
+                <a:extLst>
+                  <a:ext uri="{FF2B5EF4-FFF2-40B4-BE49-F238E27FC236}">
+                    <a16:creationId xmlns:a16="http://schemas.microsoft.com/office/drawing/2014/main" id="{D97898BF-AEC7-0847-AFF0-9CD97652C341}"/>
+                  </a:ext>
+                </a:extLst>
+              </p:cNvPr>
+              <p:cNvSpPr txBox="1">
+                <a:spLocks noRot="1" noChangeAspect="1" noMove="1" noResize="1" noEditPoints="1" noAdjustHandles="1" noChangeArrowheads="1" noChangeShapeType="1" noTextEdit="1"/>
+              </p:cNvSpPr>
+              <p:nvPr/>
+            </p:nvSpPr>
+            <p:spPr>
+              <a:xfrm>
+                <a:off x="4450080" y="3702505"/>
+                <a:ext cx="1240532" cy="506870"/>
+              </a:xfrm>
+              <a:prstGeom prst="rect">
+                <a:avLst/>
+              </a:prstGeom>
+              <a:blipFill>
+                <a:blip r:embed="rId9"/>
+                <a:stretch>
+                  <a:fillRect r="-4082" b="-7317"/>
+                </a:stretch>
+              </a:blipFill>
+            </p:spPr>
+            <p:txBody>
+              <a:bodyPr/>
+              <a:lstStyle/>
+              <a:p>
+                <a:r>
+                  <a:rPr lang="en-US">
+                    <a:noFill/>
+                  </a:rPr>
+                  <a:t> </a:t>
+                </a:r>
+              </a:p>
+            </p:txBody>
+          </p:sp>
+        </mc:Fallback>
+      </mc:AlternateContent>
+      <p:sp>
+        <p:nvSpPr>
+          <p:cNvPr id="20" name="TextBox 19">
+            <a:extLst>
+              <a:ext uri="{FF2B5EF4-FFF2-40B4-BE49-F238E27FC236}">
+                <a16:creationId xmlns:a16="http://schemas.microsoft.com/office/drawing/2014/main" id="{13B76694-7CD6-5844-BC51-28A7FFA9E641}"/>
+              </a:ext>
+            </a:extLst>
+          </p:cNvPr>
+          <p:cNvSpPr txBox="1"/>
+          <p:nvPr/>
+        </p:nvSpPr>
+        <p:spPr>
+          <a:xfrm rot="16200000">
+            <a:off x="2333311" y="3074795"/>
+            <a:ext cx="441146" cy="1015663"/>
+          </a:xfrm>
+          <a:prstGeom prst="rect">
+            <a:avLst/>
+          </a:prstGeom>
+          <a:noFill/>
+        </p:spPr>
+        <p:txBody>
+          <a:bodyPr wrap="none" rtlCol="0">
+            <a:spAutoFit/>
+          </a:bodyPr>
+          <a:lstStyle/>
+          <a:p>
+            <a:r>
+              <a:rPr lang="en-US" sz="6000" dirty="0"/>
+              <a:t>{</a:t>
+            </a:r>
+          </a:p>
+        </p:txBody>
+      </p:sp>
+      <p:sp>
+        <p:nvSpPr>
+          <p:cNvPr id="21" name="TextBox 20">
+            <a:extLst>
+              <a:ext uri="{FF2B5EF4-FFF2-40B4-BE49-F238E27FC236}">
+                <a16:creationId xmlns:a16="http://schemas.microsoft.com/office/drawing/2014/main" id="{DFA5404B-D81D-A944-B145-38C099F18C8A}"/>
+              </a:ext>
+            </a:extLst>
+          </p:cNvPr>
+          <p:cNvSpPr txBox="1"/>
+          <p:nvPr/>
+        </p:nvSpPr>
+        <p:spPr>
+          <a:xfrm rot="16200000">
+            <a:off x="4756644" y="3083943"/>
+            <a:ext cx="441146" cy="1015663"/>
+          </a:xfrm>
+          <a:prstGeom prst="rect">
+            <a:avLst/>
+          </a:prstGeom>
+          <a:noFill/>
+        </p:spPr>
+        <p:txBody>
+          <a:bodyPr wrap="none" rtlCol="0">
+            <a:spAutoFit/>
+          </a:bodyPr>
+          <a:lstStyle/>
+          <a:p>
+            <a:r>
+              <a:rPr lang="en-US" sz="6000" dirty="0"/>
+              <a:t>{</a:t>
+            </a:r>
+          </a:p>
+        </p:txBody>
+      </p:sp>
+    </p:spTree>
+    <p:extLst>
+      <p:ext uri="{BB962C8B-B14F-4D97-AF65-F5344CB8AC3E}">
+        <p14:creationId xmlns:p14="http://schemas.microsoft.com/office/powerpoint/2010/main" val="1508084300"/>
+      </p:ext>
+    </p:extLst>
+  </p:cSld>
+  <p:clrMapOvr>
+    <a:masterClrMapping/>
+  </p:clrMapOvr>
+</p:sld>
+</file>
+
+<file path=ppt/slides/slide8.xml><?xml version="1.0" encoding="utf-8"?>
+<p:sld xmlns:a="http://schemas.openxmlformats.org/drawingml/2006/main" xmlns:r="http://schemas.openxmlformats.org/officeDocument/2006/relationships" xmlns:p="http://schemas.openxmlformats.org/presentationml/2006/main">
+  <p:cSld>
+    <p:spTree>
+      <p:nvGrpSpPr>
+        <p:cNvPr id="1" name=""/>
+        <p:cNvGrpSpPr/>
+        <p:nvPr/>
+      </p:nvGrpSpPr>
+      <p:grpSpPr>
+        <a:xfrm>
+          <a:off x="0" y="0"/>
+          <a:ext cx="0" cy="0"/>
+          <a:chOff x="0" y="0"/>
+          <a:chExt cx="0" cy="0"/>
+        </a:xfrm>
+      </p:grpSpPr>
+      <p:sp>
+        <p:nvSpPr>
+          <p:cNvPr id="5" name="Title 4">
+            <a:extLst>
+              <a:ext uri="{FF2B5EF4-FFF2-40B4-BE49-F238E27FC236}">
+                <a16:creationId xmlns:a16="http://schemas.microsoft.com/office/drawing/2014/main" id="{53B84E58-D828-B64D-8C76-50A3CD962524}"/>
+              </a:ext>
+            </a:extLst>
+          </p:cNvPr>
+          <p:cNvSpPr>
+            <a:spLocks noGrp="1"/>
+          </p:cNvSpPr>
+          <p:nvPr>
+            <p:ph type="title"/>
+          </p:nvPr>
+        </p:nvSpPr>
+        <p:spPr>
+          <a:xfrm>
+            <a:off x="210312" y="381000"/>
+            <a:ext cx="8759952" cy="838200"/>
+          </a:xfrm>
+        </p:spPr>
+        <p:txBody>
+          <a:bodyPr/>
+          <a:lstStyle/>
+          <a:p>
+            <a:r>
+              <a:rPr lang="en-US" dirty="0"/>
+              <a:t>Reducing the Complexity of 2 Factor Designs</a:t>
+            </a:r>
+          </a:p>
+        </p:txBody>
+      </p:sp>
+      <p:sp>
+        <p:nvSpPr>
+          <p:cNvPr id="8" name="Content Placeholder 7">
+            <a:extLst>
+              <a:ext uri="{FF2B5EF4-FFF2-40B4-BE49-F238E27FC236}">
+                <a16:creationId xmlns:a16="http://schemas.microsoft.com/office/drawing/2014/main" id="{35CA9AAC-B2D8-1B46-AF1F-B4FE55948ECA}"/>
+              </a:ext>
+            </a:extLst>
+          </p:cNvPr>
+          <p:cNvSpPr>
+            <a:spLocks noGrp="1"/>
+          </p:cNvSpPr>
+          <p:nvPr>
+            <p:ph idx="1"/>
+          </p:nvPr>
+        </p:nvSpPr>
+        <p:spPr/>
+        <p:txBody>
+          <a:bodyPr/>
+          <a:lstStyle/>
+          <a:p>
+            <a:r>
+              <a:rPr lang="en-US" sz="2400" dirty="0"/>
+              <a:t>Focus on interaction between high impact factors</a:t>
+            </a:r>
+          </a:p>
+          <a:p>
+            <a:r>
+              <a:rPr lang="en-US" sz="2400" dirty="0"/>
+              <a:t>Strategic selection of the number of levels</a:t>
+            </a:r>
+          </a:p>
+          <a:p>
+            <a:pPr lvl="1"/>
+            <a:r>
+              <a:rPr lang="en-US" sz="2000" dirty="0"/>
+              <a:t>Only explore more levels for those factors that have large impact</a:t>
+            </a:r>
+          </a:p>
+        </p:txBody>
+      </p:sp>
+      <p:sp>
+        <p:nvSpPr>
+          <p:cNvPr id="4" name="Slide Number Placeholder 3">
+            <a:extLst>
+              <a:ext uri="{FF2B5EF4-FFF2-40B4-BE49-F238E27FC236}">
+                <a16:creationId xmlns:a16="http://schemas.microsoft.com/office/drawing/2014/main" id="{7FA152CA-E149-F346-BA39-B7DA0623E9A8}"/>
+              </a:ext>
+            </a:extLst>
+          </p:cNvPr>
+          <p:cNvSpPr>
+            <a:spLocks noGrp="1"/>
+          </p:cNvSpPr>
+          <p:nvPr>
+            <p:ph type="sldNum" sz="quarter" idx="11"/>
+          </p:nvPr>
+        </p:nvSpPr>
+        <p:spPr/>
+        <p:txBody>
+          <a:bodyPr/>
+          <a:lstStyle/>
+          <a:p>
+            <a:pPr>
+              <a:defRPr/>
+            </a:pPr>
+            <a:fld id="{3EF4E9CC-9D91-476E-91FD-5BEEC1642931}" type="slidenum">
+              <a:rPr lang="en-US" altLang="x-none" smtClean="0"/>
+              <a:pPr>
+                <a:defRPr/>
+              </a:pPr>
+              <a:t>8</a:t>
+            </a:fld>
+            <a:endParaRPr lang="en-US" altLang="x-none"/>
+          </a:p>
+        </p:txBody>
+      </p:sp>
+    </p:spTree>
+    <p:extLst>
+      <p:ext uri="{BB962C8B-B14F-4D97-AF65-F5344CB8AC3E}">
+        <p14:creationId xmlns:p14="http://schemas.microsoft.com/office/powerpoint/2010/main" val="1043727426"/>
+      </p:ext>
+    </p:extLst>
+  </p:cSld>
+  <p:clrMapOvr>
+    <a:masterClrMapping/>
+  </p:clrMapOvr>
 </p:sld>
 </file>
 

--- a/lecture_5/5_design_of_experiments.pptx
+++ b/lecture_5/5_design_of_experiments.pptx
@@ -5560,6 +5560,45 @@
           </a:fontRef>
         </p:style>
       </p:cxnSp>
+      <p:sp>
+        <p:nvSpPr>
+          <p:cNvPr id="7" name="TextBox 6">
+            <a:extLst>
+              <a:ext uri="{FF2B5EF4-FFF2-40B4-BE49-F238E27FC236}">
+                <a16:creationId xmlns:a16="http://schemas.microsoft.com/office/drawing/2014/main" id="{B21E7669-5A6E-D148-A0A7-68E20A1EDB1C}"/>
+              </a:ext>
+            </a:extLst>
+          </p:cNvPr>
+          <p:cNvSpPr txBox="1"/>
+          <p:nvPr/>
+        </p:nvSpPr>
+        <p:spPr>
+          <a:xfrm>
+            <a:off x="5053271" y="2336399"/>
+            <a:ext cx="3816096" cy="923330"/>
+          </a:xfrm>
+          <a:prstGeom prst="rect">
+            <a:avLst/>
+          </a:prstGeom>
+          <a:solidFill>
+            <a:schemeClr val="bg1">
+              <a:lumMod val="95000"/>
+            </a:schemeClr>
+          </a:solidFill>
+        </p:spPr>
+        <p:txBody>
+          <a:bodyPr wrap="square" rtlCol="0">
+            <a:spAutoFit/>
+          </a:bodyPr>
+          <a:lstStyle/>
+          <a:p>
+            <a:r>
+              <a:rPr lang="en-US" dirty="0"/>
+              <a:t>An experimental design is developed to address a research question.</a:t>
+            </a:r>
+          </a:p>
+        </p:txBody>
+      </p:sp>
     </p:spTree>
     <p:extLst>
       <p:ext uri="{BB962C8B-B14F-4D97-AF65-F5344CB8AC3E}">
@@ -5650,6 +5689,51 @@
                       </p:childTnLst>
                     </p:cTn>
                   </p:par>
+                  <p:par>
+                    <p:cTn id="9" fill="hold">
+                      <p:stCondLst>
+                        <p:cond delay="indefinite"/>
+                      </p:stCondLst>
+                      <p:childTnLst>
+                        <p:par>
+                          <p:cTn id="10" fill="hold">
+                            <p:stCondLst>
+                              <p:cond delay="0"/>
+                            </p:stCondLst>
+                            <p:childTnLst>
+                              <p:par>
+                                <p:cTn id="11" presetID="1" presetClass="entr" presetSubtype="0" fill="hold" grpId="0" nodeType="clickEffect">
+                                  <p:stCondLst>
+                                    <p:cond delay="0"/>
+                                  </p:stCondLst>
+                                  <p:childTnLst>
+                                    <p:set>
+                                      <p:cBhvr>
+                                        <p:cTn id="12" dur="1" fill="hold">
+                                          <p:stCondLst>
+                                            <p:cond delay="0"/>
+                                          </p:stCondLst>
+                                        </p:cTn>
+                                        <p:tgtEl>
+                                          <p:spTgt spid="7"/>
+                                        </p:tgtEl>
+                                        <p:attrNameLst>
+                                          <p:attrName>style.visibility</p:attrName>
+                                        </p:attrNameLst>
+                                      </p:cBhvr>
+                                      <p:to>
+                                        <p:strVal val="visible"/>
+                                      </p:to>
+                                    </p:set>
+                                  </p:childTnLst>
+                                </p:cTn>
+                              </p:par>
+                            </p:childTnLst>
+                          </p:cTn>
+                        </p:par>
+                      </p:childTnLst>
+                    </p:cTn>
+                  </p:par>
                 </p:childTnLst>
               </p:cTn>
               <p:prevCondLst>
@@ -5673,6 +5757,7 @@
     </p:tnLst>
     <p:bldLst>
       <p:bldP spid="6" grpId="0"/>
+      <p:bldP spid="7" grpId="0"/>
     </p:bldLst>
   </p:timing>
 </p:sld>
@@ -5849,7 +5934,7 @@
             </a:r>
             <a:r>
               <a:rPr lang="en-US" dirty="0"/>
-              <a:t>: Value of a parameter</a:t>
+              <a:t>: Value/setting of a factor</a:t>
             </a:r>
           </a:p>
           <a:p>
@@ -5859,7 +5944,7 @@
             </a:r>
             <a:r>
               <a:rPr lang="en-US" dirty="0"/>
-              <a:t>:  Something measured</a:t>
+              <a:t>:  Measured result of an experiment</a:t>
             </a:r>
           </a:p>
         </p:txBody>
@@ -5878,13 +5963,17 @@
         </p:nvSpPr>
         <p:spPr>
           <a:xfrm>
-            <a:off x="758952" y="4764024"/>
+            <a:off x="2103120" y="5184648"/>
             <a:ext cx="4105656" cy="1200329"/>
           </a:xfrm>
           <a:prstGeom prst="rect">
             <a:avLst/>
           </a:prstGeom>
-          <a:noFill/>
+          <a:solidFill>
+            <a:schemeClr val="bg1">
+              <a:lumMod val="95000"/>
+            </a:schemeClr>
+          </a:solidFill>
         </p:spPr>
         <p:txBody>
           <a:bodyPr wrap="square" rtlCol="0">
@@ -5912,7 +6001,7 @@
             </a:pPr>
             <a:r>
               <a:rPr lang="en-US" dirty="0"/>
-              <a:t>the system under study </a:t>
+              <a:t>experimental environment</a:t>
             </a:r>
           </a:p>
           <a:p>
@@ -5922,7 +6011,7 @@
             </a:pPr>
             <a:r>
               <a:rPr lang="en-US" dirty="0"/>
-              <a:t>the factors varied</a:t>
+              <a:t>factors and their levels</a:t>
             </a:r>
           </a:p>
           <a:p>
@@ -5932,42 +6021,7 @@
             </a:pPr>
             <a:r>
               <a:rPr lang="en-US" dirty="0"/>
-              <a:t>the responses measured.</a:t>
-            </a:r>
-          </a:p>
-        </p:txBody>
-      </p:sp>
-      <p:sp>
-        <p:nvSpPr>
-          <p:cNvPr id="7" name="TextBox 6">
-            <a:extLst>
-              <a:ext uri="{FF2B5EF4-FFF2-40B4-BE49-F238E27FC236}">
-                <a16:creationId xmlns:a16="http://schemas.microsoft.com/office/drawing/2014/main" id="{01F2FB9C-544E-A34E-AE38-7A9D2878EA81}"/>
-              </a:ext>
-            </a:extLst>
-          </p:cNvPr>
-          <p:cNvSpPr txBox="1"/>
-          <p:nvPr/>
-        </p:nvSpPr>
-        <p:spPr>
-          <a:xfrm>
-            <a:off x="4953000" y="4781515"/>
-            <a:ext cx="3816096" cy="923330"/>
-          </a:xfrm>
-          <a:prstGeom prst="rect">
-            <a:avLst/>
-          </a:prstGeom>
-          <a:noFill/>
-        </p:spPr>
-        <p:txBody>
-          <a:bodyPr wrap="square" rtlCol="0">
-            <a:spAutoFit/>
-          </a:bodyPr>
-          <a:lstStyle/>
-          <a:p>
-            <a:r>
-              <a:rPr lang="en-US" dirty="0"/>
-              <a:t>An experimental design is developed to address a research question.</a:t>
+              <a:t>responses</a:t>
             </a:r>
           </a:p>
         </p:txBody>
@@ -6035,51 +6089,6 @@
                       </p:childTnLst>
                     </p:cTn>
                   </p:par>
-                  <p:par>
-                    <p:cTn id="7" fill="hold">
-                      <p:stCondLst>
-                        <p:cond delay="indefinite"/>
-                      </p:stCondLst>
-                      <p:childTnLst>
-                        <p:par>
-                          <p:cTn id="8" fill="hold">
-                            <p:stCondLst>
-                              <p:cond delay="0"/>
-                            </p:stCondLst>
-                            <p:childTnLst>
-                              <p:par>
-                                <p:cTn id="9" presetID="1" presetClass="entr" presetSubtype="0" fill="hold" grpId="0" nodeType="clickEffect">
-                                  <p:stCondLst>
-                                    <p:cond delay="0"/>
-                                  </p:stCondLst>
-                                  <p:childTnLst>
-                                    <p:set>
-                                      <p:cBhvr>
-                                        <p:cTn id="10" dur="1" fill="hold">
-                                          <p:stCondLst>
-                                            <p:cond delay="0"/>
-                                          </p:stCondLst>
-                                        </p:cTn>
-                                        <p:tgtEl>
-                                          <p:spTgt spid="7"/>
-                                        </p:tgtEl>
-                                        <p:attrNameLst>
-                                          <p:attrName>style.visibility</p:attrName>
-                                        </p:attrNameLst>
-                                      </p:cBhvr>
-                                      <p:to>
-                                        <p:strVal val="visible"/>
-                                      </p:to>
-                                    </p:set>
-                                  </p:childTnLst>
-                                </p:cTn>
-                              </p:par>
-                            </p:childTnLst>
-                          </p:cTn>
-                        </p:par>
-                      </p:childTnLst>
-                    </p:cTn>
-                  </p:par>
                 </p:childTnLst>
               </p:cTn>
               <p:prevCondLst>
@@ -6103,7 +6112,6 @@
     </p:tnLst>
     <p:bldLst>
       <p:bldP spid="5" grpId="0"/>
-      <p:bldP spid="7" grpId="0"/>
     </p:bldLst>
   </p:timing>
 </p:sld>
@@ -6419,8 +6427,8 @@
         </p:nvSpPr>
         <p:spPr>
           <a:xfrm>
-            <a:off x="3103681" y="6052684"/>
-            <a:ext cx="1031051" cy="646331"/>
+            <a:off x="2856793" y="6052684"/>
+            <a:ext cx="1633781" cy="646331"/>
           </a:xfrm>
           <a:prstGeom prst="rect">
             <a:avLst/>
@@ -6439,7 +6447,7 @@
                   <a:srgbClr val="002060"/>
                 </a:solidFill>
               </a:rPr>
-              <a:t>System</a:t>
+              <a:t>Experimental</a:t>
             </a:r>
           </a:p>
           <a:p>
@@ -6449,7 +6457,7 @@
                   <a:srgbClr val="002060"/>
                 </a:solidFill>
               </a:rPr>
-              <a:t>Studied</a:t>
+              <a:t>Environment</a:t>
             </a:r>
           </a:p>
         </p:txBody>
@@ -6979,14 +6987,19 @@
             <p:ph type="title"/>
           </p:nvPr>
         </p:nvSpPr>
-        <p:spPr/>
+        <p:spPr>
+          <a:xfrm>
+            <a:off x="192024" y="228600"/>
+            <a:ext cx="8721646" cy="838200"/>
+          </a:xfrm>
+        </p:spPr>
         <p:txBody>
           <a:bodyPr/>
           <a:lstStyle/>
           <a:p>
             <a:r>
               <a:rPr lang="en-US" dirty="0"/>
-              <a:t>Factorial (All Factor) Design</a:t>
+              <a:t>Factorial Design: All Combinations of Factor Levels</a:t>
             </a:r>
           </a:p>
         </p:txBody>
@@ -7071,7 +7084,7 @@
           <p:nvPr>
             <p:extLst>
               <p:ext uri="{D42A27DB-BD31-4B8C-83A1-F6EECF244321}">
-                <p14:modId xmlns:p14="http://schemas.microsoft.com/office/powerpoint/2010/main" val="1197681033"/>
+                <p14:modId xmlns:p14="http://schemas.microsoft.com/office/powerpoint/2010/main" val="3960644199"/>
               </p:ext>
             </p:extLst>
           </p:nvPr>
@@ -7132,7 +7145,7 @@
                       <a:pPr algn="ctr"/>
                       <a:r>
                         <a:rPr lang="en-US" dirty="0"/>
-                        <a:t>#simulations</a:t>
+                        <a:t>#experiments</a:t>
                       </a:r>
                     </a:p>
                   </a:txBody>
@@ -7625,7 +7638,7 @@
           <a:p>
             <a:r>
               <a:rPr lang="en-US" dirty="0"/>
-              <a:t>Single Factor Design</a:t>
+              <a:t>One Factor at a Time (OFT): Design</a:t>
             </a:r>
           </a:p>
         </p:txBody>
@@ -7713,7 +7726,7 @@
           <p:nvPr>
             <p:extLst>
               <p:ext uri="{D42A27DB-BD31-4B8C-83A1-F6EECF244321}">
-                <p14:modId xmlns:p14="http://schemas.microsoft.com/office/powerpoint/2010/main" val="3955712922"/>
+                <p14:modId xmlns:p14="http://schemas.microsoft.com/office/powerpoint/2010/main" val="723715408"/>
               </p:ext>
             </p:extLst>
           </p:nvPr>
@@ -7767,7 +7780,7 @@
                       <a:pPr algn="ctr"/>
                       <a:r>
                         <a:rPr lang="en-US" dirty="0"/>
-                        <a:t>#simulations</a:t>
+                        <a:t>#experiments</a:t>
                       </a:r>
                     </a:p>
                   </a:txBody>
@@ -8971,7 +8984,7 @@
           <a:p>
             <a:r>
               <a:rPr lang="en-US" dirty="0"/>
-              <a:t>2 Factor Design</a:t>
+              <a:t>Two Factors in Combination (TFC) Design</a:t>
             </a:r>
           </a:p>
         </p:txBody>
@@ -9026,14 +9039,14 @@
           <p:nvPr>
             <p:extLst>
               <p:ext uri="{D42A27DB-BD31-4B8C-83A1-F6EECF244321}">
-                <p14:modId xmlns:p14="http://schemas.microsoft.com/office/powerpoint/2010/main" val="4226070352"/>
+                <p14:modId xmlns:p14="http://schemas.microsoft.com/office/powerpoint/2010/main" val="3064086732"/>
               </p:ext>
             </p:extLst>
           </p:nvPr>
         </p:nvGraphicFramePr>
         <p:xfrm>
           <a:off x="2325624" y="1181101"/>
-          <a:ext cx="3901440" cy="1572768"/>
+          <a:ext cx="4312920" cy="1572768"/>
         </p:xfrm>
         <a:graphic>
           <a:graphicData uri="http://schemas.openxmlformats.org/drawingml/2006/table">
@@ -9042,28 +9055,28 @@
                 <a:tableStyleId>{5C22544A-7EE6-4342-B048-85BDC9FD1C3A}</a:tableStyleId>
               </a:tblPr>
               <a:tblGrid>
-                <a:gridCol w="975360">
+                <a:gridCol w="1078230">
                   <a:extLst>
                     <a:ext uri="{9D8B030D-6E8A-4147-A177-3AD203B41FA5}">
                       <a16:colId xmlns:a16="http://schemas.microsoft.com/office/drawing/2014/main" val="1282448432"/>
                     </a:ext>
                   </a:extLst>
                 </a:gridCol>
-                <a:gridCol w="975360">
+                <a:gridCol w="1078230">
                   <a:extLst>
                     <a:ext uri="{9D8B030D-6E8A-4147-A177-3AD203B41FA5}">
                       <a16:colId xmlns:a16="http://schemas.microsoft.com/office/drawing/2014/main" val="2093100773"/>
                     </a:ext>
                   </a:extLst>
                 </a:gridCol>
-                <a:gridCol w="975360">
+                <a:gridCol w="1078230">
                   <a:extLst>
                     <a:ext uri="{9D8B030D-6E8A-4147-A177-3AD203B41FA5}">
                       <a16:colId xmlns:a16="http://schemas.microsoft.com/office/drawing/2014/main" val="729574387"/>
                     </a:ext>
                   </a:extLst>
                 </a:gridCol>
-                <a:gridCol w="975360">
+                <a:gridCol w="1078230">
                   <a:extLst>
                     <a:ext uri="{9D8B030D-6E8A-4147-A177-3AD203B41FA5}">
                       <a16:colId xmlns:a16="http://schemas.microsoft.com/office/drawing/2014/main" val="1474237187"/>
@@ -9077,6 +9090,7 @@
                     <a:bodyPr/>
                     <a:lstStyle/>
                     <a:p>
+                      <a:pPr algn="ctr"/>
                       <a:r>
                         <a:rPr lang="en-US" dirty="0"/>
                         <a:t># levels</a:t>
@@ -9090,9 +9104,10 @@
                     <a:bodyPr/>
                     <a:lstStyle/>
                     <a:p>
+                      <a:pPr algn="ctr"/>
                       <a:r>
                         <a:rPr lang="en-US" dirty="0"/>
-                        <a:t>1 factor</a:t>
+                        <a:t>OFT</a:t>
                       </a:r>
                     </a:p>
                   </a:txBody>
@@ -9103,9 +9118,10 @@
                     <a:bodyPr/>
                     <a:lstStyle/>
                     <a:p>
+                      <a:pPr algn="ctr"/>
                       <a:r>
                         <a:rPr lang="en-US" dirty="0"/>
-                        <a:t>2 factor</a:t>
+                        <a:t>TFC</a:t>
                       </a:r>
                     </a:p>
                   </a:txBody>
@@ -9116,9 +9132,10 @@
                     <a:bodyPr/>
                     <a:lstStyle/>
                     <a:p>
+                      <a:pPr algn="ctr"/>
                       <a:r>
                         <a:rPr lang="en-US" dirty="0"/>
-                        <a:t>All</a:t>
+                        <a:t>Factorial</a:t>
                       </a:r>
                     </a:p>
                   </a:txBody>
@@ -9793,8 +9810,8 @@
         </p:nvSpPr>
         <p:spPr>
           <a:xfrm>
-            <a:off x="3562111" y="833629"/>
-            <a:ext cx="1595309" cy="369332"/>
+            <a:off x="3196351" y="833629"/>
+            <a:ext cx="3044423" cy="369332"/>
           </a:xfrm>
           <a:prstGeom prst="rect">
             <a:avLst/>
@@ -9809,7 +9826,7 @@
           <a:p>
             <a:r>
               <a:rPr lang="en-US" b="1" dirty="0"/>
-              <a:t>#simulations</a:t>
+              <a:t>#experiments (16 Factors)</a:t>
             </a:r>
           </a:p>
         </p:txBody>
@@ -10968,7 +10985,7 @@
           <a:p>
             <a:r>
               <a:rPr lang="en-US" dirty="0"/>
-              <a:t>Reducing the Complexity of 2 Factor Designs</a:t>
+              <a:t>Reducing the Complexity of TFC Designs</a:t>
             </a:r>
           </a:p>
         </p:txBody>

--- a/lecture_5/5_design_of_experiments.pptx
+++ b/lecture_5/5_design_of_experiments.pptx
@@ -5,10 +5,10 @@
     <p:sldMasterId id="2147483648" r:id="rId1"/>
   </p:sldMasterIdLst>
   <p:notesMasterIdLst>
-    <p:notesMasterId r:id="rId10"/>
+    <p:notesMasterId r:id="rId11"/>
   </p:notesMasterIdLst>
   <p:handoutMasterIdLst>
-    <p:handoutMasterId r:id="rId11"/>
+    <p:handoutMasterId r:id="rId12"/>
   </p:handoutMasterIdLst>
   <p:sldIdLst>
     <p:sldId id="347" r:id="rId2"/>
@@ -19,6 +19,7 @@
     <p:sldId id="356" r:id="rId7"/>
     <p:sldId id="354" r:id="rId8"/>
     <p:sldId id="357" r:id="rId9"/>
+    <p:sldId id="358" r:id="rId10"/>
   </p:sldIdLst>
   <p:sldSz cx="9144000" cy="6858000" type="screen4x3"/>
   <p:notesSz cx="6858000" cy="9144000"/>
@@ -281,7 +282,7 @@
               <a:pPr>
                 <a:defRPr/>
               </a:pPr>
-              <a:t>12/31/20</a:t>
+              <a:t>1/28/21</a:t>
             </a:fld>
             <a:endParaRPr lang="en-US" altLang="x-none"/>
           </a:p>
@@ -490,7 +491,7 @@
               <a:pPr>
                 <a:defRPr/>
               </a:pPr>
-              <a:t>12/31/20</a:t>
+              <a:t>1/28/21</a:t>
             </a:fld>
             <a:endParaRPr lang="en-US" altLang="x-none"/>
           </a:p>
@@ -5757,7 +5758,7 @@
     </p:tnLst>
     <p:bldLst>
       <p:bldP spid="6" grpId="0"/>
-      <p:bldP spid="7" grpId="0"/>
+      <p:bldP spid="7" grpId="0" animBg="1"/>
     </p:bldLst>
   </p:timing>
 </p:sld>
@@ -6111,7 +6112,7 @@
       </p:par>
     </p:tnLst>
     <p:bldLst>
-      <p:bldP spid="5" grpId="0"/>
+      <p:bldP spid="5" grpId="0" animBg="1"/>
     </p:bldLst>
   </p:timing>
 </p:sld>
@@ -7936,8 +7937,8 @@
           </a:p>
         </p:txBody>
       </p:sp>
-      <mc:AlternateContent xmlns:mc="http://schemas.openxmlformats.org/markup-compatibility/2006">
-        <mc:Choice xmlns:a14="http://schemas.microsoft.com/office/drawing/2010/main" Requires="a14">
+      <mc:AlternateContent xmlns:mc="http://schemas.openxmlformats.org/markup-compatibility/2006" xmlns:a14="http://schemas.microsoft.com/office/drawing/2010/main">
+        <mc:Choice Requires="a14">
           <p:sp>
             <p:nvSpPr>
               <p:cNvPr id="9" name="TextBox 8">
@@ -7966,6 +7967,7 @@
               </a:bodyPr>
               <a:lstStyle/>
               <a:p>
+                <a:pPr/>
                 <a14:m>
                   <m:oMathPara xmlns:m="http://schemas.openxmlformats.org/officeDocument/2006/math">
                     <m:oMathParaPr>
@@ -8119,7 +8121,7 @@
             </p:txBody>
           </p:sp>
         </mc:Choice>
-        <mc:Fallback>
+        <mc:Fallback xmlns="">
           <p:sp>
             <p:nvSpPr>
               <p:cNvPr id="9" name="TextBox 8">
@@ -8349,8 +8351,8 @@
           </a:p>
         </p:txBody>
       </p:sp>
-      <mc:AlternateContent xmlns:mc="http://schemas.openxmlformats.org/markup-compatibility/2006">
-        <mc:Choice xmlns:a14="http://schemas.microsoft.com/office/drawing/2010/main" Requires="a14">
+      <mc:AlternateContent xmlns:mc="http://schemas.openxmlformats.org/markup-compatibility/2006" xmlns:a14="http://schemas.microsoft.com/office/drawing/2010/main">
+        <mc:Choice Requires="a14">
           <p:sp>
             <p:nvSpPr>
               <p:cNvPr id="12" name="TextBox 11">
@@ -8397,7 +8399,7 @@
             </p:txBody>
           </p:sp>
         </mc:Choice>
-        <mc:Fallback>
+        <mc:Fallback xmlns="">
           <p:sp>
             <p:nvSpPr>
               <p:cNvPr id="12" name="TextBox 11">
@@ -8442,8 +8444,8 @@
           </p:sp>
         </mc:Fallback>
       </mc:AlternateContent>
-      <mc:AlternateContent xmlns:mc="http://schemas.openxmlformats.org/markup-compatibility/2006">
-        <mc:Choice xmlns:a14="http://schemas.microsoft.com/office/drawing/2010/main" Requires="a14">
+      <mc:AlternateContent xmlns:mc="http://schemas.openxmlformats.org/markup-compatibility/2006" xmlns:a14="http://schemas.microsoft.com/office/drawing/2010/main">
+        <mc:Choice Requires="a14">
           <p:sp>
             <p:nvSpPr>
               <p:cNvPr id="13" name="TextBox 12">
@@ -8557,7 +8559,7 @@
             </p:txBody>
           </p:sp>
         </mc:Choice>
-        <mc:Fallback>
+        <mc:Fallback xmlns="">
           <p:sp>
             <p:nvSpPr>
               <p:cNvPr id="13" name="TextBox 12">
@@ -8602,8 +8604,8 @@
           </p:sp>
         </mc:Fallback>
       </mc:AlternateContent>
-      <mc:AlternateContent xmlns:mc="http://schemas.openxmlformats.org/markup-compatibility/2006">
-        <mc:Choice xmlns:a14="http://schemas.microsoft.com/office/drawing/2010/main" Requires="a14">
+      <mc:AlternateContent xmlns:mc="http://schemas.openxmlformats.org/markup-compatibility/2006" xmlns:a14="http://schemas.microsoft.com/office/drawing/2010/main">
+        <mc:Choice Requires="a14">
           <p:sp>
             <p:nvSpPr>
               <p:cNvPr id="14" name="TextBox 13">
@@ -8650,7 +8652,7 @@
             </p:txBody>
           </p:sp>
         </mc:Choice>
-        <mc:Fallback>
+        <mc:Fallback xmlns="">
           <p:sp>
             <p:nvSpPr>
               <p:cNvPr id="14" name="TextBox 13">
@@ -9370,8 +9372,8 @@
           </a:graphicData>
         </a:graphic>
       </p:graphicFrame>
-      <mc:AlternateContent xmlns:mc="http://schemas.openxmlformats.org/markup-compatibility/2006">
-        <mc:Choice xmlns:a14="http://schemas.microsoft.com/office/drawing/2010/main" Requires="a14">
+      <mc:AlternateContent xmlns:mc="http://schemas.openxmlformats.org/markup-compatibility/2006" xmlns:a14="http://schemas.microsoft.com/office/drawing/2010/main">
+        <mc:Choice Requires="a14">
           <p:sp>
             <p:nvSpPr>
               <p:cNvPr id="12" name="TextBox 11">
@@ -9400,6 +9402,7 @@
               </a:bodyPr>
               <a:lstStyle/>
               <a:p>
+                <a:pPr/>
                 <a14:m>
                   <m:oMathPara xmlns:m="http://schemas.openxmlformats.org/officeDocument/2006/math">
                     <m:oMathParaPr>
@@ -9751,7 +9754,7 @@
             </p:txBody>
           </p:sp>
         </mc:Choice>
-        <mc:Fallback>
+        <mc:Fallback xmlns="">
           <p:sp>
             <p:nvSpPr>
               <p:cNvPr id="12" name="TextBox 11">
@@ -9831,8 +9834,8 @@
           </a:p>
         </p:txBody>
       </p:sp>
-      <mc:AlternateContent xmlns:mc="http://schemas.openxmlformats.org/markup-compatibility/2006">
-        <mc:Choice xmlns:a14="http://schemas.microsoft.com/office/drawing/2010/main" Requires="a14">
+      <mc:AlternateContent xmlns:mc="http://schemas.openxmlformats.org/markup-compatibility/2006" xmlns:a14="http://schemas.microsoft.com/office/drawing/2010/main">
+        <mc:Choice Requires="a14">
           <p:sp>
             <p:nvSpPr>
               <p:cNvPr id="14" name="TextBox 13">
@@ -9879,7 +9882,7 @@
             </p:txBody>
           </p:sp>
         </mc:Choice>
-        <mc:Fallback>
+        <mc:Fallback xmlns="">
           <p:sp>
             <p:nvSpPr>
               <p:cNvPr id="14" name="TextBox 13">
@@ -9924,8 +9927,8 @@
           </p:sp>
         </mc:Fallback>
       </mc:AlternateContent>
-      <mc:AlternateContent xmlns:mc="http://schemas.openxmlformats.org/markup-compatibility/2006">
-        <mc:Choice xmlns:a14="http://schemas.microsoft.com/office/drawing/2010/main" Requires="a14">
+      <mc:AlternateContent xmlns:mc="http://schemas.openxmlformats.org/markup-compatibility/2006" xmlns:a14="http://schemas.microsoft.com/office/drawing/2010/main">
+        <mc:Choice Requires="a14">
           <p:sp>
             <p:nvSpPr>
               <p:cNvPr id="15" name="TextBox 14">
@@ -10039,7 +10042,7 @@
             </p:txBody>
           </p:sp>
         </mc:Choice>
-        <mc:Fallback>
+        <mc:Fallback xmlns="">
           <p:sp>
             <p:nvSpPr>
               <p:cNvPr id="15" name="TextBox 14">
@@ -10084,8 +10087,8 @@
           </p:sp>
         </mc:Fallback>
       </mc:AlternateContent>
-      <mc:AlternateContent xmlns:mc="http://schemas.openxmlformats.org/markup-compatibility/2006">
-        <mc:Choice xmlns:a14="http://schemas.microsoft.com/office/drawing/2010/main" Requires="a14">
+      <mc:AlternateContent xmlns:mc="http://schemas.openxmlformats.org/markup-compatibility/2006" xmlns:a14="http://schemas.microsoft.com/office/drawing/2010/main">
+        <mc:Choice Requires="a14">
           <p:sp>
             <p:nvSpPr>
               <p:cNvPr id="16" name="TextBox 15">
@@ -10132,7 +10135,7 @@
             </p:txBody>
           </p:sp>
         </mc:Choice>
-        <mc:Fallback>
+        <mc:Fallback xmlns="">
           <p:sp>
             <p:nvSpPr>
               <p:cNvPr id="16" name="TextBox 15">
@@ -10177,8 +10180,8 @@
           </p:sp>
         </mc:Fallback>
       </mc:AlternateContent>
-      <mc:AlternateContent xmlns:mc="http://schemas.openxmlformats.org/markup-compatibility/2006">
-        <mc:Choice xmlns:a14="http://schemas.microsoft.com/office/drawing/2010/main" Requires="a14">
+      <mc:AlternateContent xmlns:mc="http://schemas.openxmlformats.org/markup-compatibility/2006" xmlns:a14="http://schemas.microsoft.com/office/drawing/2010/main">
+        <mc:Choice Requires="a14">
           <p:sp>
             <p:nvSpPr>
               <p:cNvPr id="17" name="TextBox 16">
@@ -10569,7 +10572,7 @@
             </p:txBody>
           </p:sp>
         </mc:Choice>
-        <mc:Fallback>
+        <mc:Fallback xmlns="">
           <p:sp>
             <p:nvSpPr>
               <p:cNvPr id="17" name="TextBox 16">
@@ -10614,8 +10617,8 @@
           </p:sp>
         </mc:Fallback>
       </mc:AlternateContent>
-      <mc:AlternateContent xmlns:mc="http://schemas.openxmlformats.org/markup-compatibility/2006">
-        <mc:Choice xmlns:a14="http://schemas.microsoft.com/office/drawing/2010/main" Requires="a14">
+      <mc:AlternateContent xmlns:mc="http://schemas.openxmlformats.org/markup-compatibility/2006" xmlns:a14="http://schemas.microsoft.com/office/drawing/2010/main">
+        <mc:Choice Requires="a14">
           <p:sp>
             <p:nvSpPr>
               <p:cNvPr id="18" name="TextBox 17">
@@ -10668,7 +10671,7 @@
             </p:txBody>
           </p:sp>
         </mc:Choice>
-        <mc:Fallback>
+        <mc:Fallback xmlns="">
           <p:sp>
             <p:nvSpPr>
               <p:cNvPr id="18" name="TextBox 17">
@@ -10713,8 +10716,8 @@
           </p:sp>
         </mc:Fallback>
       </mc:AlternateContent>
-      <mc:AlternateContent xmlns:mc="http://schemas.openxmlformats.org/markup-compatibility/2006">
-        <mc:Choice xmlns:a14="http://schemas.microsoft.com/office/drawing/2010/main" Requires="a14">
+      <mc:AlternateContent xmlns:mc="http://schemas.openxmlformats.org/markup-compatibility/2006" xmlns:a14="http://schemas.microsoft.com/office/drawing/2010/main">
+        <mc:Choice Requires="a14">
           <p:sp>
             <p:nvSpPr>
               <p:cNvPr id="19" name="TextBox 18">
@@ -10812,7 +10815,7 @@
             </p:txBody>
           </p:sp>
         </mc:Choice>
-        <mc:Fallback>
+        <mc:Fallback xmlns="">
           <p:sp>
             <p:nvSpPr>
               <p:cNvPr id="19" name="TextBox 18">
@@ -11070,6 +11073,147 @@
     <p:extLst>
       <p:ext uri="{BB962C8B-B14F-4D97-AF65-F5344CB8AC3E}">
         <p14:creationId xmlns:p14="http://schemas.microsoft.com/office/powerpoint/2010/main" val="1043727426"/>
+      </p:ext>
+    </p:extLst>
+  </p:cSld>
+  <p:clrMapOvr>
+    <a:masterClrMapping/>
+  </p:clrMapOvr>
+</p:sld>
+</file>
+
+<file path=ppt/slides/slide9.xml><?xml version="1.0" encoding="utf-8"?>
+<p:sld xmlns:a="http://schemas.openxmlformats.org/drawingml/2006/main" xmlns:r="http://schemas.openxmlformats.org/officeDocument/2006/relationships" xmlns:p="http://schemas.openxmlformats.org/presentationml/2006/main">
+  <p:cSld>
+    <p:spTree>
+      <p:nvGrpSpPr>
+        <p:cNvPr id="1" name=""/>
+        <p:cNvGrpSpPr/>
+        <p:nvPr/>
+      </p:nvGrpSpPr>
+      <p:grpSpPr>
+        <a:xfrm>
+          <a:off x="0" y="0"/>
+          <a:ext cx="0" cy="0"/>
+          <a:chOff x="0" y="0"/>
+          <a:chExt cx="0" cy="0"/>
+        </a:xfrm>
+      </p:grpSpPr>
+      <p:sp>
+        <p:nvSpPr>
+          <p:cNvPr id="2" name="Title 1">
+            <a:extLst>
+              <a:ext uri="{FF2B5EF4-FFF2-40B4-BE49-F238E27FC236}">
+                <a16:creationId xmlns:a16="http://schemas.microsoft.com/office/drawing/2014/main" id="{C7BE94D5-0F3C-C342-8F3E-68BE6FB5C85F}"/>
+              </a:ext>
+            </a:extLst>
+          </p:cNvPr>
+          <p:cNvSpPr>
+            <a:spLocks noGrp="1"/>
+          </p:cNvSpPr>
+          <p:nvPr>
+            <p:ph type="title"/>
+          </p:nvPr>
+        </p:nvSpPr>
+        <p:spPr/>
+        <p:txBody>
+          <a:bodyPr/>
+          <a:lstStyle/>
+          <a:p>
+            <a:r>
+              <a:rPr lang="en-US" dirty="0"/>
+              <a:t>Notes</a:t>
+            </a:r>
+          </a:p>
+        </p:txBody>
+      </p:sp>
+      <p:sp>
+        <p:nvSpPr>
+          <p:cNvPr id="3" name="Content Placeholder 2">
+            <a:extLst>
+              <a:ext uri="{FF2B5EF4-FFF2-40B4-BE49-F238E27FC236}">
+                <a16:creationId xmlns:a16="http://schemas.microsoft.com/office/drawing/2014/main" id="{A22C67AD-A24C-1546-A4DC-CE449A4E0BB2}"/>
+              </a:ext>
+            </a:extLst>
+          </p:cNvPr>
+          <p:cNvSpPr>
+            <a:spLocks noGrp="1"/>
+          </p:cNvSpPr>
+          <p:nvPr>
+            <p:ph idx="1"/>
+          </p:nvPr>
+        </p:nvSpPr>
+        <p:spPr/>
+        <p:txBody>
+          <a:bodyPr/>
+          <a:lstStyle/>
+          <a:p>
+            <a:r>
+              <a:rPr lang="en-US" dirty="0"/>
+              <a:t>Give more examples to clarify what is a factor, a level, a response.</a:t>
+            </a:r>
+          </a:p>
+          <a:p>
+            <a:r>
+              <a:rPr lang="en-US" dirty="0"/>
+              <a:t>Include cases where there are multiple responses.</a:t>
+            </a:r>
+          </a:p>
+          <a:p>
+            <a:r>
+              <a:rPr lang="en-US" dirty="0"/>
+              <a:t>Better illustrate and motivate the decomposition of response into different parts, including </a:t>
+            </a:r>
+            <a:r>
+              <a:rPr lang="en-US"/>
+              <a:t>interactions.</a:t>
+            </a:r>
+            <a:br>
+              <a:rPr lang="en-US"/>
+            </a:br>
+            <a:endParaRPr lang="en-US"/>
+          </a:p>
+        </p:txBody>
+      </p:sp>
+      <p:sp>
+        <p:nvSpPr>
+          <p:cNvPr id="4" name="Slide Number Placeholder 3">
+            <a:extLst>
+              <a:ext uri="{FF2B5EF4-FFF2-40B4-BE49-F238E27FC236}">
+                <a16:creationId xmlns:a16="http://schemas.microsoft.com/office/drawing/2014/main" id="{548670BB-B188-FC48-B4B2-6CFE74D28C8C}"/>
+              </a:ext>
+            </a:extLst>
+          </p:cNvPr>
+          <p:cNvSpPr>
+            <a:spLocks noGrp="1"/>
+          </p:cNvSpPr>
+          <p:nvPr>
+            <p:ph type="sldNum" sz="quarter" idx="11"/>
+          </p:nvPr>
+        </p:nvSpPr>
+        <p:spPr/>
+        <p:txBody>
+          <a:bodyPr/>
+          <a:lstStyle/>
+          <a:p>
+            <a:pPr>
+              <a:defRPr/>
+            </a:pPr>
+            <a:fld id="{3EF4E9CC-9D91-476E-91FD-5BEEC1642931}" type="slidenum">
+              <a:rPr lang="en-US" altLang="x-none" smtClean="0"/>
+              <a:pPr>
+                <a:defRPr/>
+              </a:pPr>
+              <a:t>9</a:t>
+            </a:fld>
+            <a:endParaRPr lang="en-US" altLang="x-none"/>
+          </a:p>
+        </p:txBody>
+      </p:sp>
+    </p:spTree>
+    <p:extLst>
+      <p:ext uri="{BB962C8B-B14F-4D97-AF65-F5344CB8AC3E}">
+        <p14:creationId xmlns:p14="http://schemas.microsoft.com/office/powerpoint/2010/main" val="3138905476"/>
       </p:ext>
     </p:extLst>
   </p:cSld>
